--- a/microsoft-azure-and-azure-devops/images/figures.pptx
+++ b/microsoft-azure-and-azure-devops/images/figures.pptx
@@ -6,6 +6,15 @@
   </p:sldMasterIdLst>
   <p:sldIdLst>
     <p:sldId id="256" r:id="rId2"/>
+    <p:sldId id="257" r:id="rId3"/>
+    <p:sldId id="258" r:id="rId4"/>
+    <p:sldId id="259" r:id="rId5"/>
+    <p:sldId id="263" r:id="rId6"/>
+    <p:sldId id="261" r:id="rId7"/>
+    <p:sldId id="260" r:id="rId8"/>
+    <p:sldId id="264" r:id="rId9"/>
+    <p:sldId id="262" r:id="rId10"/>
+    <p:sldId id="265" r:id="rId11"/>
   </p:sldIdLst>
   <p:sldSz cx="12192000" cy="6858000"/>
   <p:notesSz cx="6858000" cy="9144000"/>
@@ -104,6 +113,11 @@
       </a:defRPr>
     </a:lvl9pPr>
   </p:defaultTextStyle>
+  <p:extLst>
+    <p:ext uri="{EFAFB233-063F-42B5-8137-9DF3F51BA10A}">
+      <p15:sldGuideLst xmlns:p15="http://schemas.microsoft.com/office/powerpoint/2012/main"/>
+    </p:ext>
+  </p:extLst>
 </p:presentation>
 </file>
 
@@ -254,7 +268,7 @@
           <a:p>
             <a:fld id="{EE9BC1A2-3941-4F99-94F7-E87D860CDE54}" type="datetimeFigureOut">
               <a:rPr kumimoji="1" lang="ja-JP" altLang="en-US" smtClean="0"/>
-              <a:t>2019/7/31</a:t>
+              <a:t>2020/2/26</a:t>
             </a:fld>
             <a:endParaRPr kumimoji="1" lang="ja-JP" altLang="en-US"/>
           </a:p>
@@ -484,7 +498,7 @@
           <a:p>
             <a:fld id="{EE9BC1A2-3941-4F99-94F7-E87D860CDE54}" type="datetimeFigureOut">
               <a:rPr kumimoji="1" lang="ja-JP" altLang="en-US" smtClean="0"/>
-              <a:t>2019/7/31</a:t>
+              <a:t>2020/2/26</a:t>
             </a:fld>
             <a:endParaRPr kumimoji="1" lang="ja-JP" altLang="en-US"/>
           </a:p>
@@ -724,7 +738,7 @@
           <a:p>
             <a:fld id="{EE9BC1A2-3941-4F99-94F7-E87D860CDE54}" type="datetimeFigureOut">
               <a:rPr kumimoji="1" lang="ja-JP" altLang="en-US" smtClean="0"/>
-              <a:t>2019/7/31</a:t>
+              <a:t>2020/2/26</a:t>
             </a:fld>
             <a:endParaRPr kumimoji="1" lang="ja-JP" altLang="en-US"/>
           </a:p>
@@ -954,7 +968,7 @@
           <a:p>
             <a:fld id="{EE9BC1A2-3941-4F99-94F7-E87D860CDE54}" type="datetimeFigureOut">
               <a:rPr kumimoji="1" lang="ja-JP" altLang="en-US" smtClean="0"/>
-              <a:t>2019/7/31</a:t>
+              <a:t>2020/2/26</a:t>
             </a:fld>
             <a:endParaRPr kumimoji="1" lang="ja-JP" altLang="en-US"/>
           </a:p>
@@ -1229,7 +1243,7 @@
           <a:p>
             <a:fld id="{EE9BC1A2-3941-4F99-94F7-E87D860CDE54}" type="datetimeFigureOut">
               <a:rPr kumimoji="1" lang="ja-JP" altLang="en-US" smtClean="0"/>
-              <a:t>2019/7/31</a:t>
+              <a:t>2020/2/26</a:t>
             </a:fld>
             <a:endParaRPr kumimoji="1" lang="ja-JP" altLang="en-US"/>
           </a:p>
@@ -1558,7 +1572,7 @@
           <a:p>
             <a:fld id="{EE9BC1A2-3941-4F99-94F7-E87D860CDE54}" type="datetimeFigureOut">
               <a:rPr kumimoji="1" lang="ja-JP" altLang="en-US" smtClean="0"/>
-              <a:t>2019/7/31</a:t>
+              <a:t>2020/2/26</a:t>
             </a:fld>
             <a:endParaRPr kumimoji="1" lang="ja-JP" altLang="en-US"/>
           </a:p>
@@ -2034,7 +2048,7 @@
           <a:p>
             <a:fld id="{EE9BC1A2-3941-4F99-94F7-E87D860CDE54}" type="datetimeFigureOut">
               <a:rPr kumimoji="1" lang="ja-JP" altLang="en-US" smtClean="0"/>
-              <a:t>2019/7/31</a:t>
+              <a:t>2020/2/26</a:t>
             </a:fld>
             <a:endParaRPr kumimoji="1" lang="ja-JP" altLang="en-US"/>
           </a:p>
@@ -2175,7 +2189,7 @@
           <a:p>
             <a:fld id="{EE9BC1A2-3941-4F99-94F7-E87D860CDE54}" type="datetimeFigureOut">
               <a:rPr kumimoji="1" lang="ja-JP" altLang="en-US" smtClean="0"/>
-              <a:t>2019/7/31</a:t>
+              <a:t>2020/2/26</a:t>
             </a:fld>
             <a:endParaRPr kumimoji="1" lang="ja-JP" altLang="en-US"/>
           </a:p>
@@ -2288,7 +2302,7 @@
           <a:p>
             <a:fld id="{EE9BC1A2-3941-4F99-94F7-E87D860CDE54}" type="datetimeFigureOut">
               <a:rPr kumimoji="1" lang="ja-JP" altLang="en-US" smtClean="0"/>
-              <a:t>2019/7/31</a:t>
+              <a:t>2020/2/26</a:t>
             </a:fld>
             <a:endParaRPr kumimoji="1" lang="ja-JP" altLang="en-US"/>
           </a:p>
@@ -2631,7 +2645,7 @@
           <a:p>
             <a:fld id="{EE9BC1A2-3941-4F99-94F7-E87D860CDE54}" type="datetimeFigureOut">
               <a:rPr kumimoji="1" lang="ja-JP" altLang="en-US" smtClean="0"/>
-              <a:t>2019/7/31</a:t>
+              <a:t>2020/2/26</a:t>
             </a:fld>
             <a:endParaRPr kumimoji="1" lang="ja-JP" altLang="en-US"/>
           </a:p>
@@ -2919,7 +2933,7 @@
           <a:p>
             <a:fld id="{EE9BC1A2-3941-4F99-94F7-E87D860CDE54}" type="datetimeFigureOut">
               <a:rPr kumimoji="1" lang="ja-JP" altLang="en-US" smtClean="0"/>
-              <a:t>2019/7/31</a:t>
+              <a:t>2020/2/26</a:t>
             </a:fld>
             <a:endParaRPr kumimoji="1" lang="ja-JP" altLang="en-US"/>
           </a:p>
@@ -3192,7 +3206,7 @@
           <a:p>
             <a:fld id="{EE9BC1A2-3941-4F99-94F7-E87D860CDE54}" type="datetimeFigureOut">
               <a:rPr kumimoji="1" lang="ja-JP" altLang="en-US" smtClean="0"/>
-              <a:t>2019/7/31</a:t>
+              <a:t>2020/2/26</a:t>
             </a:fld>
             <a:endParaRPr kumimoji="1" lang="ja-JP" altLang="en-US"/>
           </a:p>
@@ -3609,12 +3623,2947 @@
           <a:chExt cx="0" cy="0"/>
         </a:xfrm>
       </p:grpSpPr>
+      <p:pic>
+        <p:nvPicPr>
+          <p:cNvPr id="6" name="図 5">
+            <a:extLst>
+              <a:ext uri="{FF2B5EF4-FFF2-40B4-BE49-F238E27FC236}">
+                <a16:creationId xmlns:a16="http://schemas.microsoft.com/office/drawing/2014/main" id="{FDB95581-B8C1-BC4D-B9F0-48986B53CE27}"/>
+              </a:ext>
+            </a:extLst>
+          </p:cNvPr>
+          <p:cNvPicPr>
+            <a:picLocks noChangeAspect="1"/>
+          </p:cNvPicPr>
+          <p:nvPr/>
+        </p:nvPicPr>
+        <p:blipFill>
+          <a:blip r:embed="rId2"/>
+          <a:stretch>
+            <a:fillRect/>
+          </a:stretch>
+        </p:blipFill>
+        <p:spPr>
+          <a:xfrm>
+            <a:off x="6096000" y="1902328"/>
+            <a:ext cx="5534185" cy="3053343"/>
+          </a:xfrm>
+          <a:prstGeom prst="rect">
+            <a:avLst/>
+          </a:prstGeom>
+          <a:ln>
+            <a:noFill/>
+          </a:ln>
+          <a:effectLst>
+            <a:outerShdw blurRad="292100" dist="139700" dir="2700000" algn="tl" rotWithShape="0">
+              <a:srgbClr val="333333">
+                <a:alpha val="65000"/>
+              </a:srgbClr>
+            </a:outerShdw>
+          </a:effectLst>
+        </p:spPr>
+      </p:pic>
+      <p:pic>
+        <p:nvPicPr>
+          <p:cNvPr id="7" name="図 6">
+            <a:extLst>
+              <a:ext uri="{FF2B5EF4-FFF2-40B4-BE49-F238E27FC236}">
+                <a16:creationId xmlns:a16="http://schemas.microsoft.com/office/drawing/2014/main" id="{9F906351-9862-D64E-9819-EC746343AEA1}"/>
+              </a:ext>
+            </a:extLst>
+          </p:cNvPr>
+          <p:cNvPicPr>
+            <a:picLocks noChangeAspect="1"/>
+          </p:cNvPicPr>
+          <p:nvPr/>
+        </p:nvPicPr>
+        <p:blipFill>
+          <a:blip r:embed="rId3"/>
+          <a:stretch>
+            <a:fillRect/>
+          </a:stretch>
+        </p:blipFill>
+        <p:spPr>
+          <a:xfrm>
+            <a:off x="402799" y="683593"/>
+            <a:ext cx="6705211" cy="2437470"/>
+          </a:xfrm>
+          <a:prstGeom prst="rect">
+            <a:avLst/>
+          </a:prstGeom>
+          <a:ln>
+            <a:noFill/>
+          </a:ln>
+          <a:effectLst>
+            <a:outerShdw blurRad="292100" dist="139700" dir="2700000" algn="tl" rotWithShape="0">
+              <a:srgbClr val="333333">
+                <a:alpha val="65000"/>
+              </a:srgbClr>
+            </a:outerShdw>
+          </a:effectLst>
+        </p:spPr>
+      </p:pic>
+    </p:spTree>
+    <p:extLst>
+      <p:ext uri="{BB962C8B-B14F-4D97-AF65-F5344CB8AC3E}">
+        <p14:creationId xmlns:p14="http://schemas.microsoft.com/office/powerpoint/2010/main" val="2094416618"/>
+      </p:ext>
+    </p:extLst>
+  </p:cSld>
+  <p:clrMapOvr>
+    <a:masterClrMapping/>
+  </p:clrMapOvr>
+</p:sld>
+</file>
+
+<file path=ppt/slides/slide10.xml><?xml version="1.0" encoding="utf-8"?>
+<p:sld xmlns:a="http://schemas.openxmlformats.org/drawingml/2006/main" xmlns:r="http://schemas.openxmlformats.org/officeDocument/2006/relationships" xmlns:p="http://schemas.openxmlformats.org/presentationml/2006/main">
+  <p:cSld>
+    <p:spTree>
+      <p:nvGrpSpPr>
+        <p:cNvPr id="1" name=""/>
+        <p:cNvGrpSpPr/>
+        <p:nvPr/>
+      </p:nvGrpSpPr>
+      <p:grpSpPr>
+        <a:xfrm>
+          <a:off x="0" y="0"/>
+          <a:ext cx="0" cy="0"/>
+          <a:chOff x="0" y="0"/>
+          <a:chExt cx="0" cy="0"/>
+        </a:xfrm>
+      </p:grpSpPr>
+      <p:pic>
+        <p:nvPicPr>
+          <p:cNvPr id="3" name="グラフィックス 2">
+            <a:extLst>
+              <a:ext uri="{FF2B5EF4-FFF2-40B4-BE49-F238E27FC236}">
+                <a16:creationId xmlns:a16="http://schemas.microsoft.com/office/drawing/2014/main" id="{C30BB539-3F06-0740-BFD3-32ECE582418A}"/>
+              </a:ext>
+            </a:extLst>
+          </p:cNvPr>
+          <p:cNvPicPr>
+            <a:picLocks noChangeAspect="1"/>
+          </p:cNvPicPr>
+          <p:nvPr/>
+        </p:nvPicPr>
+        <p:blipFill>
+          <a:blip r:embed="rId2">
+            <a:extLst>
+              <a:ext uri="{28A0092B-C50C-407E-A947-70E740481C1C}">
+                <a14:useLocalDpi xmlns:a14="http://schemas.microsoft.com/office/drawing/2010/main" val="0"/>
+              </a:ext>
+              <a:ext uri="{96DAC541-7B7A-43D3-8B79-37D633B846F1}">
+                <asvg:svgBlip xmlns:asvg="http://schemas.microsoft.com/office/drawing/2016/SVG/main" r:embed="rId3"/>
+              </a:ext>
+            </a:extLst>
+          </a:blip>
+          <a:stretch>
+            <a:fillRect/>
+          </a:stretch>
+        </p:blipFill>
+        <p:spPr>
+          <a:xfrm>
+            <a:off x="2722721" y="515991"/>
+            <a:ext cx="669386" cy="669386"/>
+          </a:xfrm>
+          <a:prstGeom prst="rect">
+            <a:avLst/>
+          </a:prstGeom>
+        </p:spPr>
+      </p:pic>
+      <p:sp>
+        <p:nvSpPr>
+          <p:cNvPr id="4" name="テキスト ボックス 3">
+            <a:extLst>
+              <a:ext uri="{FF2B5EF4-FFF2-40B4-BE49-F238E27FC236}">
+                <a16:creationId xmlns:a16="http://schemas.microsoft.com/office/drawing/2014/main" id="{3456DF93-BD31-3E4B-B9F9-09119AA8B951}"/>
+              </a:ext>
+            </a:extLst>
+          </p:cNvPr>
+          <p:cNvSpPr txBox="1"/>
+          <p:nvPr/>
+        </p:nvSpPr>
+        <p:spPr>
+          <a:xfrm>
+            <a:off x="2534674" y="1366345"/>
+            <a:ext cx="1045479" cy="369332"/>
+          </a:xfrm>
+          <a:prstGeom prst="rect">
+            <a:avLst/>
+          </a:prstGeom>
+          <a:noFill/>
+        </p:spPr>
+        <p:txBody>
+          <a:bodyPr wrap="none" rtlCol="0">
+            <a:spAutoFit/>
+          </a:bodyPr>
+          <a:lstStyle/>
+          <a:p>
+            <a:r>
+              <a:rPr lang="en-US" altLang="ja-JP" dirty="0"/>
+              <a:t>Pipeline</a:t>
+            </a:r>
+            <a:endParaRPr kumimoji="1" lang="ja-JP" altLang="en-US"/>
+          </a:p>
+        </p:txBody>
+      </p:sp>
+      <p:sp>
+        <p:nvSpPr>
+          <p:cNvPr id="5" name="角丸四角形吹き出し 4">
+            <a:extLst>
+              <a:ext uri="{FF2B5EF4-FFF2-40B4-BE49-F238E27FC236}">
+                <a16:creationId xmlns:a16="http://schemas.microsoft.com/office/drawing/2014/main" id="{5E0C4A2D-DB39-8246-B748-5D8937ACE588}"/>
+              </a:ext>
+            </a:extLst>
+          </p:cNvPr>
+          <p:cNvSpPr/>
+          <p:nvPr/>
+        </p:nvSpPr>
+        <p:spPr>
+          <a:xfrm>
+            <a:off x="3749648" y="536774"/>
+            <a:ext cx="3090891" cy="1014237"/>
+          </a:xfrm>
+          <a:prstGeom prst="wedgeRoundRectCallout">
+            <a:avLst>
+              <a:gd name="adj1" fmla="val -63322"/>
+              <a:gd name="adj2" fmla="val -31072"/>
+              <a:gd name="adj3" fmla="val 16667"/>
+            </a:avLst>
+          </a:prstGeom>
+          <a:noFill/>
+        </p:spPr>
+        <p:style>
+          <a:lnRef idx="2">
+            <a:schemeClr val="accent1"/>
+          </a:lnRef>
+          <a:fillRef idx="1">
+            <a:schemeClr val="lt1"/>
+          </a:fillRef>
+          <a:effectRef idx="0">
+            <a:schemeClr val="accent1"/>
+          </a:effectRef>
+          <a:fontRef idx="minor">
+            <a:schemeClr val="dk1"/>
+          </a:fontRef>
+        </p:style>
+        <p:txBody>
+          <a:bodyPr rtlCol="0" anchor="t"/>
+          <a:lstStyle/>
+          <a:p>
+            <a:r>
+              <a:rPr kumimoji="1" lang="en-US" altLang="ja-JP" sz="1400" b="1" dirty="0"/>
+              <a:t>Microsoft-hosted Agent</a:t>
+            </a:r>
+            <a:endParaRPr kumimoji="1" lang="ja-JP" altLang="en-US" sz="1400" b="1"/>
+          </a:p>
+        </p:txBody>
+      </p:sp>
+      <p:pic>
+        <p:nvPicPr>
+          <p:cNvPr id="7" name="図 6" descr="電子機器, 表示, コンピュータ が含まれている画像&#10;&#10;自動的に生成された説明">
+            <a:extLst>
+              <a:ext uri="{FF2B5EF4-FFF2-40B4-BE49-F238E27FC236}">
+                <a16:creationId xmlns:a16="http://schemas.microsoft.com/office/drawing/2014/main" id="{5C75CFD1-F83B-5F4D-8518-2C4F1276EA70}"/>
+              </a:ext>
+            </a:extLst>
+          </p:cNvPr>
+          <p:cNvPicPr>
+            <a:picLocks noChangeAspect="1"/>
+          </p:cNvPicPr>
+          <p:nvPr/>
+        </p:nvPicPr>
+        <p:blipFill>
+          <a:blip r:embed="rId4">
+            <a:extLst>
+              <a:ext uri="{28A0092B-C50C-407E-A947-70E740481C1C}">
+                <a14:useLocalDpi xmlns:a14="http://schemas.microsoft.com/office/drawing/2010/main" val="0"/>
+              </a:ext>
+            </a:extLst>
+          </a:blip>
+          <a:stretch>
+            <a:fillRect/>
+          </a:stretch>
+        </p:blipFill>
+        <p:spPr>
+          <a:xfrm>
+            <a:off x="4055188" y="932405"/>
+            <a:ext cx="529131" cy="529131"/>
+          </a:xfrm>
+          <a:prstGeom prst="rect">
+            <a:avLst/>
+          </a:prstGeom>
+        </p:spPr>
+      </p:pic>
+      <p:pic>
+        <p:nvPicPr>
+          <p:cNvPr id="8" name="図 7" descr="電子機器, 表示, コンピュータ が含まれている画像&#10;&#10;自動的に生成された説明">
+            <a:extLst>
+              <a:ext uri="{FF2B5EF4-FFF2-40B4-BE49-F238E27FC236}">
+                <a16:creationId xmlns:a16="http://schemas.microsoft.com/office/drawing/2014/main" id="{9802073C-0EB8-2147-BE22-4269829FB495}"/>
+              </a:ext>
+            </a:extLst>
+          </p:cNvPr>
+          <p:cNvPicPr>
+            <a:picLocks noChangeAspect="1"/>
+          </p:cNvPicPr>
+          <p:nvPr/>
+        </p:nvPicPr>
+        <p:blipFill>
+          <a:blip r:embed="rId4">
+            <a:extLst>
+              <a:ext uri="{28A0092B-C50C-407E-A947-70E740481C1C}">
+                <a14:useLocalDpi xmlns:a14="http://schemas.microsoft.com/office/drawing/2010/main" val="0"/>
+              </a:ext>
+            </a:extLst>
+          </a:blip>
+          <a:stretch>
+            <a:fillRect/>
+          </a:stretch>
+        </p:blipFill>
+        <p:spPr>
+          <a:xfrm>
+            <a:off x="4753814" y="932405"/>
+            <a:ext cx="529131" cy="529131"/>
+          </a:xfrm>
+          <a:prstGeom prst="rect">
+            <a:avLst/>
+          </a:prstGeom>
+        </p:spPr>
+      </p:pic>
+      <p:pic>
+        <p:nvPicPr>
+          <p:cNvPr id="9" name="図 8" descr="電子機器, 表示, コンピュータ が含まれている画像&#10;&#10;自動的に生成された説明">
+            <a:extLst>
+              <a:ext uri="{FF2B5EF4-FFF2-40B4-BE49-F238E27FC236}">
+                <a16:creationId xmlns:a16="http://schemas.microsoft.com/office/drawing/2014/main" id="{B6345B00-B352-984D-AE7E-05C6A96DF9DF}"/>
+              </a:ext>
+            </a:extLst>
+          </p:cNvPr>
+          <p:cNvPicPr>
+            <a:picLocks noChangeAspect="1"/>
+          </p:cNvPicPr>
+          <p:nvPr/>
+        </p:nvPicPr>
+        <p:blipFill>
+          <a:blip r:embed="rId4">
+            <a:extLst>
+              <a:ext uri="{28A0092B-C50C-407E-A947-70E740481C1C}">
+                <a14:useLocalDpi xmlns:a14="http://schemas.microsoft.com/office/drawing/2010/main" val="0"/>
+              </a:ext>
+            </a:extLst>
+          </a:blip>
+          <a:stretch>
+            <a:fillRect/>
+          </a:stretch>
+        </p:blipFill>
+        <p:spPr>
+          <a:xfrm>
+            <a:off x="5452440" y="932405"/>
+            <a:ext cx="529131" cy="529131"/>
+          </a:xfrm>
+          <a:prstGeom prst="rect">
+            <a:avLst/>
+          </a:prstGeom>
+        </p:spPr>
+      </p:pic>
+      <p:pic>
+        <p:nvPicPr>
+          <p:cNvPr id="11" name="図 10" descr="挿絵 が含まれている画像&#10;&#10;自動的に生成された説明">
+            <a:extLst>
+              <a:ext uri="{FF2B5EF4-FFF2-40B4-BE49-F238E27FC236}">
+                <a16:creationId xmlns:a16="http://schemas.microsoft.com/office/drawing/2014/main" id="{676485E0-2855-E443-A2E4-5BC49E9C1D6D}"/>
+              </a:ext>
+            </a:extLst>
+          </p:cNvPr>
+          <p:cNvPicPr>
+            <a:picLocks noChangeAspect="1"/>
+          </p:cNvPicPr>
+          <p:nvPr/>
+        </p:nvPicPr>
+        <p:blipFill>
+          <a:blip r:embed="rId5">
+            <a:extLst>
+              <a:ext uri="{28A0092B-C50C-407E-A947-70E740481C1C}">
+                <a14:useLocalDpi xmlns:a14="http://schemas.microsoft.com/office/drawing/2010/main" val="0"/>
+              </a:ext>
+            </a:extLst>
+          </a:blip>
+          <a:stretch>
+            <a:fillRect/>
+          </a:stretch>
+        </p:blipFill>
+        <p:spPr>
+          <a:xfrm>
+            <a:off x="2670063" y="3041650"/>
+            <a:ext cx="774700" cy="774700"/>
+          </a:xfrm>
+          <a:prstGeom prst="rect">
+            <a:avLst/>
+          </a:prstGeom>
+        </p:spPr>
+      </p:pic>
+      <p:pic>
+        <p:nvPicPr>
+          <p:cNvPr id="12" name="図 11" descr="電子機器, 表示, コンピュータ が含まれている画像&#10;&#10;自動的に生成された説明">
+            <a:extLst>
+              <a:ext uri="{FF2B5EF4-FFF2-40B4-BE49-F238E27FC236}">
+                <a16:creationId xmlns:a16="http://schemas.microsoft.com/office/drawing/2014/main" id="{BBE7ADB9-BD7D-504E-A6F0-00B70AA42E15}"/>
+              </a:ext>
+            </a:extLst>
+          </p:cNvPr>
+          <p:cNvPicPr>
+            <a:picLocks noChangeAspect="1"/>
+          </p:cNvPicPr>
+          <p:nvPr/>
+        </p:nvPicPr>
+        <p:blipFill>
+          <a:blip r:embed="rId4">
+            <a:extLst>
+              <a:ext uri="{28A0092B-C50C-407E-A947-70E740481C1C}">
+                <a14:useLocalDpi xmlns:a14="http://schemas.microsoft.com/office/drawing/2010/main" val="0"/>
+              </a:ext>
+            </a:extLst>
+          </a:blip>
+          <a:stretch>
+            <a:fillRect/>
+          </a:stretch>
+        </p:blipFill>
+        <p:spPr>
+          <a:xfrm>
+            <a:off x="6147371" y="932405"/>
+            <a:ext cx="529131" cy="529131"/>
+          </a:xfrm>
+          <a:prstGeom prst="rect">
+            <a:avLst/>
+          </a:prstGeom>
+        </p:spPr>
+      </p:pic>
+      <p:sp>
+        <p:nvSpPr>
+          <p:cNvPr id="13" name="テキスト ボックス 12">
+            <a:extLst>
+              <a:ext uri="{FF2B5EF4-FFF2-40B4-BE49-F238E27FC236}">
+                <a16:creationId xmlns:a16="http://schemas.microsoft.com/office/drawing/2014/main" id="{1D81F97D-3E6D-4D43-8334-6615B319EBA6}"/>
+              </a:ext>
+            </a:extLst>
+          </p:cNvPr>
+          <p:cNvSpPr txBox="1"/>
+          <p:nvPr/>
+        </p:nvSpPr>
+        <p:spPr>
+          <a:xfrm>
+            <a:off x="2534673" y="3841133"/>
+            <a:ext cx="1107996" cy="369332"/>
+          </a:xfrm>
+          <a:prstGeom prst="rect">
+            <a:avLst/>
+          </a:prstGeom>
+          <a:noFill/>
+        </p:spPr>
+        <p:txBody>
+          <a:bodyPr wrap="none" rtlCol="0">
+            <a:spAutoFit/>
+          </a:bodyPr>
+          <a:lstStyle/>
+          <a:p>
+            <a:r>
+              <a:rPr kumimoji="1" lang="ja-JP" altLang="en-US"/>
+              <a:t>オンプレ</a:t>
+            </a:r>
+          </a:p>
+        </p:txBody>
+      </p:sp>
+      <p:sp>
+        <p:nvSpPr>
+          <p:cNvPr id="14" name="角丸四角形吹き出し 13">
+            <a:extLst>
+              <a:ext uri="{FF2B5EF4-FFF2-40B4-BE49-F238E27FC236}">
+                <a16:creationId xmlns:a16="http://schemas.microsoft.com/office/drawing/2014/main" id="{C8316564-4FB3-1542-92F7-97F9AD11368D}"/>
+              </a:ext>
+            </a:extLst>
+          </p:cNvPr>
+          <p:cNvSpPr/>
+          <p:nvPr/>
+        </p:nvSpPr>
+        <p:spPr>
+          <a:xfrm>
+            <a:off x="3737333" y="2385848"/>
+            <a:ext cx="3090891" cy="1824617"/>
+          </a:xfrm>
+          <a:prstGeom prst="wedgeRoundRectCallout">
+            <a:avLst>
+              <a:gd name="adj1" fmla="val -64342"/>
+              <a:gd name="adj2" fmla="val 7522"/>
+              <a:gd name="adj3" fmla="val 16667"/>
+            </a:avLst>
+          </a:prstGeom>
+          <a:noFill/>
+        </p:spPr>
+        <p:style>
+          <a:lnRef idx="2">
+            <a:schemeClr val="accent1"/>
+          </a:lnRef>
+          <a:fillRef idx="1">
+            <a:schemeClr val="lt1"/>
+          </a:fillRef>
+          <a:effectRef idx="0">
+            <a:schemeClr val="accent1"/>
+          </a:effectRef>
+          <a:fontRef idx="minor">
+            <a:schemeClr val="dk1"/>
+          </a:fontRef>
+        </p:style>
+        <p:txBody>
+          <a:bodyPr rtlCol="0" anchor="b"/>
+          <a:lstStyle/>
+          <a:p>
+            <a:pPr algn="ctr"/>
+            <a:endParaRPr kumimoji="1" lang="ja-JP" altLang="en-US" sz="1400" b="1"/>
+          </a:p>
+        </p:txBody>
+      </p:sp>
+      <p:pic>
+        <p:nvPicPr>
+          <p:cNvPr id="18" name="図 17" descr="電子機器, 表示, コンピュータ が含まれている画像&#10;&#10;自動的に生成された説明">
+            <a:extLst>
+              <a:ext uri="{FF2B5EF4-FFF2-40B4-BE49-F238E27FC236}">
+                <a16:creationId xmlns:a16="http://schemas.microsoft.com/office/drawing/2014/main" id="{4B556FD0-6582-914A-B2D8-552AAC30E308}"/>
+              </a:ext>
+            </a:extLst>
+          </p:cNvPr>
+          <p:cNvPicPr>
+            <a:picLocks noChangeAspect="1"/>
+          </p:cNvPicPr>
+          <p:nvPr/>
+        </p:nvPicPr>
+        <p:blipFill>
+          <a:blip r:embed="rId4">
+            <a:extLst>
+              <a:ext uri="{28A0092B-C50C-407E-A947-70E740481C1C}">
+                <a14:useLocalDpi xmlns:a14="http://schemas.microsoft.com/office/drawing/2010/main" val="0"/>
+              </a:ext>
+            </a:extLst>
+          </a:blip>
+          <a:stretch>
+            <a:fillRect/>
+          </a:stretch>
+        </p:blipFill>
+        <p:spPr>
+          <a:xfrm>
+            <a:off x="4055188" y="3033590"/>
+            <a:ext cx="529131" cy="529131"/>
+          </a:xfrm>
+          <a:prstGeom prst="rect">
+            <a:avLst/>
+          </a:prstGeom>
+        </p:spPr>
+      </p:pic>
+      <p:sp>
+        <p:nvSpPr>
+          <p:cNvPr id="19" name="テキスト ボックス 18">
+            <a:extLst>
+              <a:ext uri="{FF2B5EF4-FFF2-40B4-BE49-F238E27FC236}">
+                <a16:creationId xmlns:a16="http://schemas.microsoft.com/office/drawing/2014/main" id="{596B95AD-FAA4-D542-801D-E734518ECEFC}"/>
+              </a:ext>
+            </a:extLst>
+          </p:cNvPr>
+          <p:cNvSpPr txBox="1"/>
+          <p:nvPr/>
+        </p:nvSpPr>
+        <p:spPr>
+          <a:xfrm>
+            <a:off x="4645572" y="5118538"/>
+            <a:ext cx="1423788" cy="646331"/>
+          </a:xfrm>
+          <a:prstGeom prst="rect">
+            <a:avLst/>
+          </a:prstGeom>
+          <a:noFill/>
+        </p:spPr>
+        <p:txBody>
+          <a:bodyPr wrap="none" rtlCol="0">
+            <a:spAutoFit/>
+          </a:bodyPr>
+          <a:lstStyle/>
+          <a:p>
+            <a:r>
+              <a:rPr kumimoji="1" lang="en-US" altLang="ja-JP" dirty="0"/>
+              <a:t>Self-hosted</a:t>
+            </a:r>
+            <a:br>
+              <a:rPr lang="en-US" altLang="ja-JP"/>
+            </a:br>
+            <a:r>
+              <a:rPr lang="en-US" altLang="ja-JP"/>
+              <a:t>Agent</a:t>
+            </a:r>
+            <a:endParaRPr kumimoji="1" lang="en-US" altLang="ja-JP"/>
+          </a:p>
+        </p:txBody>
+      </p:sp>
+    </p:spTree>
+    <p:extLst>
+      <p:ext uri="{BB962C8B-B14F-4D97-AF65-F5344CB8AC3E}">
+        <p14:creationId xmlns:p14="http://schemas.microsoft.com/office/powerpoint/2010/main" val="2049429299"/>
+      </p:ext>
+    </p:extLst>
+  </p:cSld>
+  <p:clrMapOvr>
+    <a:masterClrMapping/>
+  </p:clrMapOvr>
+</p:sld>
+</file>
+
+<file path=ppt/slides/slide2.xml><?xml version="1.0" encoding="utf-8"?>
+<p:sld xmlns:a="http://schemas.openxmlformats.org/drawingml/2006/main" xmlns:r="http://schemas.openxmlformats.org/officeDocument/2006/relationships" xmlns:p="http://schemas.openxmlformats.org/presentationml/2006/main">
+  <p:cSld>
+    <p:spTree>
+      <p:nvGrpSpPr>
+        <p:cNvPr id="1" name=""/>
+        <p:cNvGrpSpPr/>
+        <p:nvPr/>
+      </p:nvGrpSpPr>
+      <p:grpSpPr>
+        <a:xfrm>
+          <a:off x="0" y="0"/>
+          <a:ext cx="0" cy="0"/>
+          <a:chOff x="0" y="0"/>
+          <a:chExt cx="0" cy="0"/>
+        </a:xfrm>
+      </p:grpSpPr>
+      <p:pic>
+        <p:nvPicPr>
+          <p:cNvPr id="8" name="図 7">
+            <a:extLst>
+              <a:ext uri="{FF2B5EF4-FFF2-40B4-BE49-F238E27FC236}">
+                <a16:creationId xmlns:a16="http://schemas.microsoft.com/office/drawing/2014/main" id="{7EE0B92D-2E40-8747-908D-90BAE63BC3AD}"/>
+              </a:ext>
+            </a:extLst>
+          </p:cNvPr>
+          <p:cNvPicPr>
+            <a:picLocks noChangeAspect="1"/>
+          </p:cNvPicPr>
+          <p:nvPr/>
+        </p:nvPicPr>
+        <p:blipFill>
+          <a:blip r:embed="rId2"/>
+          <a:stretch>
+            <a:fillRect/>
+          </a:stretch>
+        </p:blipFill>
+        <p:spPr>
+          <a:xfrm>
+            <a:off x="117147" y="119118"/>
+            <a:ext cx="6261100" cy="3403600"/>
+          </a:xfrm>
+          <a:prstGeom prst="rect">
+            <a:avLst/>
+          </a:prstGeom>
+          <a:ln>
+            <a:noFill/>
+          </a:ln>
+          <a:effectLst>
+            <a:outerShdw blurRad="292100" dist="139700" dir="2700000" algn="tl" rotWithShape="0">
+              <a:srgbClr val="333333">
+                <a:alpha val="65000"/>
+              </a:srgbClr>
+            </a:outerShdw>
+          </a:effectLst>
+        </p:spPr>
+      </p:pic>
+      <p:pic>
+        <p:nvPicPr>
+          <p:cNvPr id="13" name="図 12">
+            <a:extLst>
+              <a:ext uri="{FF2B5EF4-FFF2-40B4-BE49-F238E27FC236}">
+                <a16:creationId xmlns:a16="http://schemas.microsoft.com/office/drawing/2014/main" id="{0C06FD2D-EFEE-B043-978C-B08EAA71531F}"/>
+              </a:ext>
+            </a:extLst>
+          </p:cNvPr>
+          <p:cNvPicPr>
+            <a:picLocks noChangeAspect="1"/>
+          </p:cNvPicPr>
+          <p:nvPr/>
+        </p:nvPicPr>
+        <p:blipFill>
+          <a:blip r:embed="rId3"/>
+          <a:stretch>
+            <a:fillRect/>
+          </a:stretch>
+        </p:blipFill>
+        <p:spPr>
+          <a:xfrm>
+            <a:off x="5668798" y="3079531"/>
+            <a:ext cx="5626100" cy="3200400"/>
+          </a:xfrm>
+          <a:prstGeom prst="rect">
+            <a:avLst/>
+          </a:prstGeom>
+          <a:ln>
+            <a:noFill/>
+          </a:ln>
+          <a:effectLst>
+            <a:outerShdw blurRad="292100" dist="139700" dir="2700000" algn="tl" rotWithShape="0">
+              <a:srgbClr val="333333">
+                <a:alpha val="65000"/>
+              </a:srgbClr>
+            </a:outerShdw>
+          </a:effectLst>
+        </p:spPr>
+      </p:pic>
+    </p:spTree>
+    <p:extLst>
+      <p:ext uri="{BB962C8B-B14F-4D97-AF65-F5344CB8AC3E}">
+        <p14:creationId xmlns:p14="http://schemas.microsoft.com/office/powerpoint/2010/main" val="2463888179"/>
+      </p:ext>
+    </p:extLst>
+  </p:cSld>
+  <p:clrMapOvr>
+    <a:masterClrMapping/>
+  </p:clrMapOvr>
+</p:sld>
+</file>
+
+<file path=ppt/slides/slide3.xml><?xml version="1.0" encoding="utf-8"?>
+<p:sld xmlns:a="http://schemas.openxmlformats.org/drawingml/2006/main" xmlns:r="http://schemas.openxmlformats.org/officeDocument/2006/relationships" xmlns:p="http://schemas.openxmlformats.org/presentationml/2006/main">
+  <p:cSld>
+    <p:spTree>
+      <p:nvGrpSpPr>
+        <p:cNvPr id="1" name=""/>
+        <p:cNvGrpSpPr/>
+        <p:nvPr/>
+      </p:nvGrpSpPr>
+      <p:grpSpPr>
+        <a:xfrm>
+          <a:off x="0" y="0"/>
+          <a:ext cx="0" cy="0"/>
+          <a:chOff x="0" y="0"/>
+          <a:chExt cx="0" cy="0"/>
+        </a:xfrm>
+      </p:grpSpPr>
+      <p:pic>
+        <p:nvPicPr>
+          <p:cNvPr id="6" name="図 5">
+            <a:extLst>
+              <a:ext uri="{FF2B5EF4-FFF2-40B4-BE49-F238E27FC236}">
+                <a16:creationId xmlns:a16="http://schemas.microsoft.com/office/drawing/2014/main" id="{2596DE88-C8C1-1349-970B-D6B194AA7294}"/>
+              </a:ext>
+            </a:extLst>
+          </p:cNvPr>
+          <p:cNvPicPr>
+            <a:picLocks noChangeAspect="1"/>
+          </p:cNvPicPr>
+          <p:nvPr/>
+        </p:nvPicPr>
+        <p:blipFill>
+          <a:blip r:embed="rId2"/>
+          <a:stretch>
+            <a:fillRect/>
+          </a:stretch>
+        </p:blipFill>
+        <p:spPr>
+          <a:xfrm>
+            <a:off x="5620406" y="3325430"/>
+            <a:ext cx="6248400" cy="3213100"/>
+          </a:xfrm>
+          <a:prstGeom prst="rect">
+            <a:avLst/>
+          </a:prstGeom>
+          <a:ln>
+            <a:noFill/>
+          </a:ln>
+          <a:effectLst>
+            <a:outerShdw blurRad="292100" dist="139700" dir="2700000" algn="tl" rotWithShape="0">
+              <a:srgbClr val="333333">
+                <a:alpha val="65000"/>
+              </a:srgbClr>
+            </a:outerShdw>
+          </a:effectLst>
+        </p:spPr>
+      </p:pic>
+      <p:sp>
+        <p:nvSpPr>
+          <p:cNvPr id="13" name="角丸四角形 12">
+            <a:extLst>
+              <a:ext uri="{FF2B5EF4-FFF2-40B4-BE49-F238E27FC236}">
+                <a16:creationId xmlns:a16="http://schemas.microsoft.com/office/drawing/2014/main" id="{C27ABA9F-5385-B34B-90A3-D146B3E1D235}"/>
+              </a:ext>
+            </a:extLst>
+          </p:cNvPr>
+          <p:cNvSpPr/>
+          <p:nvPr/>
+        </p:nvSpPr>
+        <p:spPr>
+          <a:xfrm>
+            <a:off x="2496207" y="3443496"/>
+            <a:ext cx="2927131" cy="284475"/>
+          </a:xfrm>
+          <a:prstGeom prst="roundRect">
+            <a:avLst/>
+          </a:prstGeom>
+          <a:noFill/>
+          <a:ln w="28575">
+            <a:solidFill>
+              <a:srgbClr val="FF0000"/>
+            </a:solidFill>
+            <a:prstDash val="dash"/>
+          </a:ln>
+        </p:spPr>
+        <p:style>
+          <a:lnRef idx="2">
+            <a:schemeClr val="accent1">
+              <a:shade val="50000"/>
+            </a:schemeClr>
+          </a:lnRef>
+          <a:fillRef idx="1">
+            <a:schemeClr val="accent1"/>
+          </a:fillRef>
+          <a:effectRef idx="0">
+            <a:schemeClr val="accent1"/>
+          </a:effectRef>
+          <a:fontRef idx="minor">
+            <a:schemeClr val="lt1"/>
+          </a:fontRef>
+        </p:style>
+        <p:txBody>
+          <a:bodyPr rtlCol="0" anchor="ctr"/>
+          <a:lstStyle/>
+          <a:p>
+            <a:pPr algn="ctr"/>
+            <a:endParaRPr kumimoji="1" lang="ja-JP" altLang="en-US"/>
+          </a:p>
+        </p:txBody>
+      </p:sp>
+      <p:pic>
+        <p:nvPicPr>
+          <p:cNvPr id="14" name="図 13">
+            <a:extLst>
+              <a:ext uri="{FF2B5EF4-FFF2-40B4-BE49-F238E27FC236}">
+                <a16:creationId xmlns:a16="http://schemas.microsoft.com/office/drawing/2014/main" id="{00F6B2F9-5328-904F-83ED-B0F3B8DAAB1B}"/>
+              </a:ext>
+            </a:extLst>
+          </p:cNvPr>
+          <p:cNvPicPr>
+            <a:picLocks noChangeAspect="1"/>
+          </p:cNvPicPr>
+          <p:nvPr/>
+        </p:nvPicPr>
+        <p:blipFill>
+          <a:blip r:embed="rId3"/>
+          <a:stretch>
+            <a:fillRect/>
+          </a:stretch>
+        </p:blipFill>
+        <p:spPr>
+          <a:xfrm>
+            <a:off x="478001" y="695654"/>
+            <a:ext cx="5854700" cy="2019300"/>
+          </a:xfrm>
+          <a:prstGeom prst="rect">
+            <a:avLst/>
+          </a:prstGeom>
+          <a:ln>
+            <a:noFill/>
+          </a:ln>
+          <a:effectLst>
+            <a:outerShdw blurRad="292100" dist="139700" dir="2700000" algn="tl" rotWithShape="0">
+              <a:srgbClr val="333333">
+                <a:alpha val="65000"/>
+              </a:srgbClr>
+            </a:outerShdw>
+          </a:effectLst>
+        </p:spPr>
+      </p:pic>
+      <p:sp>
+        <p:nvSpPr>
+          <p:cNvPr id="15" name="角丸四角形 14">
+            <a:extLst>
+              <a:ext uri="{FF2B5EF4-FFF2-40B4-BE49-F238E27FC236}">
+                <a16:creationId xmlns:a16="http://schemas.microsoft.com/office/drawing/2014/main" id="{25C51391-6295-F74F-A6A0-408E39B00330}"/>
+              </a:ext>
+            </a:extLst>
+          </p:cNvPr>
+          <p:cNvSpPr/>
+          <p:nvPr/>
+        </p:nvSpPr>
+        <p:spPr>
+          <a:xfrm>
+            <a:off x="2693275" y="1563066"/>
+            <a:ext cx="3118946" cy="284475"/>
+          </a:xfrm>
+          <a:prstGeom prst="roundRect">
+            <a:avLst/>
+          </a:prstGeom>
+          <a:noFill/>
+          <a:ln w="28575">
+            <a:solidFill>
+              <a:srgbClr val="FF0000"/>
+            </a:solidFill>
+            <a:prstDash val="dash"/>
+          </a:ln>
+        </p:spPr>
+        <p:style>
+          <a:lnRef idx="2">
+            <a:schemeClr val="accent1">
+              <a:shade val="50000"/>
+            </a:schemeClr>
+          </a:lnRef>
+          <a:fillRef idx="1">
+            <a:schemeClr val="accent1"/>
+          </a:fillRef>
+          <a:effectRef idx="0">
+            <a:schemeClr val="accent1"/>
+          </a:effectRef>
+          <a:fontRef idx="minor">
+            <a:schemeClr val="lt1"/>
+          </a:fontRef>
+        </p:style>
+        <p:txBody>
+          <a:bodyPr rtlCol="0" anchor="ctr"/>
+          <a:lstStyle/>
+          <a:p>
+            <a:pPr algn="ctr"/>
+            <a:endParaRPr kumimoji="1" lang="ja-JP" altLang="en-US"/>
+          </a:p>
+        </p:txBody>
+      </p:sp>
+    </p:spTree>
+    <p:extLst>
+      <p:ext uri="{BB962C8B-B14F-4D97-AF65-F5344CB8AC3E}">
+        <p14:creationId xmlns:p14="http://schemas.microsoft.com/office/powerpoint/2010/main" val="1164664673"/>
+      </p:ext>
+    </p:extLst>
+  </p:cSld>
+  <p:clrMapOvr>
+    <a:masterClrMapping/>
+  </p:clrMapOvr>
+</p:sld>
+</file>
+
+<file path=ppt/slides/slide4.xml><?xml version="1.0" encoding="utf-8"?>
+<p:sld xmlns:a="http://schemas.openxmlformats.org/drawingml/2006/main" xmlns:r="http://schemas.openxmlformats.org/officeDocument/2006/relationships" xmlns:p="http://schemas.openxmlformats.org/presentationml/2006/main">
+  <p:cSld>
+    <p:spTree>
+      <p:nvGrpSpPr>
+        <p:cNvPr id="1" name=""/>
+        <p:cNvGrpSpPr/>
+        <p:nvPr/>
+      </p:nvGrpSpPr>
+      <p:grpSpPr>
+        <a:xfrm>
+          <a:off x="0" y="0"/>
+          <a:ext cx="0" cy="0"/>
+          <a:chOff x="0" y="0"/>
+          <a:chExt cx="0" cy="0"/>
+        </a:xfrm>
+      </p:grpSpPr>
+      <p:pic>
+        <p:nvPicPr>
+          <p:cNvPr id="5" name="図 4">
+            <a:extLst>
+              <a:ext uri="{FF2B5EF4-FFF2-40B4-BE49-F238E27FC236}">
+                <a16:creationId xmlns:a16="http://schemas.microsoft.com/office/drawing/2014/main" id="{12AF2802-95FC-F143-BD03-BC14CD0575A2}"/>
+              </a:ext>
+            </a:extLst>
+          </p:cNvPr>
+          <p:cNvPicPr>
+            <a:picLocks noChangeAspect="1"/>
+          </p:cNvPicPr>
+          <p:nvPr/>
+        </p:nvPicPr>
+        <p:blipFill>
+          <a:blip r:embed="rId2"/>
+          <a:stretch>
+            <a:fillRect/>
+          </a:stretch>
+        </p:blipFill>
+        <p:spPr>
+          <a:xfrm>
+            <a:off x="302829" y="287064"/>
+            <a:ext cx="6667500" cy="4686300"/>
+          </a:xfrm>
+          <a:prstGeom prst="rect">
+            <a:avLst/>
+          </a:prstGeom>
+          <a:ln>
+            <a:noFill/>
+          </a:ln>
+          <a:effectLst>
+            <a:outerShdw blurRad="292100" dist="139700" dir="2700000" algn="tl" rotWithShape="0">
+              <a:srgbClr val="333333">
+                <a:alpha val="65000"/>
+              </a:srgbClr>
+            </a:outerShdw>
+          </a:effectLst>
+        </p:spPr>
+      </p:pic>
+      <p:pic>
+        <p:nvPicPr>
+          <p:cNvPr id="14" name="図 13">
+            <a:extLst>
+              <a:ext uri="{FF2B5EF4-FFF2-40B4-BE49-F238E27FC236}">
+                <a16:creationId xmlns:a16="http://schemas.microsoft.com/office/drawing/2014/main" id="{ADF2966B-928D-9E4B-99E2-1FF9EB642DD0}"/>
+              </a:ext>
+            </a:extLst>
+          </p:cNvPr>
+          <p:cNvPicPr>
+            <a:picLocks noChangeAspect="1"/>
+          </p:cNvPicPr>
+          <p:nvPr/>
+        </p:nvPicPr>
+        <p:blipFill>
+          <a:blip r:embed="rId3"/>
+          <a:stretch>
+            <a:fillRect/>
+          </a:stretch>
+        </p:blipFill>
+        <p:spPr>
+          <a:xfrm>
+            <a:off x="5387646" y="1793546"/>
+            <a:ext cx="5473700" cy="4279900"/>
+          </a:xfrm>
+          <a:prstGeom prst="rect">
+            <a:avLst/>
+          </a:prstGeom>
+        </p:spPr>
+      </p:pic>
+    </p:spTree>
+    <p:extLst>
+      <p:ext uri="{BB962C8B-B14F-4D97-AF65-F5344CB8AC3E}">
+        <p14:creationId xmlns:p14="http://schemas.microsoft.com/office/powerpoint/2010/main" val="2449783806"/>
+      </p:ext>
+    </p:extLst>
+  </p:cSld>
+  <p:clrMapOvr>
+    <a:masterClrMapping/>
+  </p:clrMapOvr>
+</p:sld>
+</file>
+
+<file path=ppt/slides/slide5.xml><?xml version="1.0" encoding="utf-8"?>
+<p:sld xmlns:a="http://schemas.openxmlformats.org/drawingml/2006/main" xmlns:r="http://schemas.openxmlformats.org/officeDocument/2006/relationships" xmlns:p="http://schemas.openxmlformats.org/presentationml/2006/main">
+  <p:cSld>
+    <p:spTree>
+      <p:nvGrpSpPr>
+        <p:cNvPr id="1" name=""/>
+        <p:cNvGrpSpPr/>
+        <p:nvPr/>
+      </p:nvGrpSpPr>
+      <p:grpSpPr>
+        <a:xfrm>
+          <a:off x="0" y="0"/>
+          <a:ext cx="0" cy="0"/>
+          <a:chOff x="0" y="0"/>
+          <a:chExt cx="0" cy="0"/>
+        </a:xfrm>
+      </p:grpSpPr>
+      <p:pic>
+        <p:nvPicPr>
+          <p:cNvPr id="3" name="図 2">
+            <a:extLst>
+              <a:ext uri="{FF2B5EF4-FFF2-40B4-BE49-F238E27FC236}">
+                <a16:creationId xmlns:a16="http://schemas.microsoft.com/office/drawing/2014/main" id="{4837A7D6-A499-2F44-881A-26DD55CD09D7}"/>
+              </a:ext>
+            </a:extLst>
+          </p:cNvPr>
+          <p:cNvPicPr>
+            <a:picLocks noChangeAspect="1"/>
+          </p:cNvPicPr>
+          <p:nvPr/>
+        </p:nvPicPr>
+        <p:blipFill>
+          <a:blip r:embed="rId2">
+            <a:extLst>
+              <a:ext uri="{28A0092B-C50C-407E-A947-70E740481C1C}">
+                <a14:useLocalDpi xmlns:a14="http://schemas.microsoft.com/office/drawing/2010/main" val="0"/>
+              </a:ext>
+            </a:extLst>
+          </a:blip>
+          <a:stretch>
+            <a:fillRect/>
+          </a:stretch>
+        </p:blipFill>
+        <p:spPr>
+          <a:xfrm>
+            <a:off x="5529974" y="825501"/>
+            <a:ext cx="774700" cy="774700"/>
+          </a:xfrm>
+          <a:prstGeom prst="rect">
+            <a:avLst/>
+          </a:prstGeom>
+        </p:spPr>
+      </p:pic>
+      <p:pic>
+        <p:nvPicPr>
+          <p:cNvPr id="7" name="図 6" descr="挿絵 が含まれている画像&#10;&#10;自動的に生成された説明">
+            <a:extLst>
+              <a:ext uri="{FF2B5EF4-FFF2-40B4-BE49-F238E27FC236}">
+                <a16:creationId xmlns:a16="http://schemas.microsoft.com/office/drawing/2014/main" id="{D29CAF50-32CC-1A4A-B8A5-BE0E1FFB2689}"/>
+              </a:ext>
+            </a:extLst>
+          </p:cNvPr>
+          <p:cNvPicPr>
+            <a:picLocks noChangeAspect="1"/>
+          </p:cNvPicPr>
+          <p:nvPr/>
+        </p:nvPicPr>
+        <p:blipFill>
+          <a:blip r:embed="rId3">
+            <a:extLst>
+              <a:ext uri="{28A0092B-C50C-407E-A947-70E740481C1C}">
+                <a14:useLocalDpi xmlns:a14="http://schemas.microsoft.com/office/drawing/2010/main" val="0"/>
+              </a:ext>
+            </a:extLst>
+          </a:blip>
+          <a:stretch>
+            <a:fillRect/>
+          </a:stretch>
+        </p:blipFill>
+        <p:spPr>
+          <a:xfrm>
+            <a:off x="3457798" y="2750099"/>
+            <a:ext cx="937387" cy="937387"/>
+          </a:xfrm>
+          <a:prstGeom prst="rect">
+            <a:avLst/>
+          </a:prstGeom>
+        </p:spPr>
+      </p:pic>
+      <p:pic>
+        <p:nvPicPr>
+          <p:cNvPr id="9" name="グラフィックス 8">
+            <a:extLst>
+              <a:ext uri="{FF2B5EF4-FFF2-40B4-BE49-F238E27FC236}">
+                <a16:creationId xmlns:a16="http://schemas.microsoft.com/office/drawing/2014/main" id="{AADAA968-275F-644D-BE71-700A2A531262}"/>
+              </a:ext>
+            </a:extLst>
+          </p:cNvPr>
+          <p:cNvPicPr>
+            <a:picLocks noChangeAspect="1"/>
+          </p:cNvPicPr>
+          <p:nvPr/>
+        </p:nvPicPr>
+        <p:blipFill>
+          <a:blip r:embed="rId4">
+            <a:extLst>
+              <a:ext uri="{28A0092B-C50C-407E-A947-70E740481C1C}">
+                <a14:useLocalDpi xmlns:a14="http://schemas.microsoft.com/office/drawing/2010/main" val="0"/>
+              </a:ext>
+              <a:ext uri="{96DAC541-7B7A-43D3-8B79-37D633B846F1}">
+                <asvg:svgBlip xmlns:asvg="http://schemas.microsoft.com/office/drawing/2016/SVG/main" r:embed="rId5"/>
+              </a:ext>
+            </a:extLst>
+          </a:blip>
+          <a:stretch>
+            <a:fillRect/>
+          </a:stretch>
+        </p:blipFill>
+        <p:spPr>
+          <a:xfrm>
+            <a:off x="7603979" y="2815396"/>
+            <a:ext cx="613604" cy="613604"/>
+          </a:xfrm>
+          <a:prstGeom prst="rect">
+            <a:avLst/>
+          </a:prstGeom>
+        </p:spPr>
+      </p:pic>
+      <p:sp>
+        <p:nvSpPr>
+          <p:cNvPr id="12" name="角丸四角形吹き出し 11">
+            <a:extLst>
+              <a:ext uri="{FF2B5EF4-FFF2-40B4-BE49-F238E27FC236}">
+                <a16:creationId xmlns:a16="http://schemas.microsoft.com/office/drawing/2014/main" id="{9A5EAF78-02D7-5D46-8A23-7CE5AA4C8820}"/>
+              </a:ext>
+            </a:extLst>
+          </p:cNvPr>
+          <p:cNvSpPr/>
+          <p:nvPr/>
+        </p:nvSpPr>
+        <p:spPr>
+          <a:xfrm>
+            <a:off x="6684578" y="781927"/>
+            <a:ext cx="4477408" cy="861848"/>
+          </a:xfrm>
+          <a:prstGeom prst="wedgeRoundRectCallout">
+            <a:avLst>
+              <a:gd name="adj1" fmla="val -60270"/>
+              <a:gd name="adj2" fmla="val 2744"/>
+              <a:gd name="adj3" fmla="val 16667"/>
+            </a:avLst>
+          </a:prstGeom>
+          <a:noFill/>
+        </p:spPr>
+        <p:style>
+          <a:lnRef idx="2">
+            <a:schemeClr val="accent1"/>
+          </a:lnRef>
+          <a:fillRef idx="1">
+            <a:schemeClr val="lt1"/>
+          </a:fillRef>
+          <a:effectRef idx="0">
+            <a:schemeClr val="accent1"/>
+          </a:effectRef>
+          <a:fontRef idx="minor">
+            <a:schemeClr val="dk1"/>
+          </a:fontRef>
+        </p:style>
+        <p:txBody>
+          <a:bodyPr rtlCol="0" anchor="ctr"/>
+          <a:lstStyle/>
+          <a:p>
+            <a:pPr algn="ctr"/>
+            <a:endParaRPr kumimoji="1" lang="ja-JP" altLang="en-US"/>
+          </a:p>
+        </p:txBody>
+      </p:sp>
+      <p:sp>
+        <p:nvSpPr>
+          <p:cNvPr id="13" name="スマイル 12">
+            <a:extLst>
+              <a:ext uri="{FF2B5EF4-FFF2-40B4-BE49-F238E27FC236}">
+                <a16:creationId xmlns:a16="http://schemas.microsoft.com/office/drawing/2014/main" id="{32592C97-BB24-A64A-99B0-45F6601BDB4D}"/>
+              </a:ext>
+            </a:extLst>
+          </p:cNvPr>
+          <p:cNvSpPr/>
+          <p:nvPr/>
+        </p:nvSpPr>
+        <p:spPr>
+          <a:xfrm>
+            <a:off x="7010399" y="970128"/>
+            <a:ext cx="515007" cy="485446"/>
+          </a:xfrm>
+          <a:prstGeom prst="smileyFace">
+            <a:avLst/>
+          </a:prstGeom>
+        </p:spPr>
+        <p:style>
+          <a:lnRef idx="1">
+            <a:schemeClr val="accent6"/>
+          </a:lnRef>
+          <a:fillRef idx="2">
+            <a:schemeClr val="accent6"/>
+          </a:fillRef>
+          <a:effectRef idx="1">
+            <a:schemeClr val="accent6"/>
+          </a:effectRef>
+          <a:fontRef idx="minor">
+            <a:schemeClr val="dk1"/>
+          </a:fontRef>
+        </p:style>
+        <p:txBody>
+          <a:bodyPr rtlCol="0" anchor="ctr"/>
+          <a:lstStyle/>
+          <a:p>
+            <a:pPr algn="ctr"/>
+            <a:endParaRPr kumimoji="1" lang="ja-JP" altLang="en-US"/>
+          </a:p>
+        </p:txBody>
+      </p:sp>
+      <p:sp>
+        <p:nvSpPr>
+          <p:cNvPr id="14" name="テキスト ボックス 13">
+            <a:extLst>
+              <a:ext uri="{FF2B5EF4-FFF2-40B4-BE49-F238E27FC236}">
+                <a16:creationId xmlns:a16="http://schemas.microsoft.com/office/drawing/2014/main" id="{29CE1CBC-3920-8F4F-8B93-0843D5E4E285}"/>
+              </a:ext>
+            </a:extLst>
+          </p:cNvPr>
+          <p:cNvSpPr txBox="1"/>
+          <p:nvPr/>
+        </p:nvSpPr>
+        <p:spPr>
+          <a:xfrm>
+            <a:off x="4728424" y="318495"/>
+            <a:ext cx="2539478" cy="369332"/>
+          </a:xfrm>
+          <a:prstGeom prst="rect">
+            <a:avLst/>
+          </a:prstGeom>
+          <a:noFill/>
+        </p:spPr>
+        <p:txBody>
+          <a:bodyPr wrap="none" rtlCol="0">
+            <a:spAutoFit/>
+          </a:bodyPr>
+          <a:lstStyle/>
+          <a:p>
+            <a:r>
+              <a:rPr kumimoji="1" lang="en-US" altLang="ja-JP" dirty="0"/>
+              <a:t>Azure Active Directory</a:t>
+            </a:r>
+            <a:endParaRPr kumimoji="1" lang="ja-JP" altLang="en-US"/>
+          </a:p>
+        </p:txBody>
+      </p:sp>
+      <p:sp>
+        <p:nvSpPr>
+          <p:cNvPr id="15" name="テキスト ボックス 14">
+            <a:extLst>
+              <a:ext uri="{FF2B5EF4-FFF2-40B4-BE49-F238E27FC236}">
+                <a16:creationId xmlns:a16="http://schemas.microsoft.com/office/drawing/2014/main" id="{921D0FAB-C538-C54D-80D8-0EA4A8993B14}"/>
+              </a:ext>
+            </a:extLst>
+          </p:cNvPr>
+          <p:cNvSpPr txBox="1"/>
+          <p:nvPr/>
+        </p:nvSpPr>
+        <p:spPr>
+          <a:xfrm>
+            <a:off x="7641020" y="1028185"/>
+            <a:ext cx="3416320" cy="369332"/>
+          </a:xfrm>
+          <a:prstGeom prst="rect">
+            <a:avLst/>
+          </a:prstGeom>
+          <a:noFill/>
+        </p:spPr>
+        <p:txBody>
+          <a:bodyPr wrap="none" rtlCol="0">
+            <a:spAutoFit/>
+          </a:bodyPr>
+          <a:lstStyle/>
+          <a:p>
+            <a:r>
+              <a:rPr kumimoji="1" lang="ja-JP" altLang="en-US"/>
+              <a:t>が本人であることは確認したよ</a:t>
+            </a:r>
+            <a:endParaRPr kumimoji="1" lang="en-US" altLang="ja-JP" dirty="0"/>
+          </a:p>
+        </p:txBody>
+      </p:sp>
+      <p:cxnSp>
+        <p:nvCxnSpPr>
+          <p:cNvPr id="17" name="直線矢印コネクタ 16">
+            <a:extLst>
+              <a:ext uri="{FF2B5EF4-FFF2-40B4-BE49-F238E27FC236}">
+                <a16:creationId xmlns:a16="http://schemas.microsoft.com/office/drawing/2014/main" id="{70CADF75-5834-1949-AFAA-AC04C3CC944A}"/>
+              </a:ext>
+            </a:extLst>
+          </p:cNvPr>
+          <p:cNvCxnSpPr>
+            <a:cxnSpLocks/>
+          </p:cNvCxnSpPr>
+          <p:nvPr/>
+        </p:nvCxnSpPr>
+        <p:spPr>
+          <a:xfrm flipV="1">
+            <a:off x="4193628" y="1600201"/>
+            <a:ext cx="1336346" cy="1149898"/>
+          </a:xfrm>
+          <a:prstGeom prst="straightConnector1">
+            <a:avLst/>
+          </a:prstGeom>
+          <a:ln w="38100">
+            <a:solidFill>
+              <a:srgbClr val="FF0000"/>
+            </a:solidFill>
+            <a:prstDash val="dash"/>
+            <a:headEnd type="none" w="med" len="med"/>
+            <a:tailEnd type="arrow" w="med" len="med"/>
+          </a:ln>
+        </p:spPr>
+        <p:style>
+          <a:lnRef idx="1">
+            <a:schemeClr val="accent1"/>
+          </a:lnRef>
+          <a:fillRef idx="0">
+            <a:schemeClr val="accent1"/>
+          </a:fillRef>
+          <a:effectRef idx="0">
+            <a:schemeClr val="accent1"/>
+          </a:effectRef>
+          <a:fontRef idx="minor">
+            <a:schemeClr val="tx1"/>
+          </a:fontRef>
+        </p:style>
+      </p:cxnSp>
+      <p:cxnSp>
+        <p:nvCxnSpPr>
+          <p:cNvPr id="19" name="直線矢印コネクタ 18">
+            <a:extLst>
+              <a:ext uri="{FF2B5EF4-FFF2-40B4-BE49-F238E27FC236}">
+                <a16:creationId xmlns:a16="http://schemas.microsoft.com/office/drawing/2014/main" id="{D0BA4081-B4F9-A640-B18C-C9649F640C24}"/>
+              </a:ext>
+            </a:extLst>
+          </p:cNvPr>
+          <p:cNvCxnSpPr>
+            <a:cxnSpLocks/>
+          </p:cNvCxnSpPr>
+          <p:nvPr/>
+        </p:nvCxnSpPr>
+        <p:spPr>
+          <a:xfrm flipH="1" flipV="1">
+            <a:off x="6249083" y="1600201"/>
+            <a:ext cx="1336346" cy="1149898"/>
+          </a:xfrm>
+          <a:prstGeom prst="straightConnector1">
+            <a:avLst/>
+          </a:prstGeom>
+          <a:ln w="38100">
+            <a:solidFill>
+              <a:srgbClr val="FF0000"/>
+            </a:solidFill>
+            <a:prstDash val="dash"/>
+            <a:headEnd type="none" w="med" len="med"/>
+            <a:tailEnd type="arrow" w="med" len="med"/>
+          </a:ln>
+        </p:spPr>
+        <p:style>
+          <a:lnRef idx="1">
+            <a:schemeClr val="accent1"/>
+          </a:lnRef>
+          <a:fillRef idx="0">
+            <a:schemeClr val="accent1"/>
+          </a:fillRef>
+          <a:effectRef idx="0">
+            <a:schemeClr val="accent1"/>
+          </a:effectRef>
+          <a:fontRef idx="minor">
+            <a:schemeClr val="tx1"/>
+          </a:fontRef>
+        </p:style>
+      </p:cxnSp>
+      <p:sp>
+        <p:nvSpPr>
+          <p:cNvPr id="20" name="テキスト ボックス 19">
+            <a:extLst>
+              <a:ext uri="{FF2B5EF4-FFF2-40B4-BE49-F238E27FC236}">
+                <a16:creationId xmlns:a16="http://schemas.microsoft.com/office/drawing/2014/main" id="{807F1205-147D-5943-92EF-D88FF5A7E6E8}"/>
+              </a:ext>
+            </a:extLst>
+          </p:cNvPr>
+          <p:cNvSpPr txBox="1"/>
+          <p:nvPr/>
+        </p:nvSpPr>
+        <p:spPr>
+          <a:xfrm>
+            <a:off x="4115485" y="1924580"/>
+            <a:ext cx="646331" cy="369332"/>
+          </a:xfrm>
+          <a:prstGeom prst="rect">
+            <a:avLst/>
+          </a:prstGeom>
+          <a:noFill/>
+        </p:spPr>
+        <p:txBody>
+          <a:bodyPr wrap="none" rtlCol="0">
+            <a:spAutoFit/>
+          </a:bodyPr>
+          <a:lstStyle/>
+          <a:p>
+            <a:r>
+              <a:rPr lang="ja-JP" altLang="en-US"/>
+              <a:t>信頼</a:t>
+            </a:r>
+            <a:endParaRPr kumimoji="1" lang="en-US" altLang="ja-JP" dirty="0"/>
+          </a:p>
+        </p:txBody>
+      </p:sp>
+      <p:sp>
+        <p:nvSpPr>
+          <p:cNvPr id="21" name="テキスト ボックス 20">
+            <a:extLst>
+              <a:ext uri="{FF2B5EF4-FFF2-40B4-BE49-F238E27FC236}">
+                <a16:creationId xmlns:a16="http://schemas.microsoft.com/office/drawing/2014/main" id="{71DEE452-3946-3D48-BEFC-DBCE4B74AA23}"/>
+              </a:ext>
+            </a:extLst>
+          </p:cNvPr>
+          <p:cNvSpPr txBox="1"/>
+          <p:nvPr/>
+        </p:nvSpPr>
+        <p:spPr>
+          <a:xfrm>
+            <a:off x="7157600" y="1940559"/>
+            <a:ext cx="646331" cy="369332"/>
+          </a:xfrm>
+          <a:prstGeom prst="rect">
+            <a:avLst/>
+          </a:prstGeom>
+          <a:noFill/>
+        </p:spPr>
+        <p:txBody>
+          <a:bodyPr wrap="none" rtlCol="0">
+            <a:spAutoFit/>
+          </a:bodyPr>
+          <a:lstStyle/>
+          <a:p>
+            <a:r>
+              <a:rPr lang="ja-JP" altLang="en-US"/>
+              <a:t>信頼</a:t>
+            </a:r>
+            <a:endParaRPr kumimoji="1" lang="en-US" altLang="ja-JP" dirty="0"/>
+          </a:p>
+        </p:txBody>
+      </p:sp>
+      <p:sp>
+        <p:nvSpPr>
+          <p:cNvPr id="22" name="テキスト ボックス 21">
+            <a:extLst>
+              <a:ext uri="{FF2B5EF4-FFF2-40B4-BE49-F238E27FC236}">
+                <a16:creationId xmlns:a16="http://schemas.microsoft.com/office/drawing/2014/main" id="{19DE4246-A3E4-7F44-A4BE-F982E49507FB}"/>
+              </a:ext>
+            </a:extLst>
+          </p:cNvPr>
+          <p:cNvSpPr txBox="1"/>
+          <p:nvPr/>
+        </p:nvSpPr>
+        <p:spPr>
+          <a:xfrm>
+            <a:off x="2833082" y="3706864"/>
+            <a:ext cx="2186817" cy="369332"/>
+          </a:xfrm>
+          <a:prstGeom prst="rect">
+            <a:avLst/>
+          </a:prstGeom>
+          <a:noFill/>
+        </p:spPr>
+        <p:txBody>
+          <a:bodyPr wrap="none" rtlCol="0">
+            <a:spAutoFit/>
+          </a:bodyPr>
+          <a:lstStyle/>
+          <a:p>
+            <a:r>
+              <a:rPr lang="en-US" altLang="ja-JP" dirty="0"/>
+              <a:t>Azure Subscription</a:t>
+            </a:r>
+            <a:endParaRPr kumimoji="1" lang="en-US" altLang="ja-JP" dirty="0"/>
+          </a:p>
+        </p:txBody>
+      </p:sp>
+      <p:sp>
+        <p:nvSpPr>
+          <p:cNvPr id="23" name="テキスト ボックス 22">
+            <a:extLst>
+              <a:ext uri="{FF2B5EF4-FFF2-40B4-BE49-F238E27FC236}">
+                <a16:creationId xmlns:a16="http://schemas.microsoft.com/office/drawing/2014/main" id="{1CDA8D18-FE8C-EF4A-A9E6-09C61C89A235}"/>
+              </a:ext>
+            </a:extLst>
+          </p:cNvPr>
+          <p:cNvSpPr txBox="1"/>
+          <p:nvPr/>
+        </p:nvSpPr>
+        <p:spPr>
+          <a:xfrm>
+            <a:off x="6762069" y="3662473"/>
+            <a:ext cx="2425664" cy="369332"/>
+          </a:xfrm>
+          <a:prstGeom prst="rect">
+            <a:avLst/>
+          </a:prstGeom>
+          <a:noFill/>
+        </p:spPr>
+        <p:txBody>
+          <a:bodyPr wrap="none" rtlCol="0">
+            <a:spAutoFit/>
+          </a:bodyPr>
+          <a:lstStyle/>
+          <a:p>
+            <a:r>
+              <a:rPr lang="en-US" altLang="ja-JP" dirty="0"/>
+              <a:t>DevOps Organization</a:t>
+            </a:r>
+            <a:endParaRPr kumimoji="1" lang="en-US" altLang="ja-JP" dirty="0"/>
+          </a:p>
+        </p:txBody>
+      </p:sp>
+      <p:sp>
+        <p:nvSpPr>
+          <p:cNvPr id="24" name="角丸四角形吹き出し 23">
+            <a:extLst>
+              <a:ext uri="{FF2B5EF4-FFF2-40B4-BE49-F238E27FC236}">
+                <a16:creationId xmlns:a16="http://schemas.microsoft.com/office/drawing/2014/main" id="{B276AB4A-69B2-F346-A18C-17F068D67E02}"/>
+              </a:ext>
+            </a:extLst>
+          </p:cNvPr>
+          <p:cNvSpPr/>
+          <p:nvPr/>
+        </p:nvSpPr>
+        <p:spPr>
+          <a:xfrm>
+            <a:off x="8727992" y="2471575"/>
+            <a:ext cx="3222270" cy="1149898"/>
+          </a:xfrm>
+          <a:prstGeom prst="wedgeRoundRectCallout">
+            <a:avLst>
+              <a:gd name="adj1" fmla="val -70480"/>
+              <a:gd name="adj2" fmla="val 10689"/>
+              <a:gd name="adj3" fmla="val 16667"/>
+            </a:avLst>
+          </a:prstGeom>
+          <a:noFill/>
+        </p:spPr>
+        <p:style>
+          <a:lnRef idx="2">
+            <a:schemeClr val="accent1"/>
+          </a:lnRef>
+          <a:fillRef idx="1">
+            <a:schemeClr val="lt1"/>
+          </a:fillRef>
+          <a:effectRef idx="0">
+            <a:schemeClr val="accent1"/>
+          </a:effectRef>
+          <a:fontRef idx="minor">
+            <a:schemeClr val="dk1"/>
+          </a:fontRef>
+        </p:style>
+        <p:txBody>
+          <a:bodyPr rtlCol="0" anchor="t"/>
+          <a:lstStyle/>
+          <a:p>
+            <a:r>
+              <a:rPr kumimoji="1" lang="en-US" altLang="ja-JP" sz="1400" b="1" dirty="0"/>
+              <a:t>Access</a:t>
+            </a:r>
+            <a:r>
+              <a:rPr lang="ja-JP" altLang="en-US" sz="1400" b="1"/>
+              <a:t> </a:t>
+            </a:r>
+            <a:r>
+              <a:rPr lang="en-US" altLang="ja-JP" sz="1400" b="1" dirty="0"/>
+              <a:t>Level / Permission</a:t>
+            </a:r>
+            <a:endParaRPr kumimoji="1" lang="en-US" altLang="ja-JP" sz="1400" b="1" dirty="0"/>
+          </a:p>
+        </p:txBody>
+      </p:sp>
+      <p:sp>
+        <p:nvSpPr>
+          <p:cNvPr id="25" name="スマイル 24">
+            <a:extLst>
+              <a:ext uri="{FF2B5EF4-FFF2-40B4-BE49-F238E27FC236}">
+                <a16:creationId xmlns:a16="http://schemas.microsoft.com/office/drawing/2014/main" id="{32B0746C-7713-904C-A3F0-2DF8AD0C9888}"/>
+              </a:ext>
+            </a:extLst>
+          </p:cNvPr>
+          <p:cNvSpPr/>
+          <p:nvPr/>
+        </p:nvSpPr>
+        <p:spPr>
+          <a:xfrm>
+            <a:off x="431176" y="3038415"/>
+            <a:ext cx="515007" cy="485446"/>
+          </a:xfrm>
+          <a:prstGeom prst="smileyFace">
+            <a:avLst/>
+          </a:prstGeom>
+        </p:spPr>
+        <p:style>
+          <a:lnRef idx="1">
+            <a:schemeClr val="accent6"/>
+          </a:lnRef>
+          <a:fillRef idx="2">
+            <a:schemeClr val="accent6"/>
+          </a:fillRef>
+          <a:effectRef idx="1">
+            <a:schemeClr val="accent6"/>
+          </a:effectRef>
+          <a:fontRef idx="minor">
+            <a:schemeClr val="dk1"/>
+          </a:fontRef>
+        </p:style>
+        <p:txBody>
+          <a:bodyPr rtlCol="0" anchor="ctr"/>
+          <a:lstStyle/>
+          <a:p>
+            <a:pPr algn="ctr"/>
+            <a:endParaRPr kumimoji="1" lang="ja-JP" altLang="en-US"/>
+          </a:p>
+        </p:txBody>
+      </p:sp>
+      <p:sp>
+        <p:nvSpPr>
+          <p:cNvPr id="26" name="テキスト ボックス 25">
+            <a:extLst>
+              <a:ext uri="{FF2B5EF4-FFF2-40B4-BE49-F238E27FC236}">
+                <a16:creationId xmlns:a16="http://schemas.microsoft.com/office/drawing/2014/main" id="{B18BED0E-2060-5340-9AD0-B98D97B911FE}"/>
+              </a:ext>
+            </a:extLst>
+          </p:cNvPr>
+          <p:cNvSpPr txBox="1"/>
+          <p:nvPr/>
+        </p:nvSpPr>
+        <p:spPr>
+          <a:xfrm>
+            <a:off x="1067376" y="3096472"/>
+            <a:ext cx="2262158" cy="369332"/>
+          </a:xfrm>
+          <a:prstGeom prst="rect">
+            <a:avLst/>
+          </a:prstGeom>
+          <a:noFill/>
+        </p:spPr>
+        <p:txBody>
+          <a:bodyPr wrap="none" rtlCol="0">
+            <a:spAutoFit/>
+          </a:bodyPr>
+          <a:lstStyle/>
+          <a:p>
+            <a:r>
+              <a:rPr kumimoji="1" lang="ja-JP" altLang="en-US"/>
+              <a:t>は環境を見るだけね</a:t>
+            </a:r>
+            <a:endParaRPr kumimoji="1" lang="en-US" altLang="ja-JP" dirty="0"/>
+          </a:p>
+        </p:txBody>
+      </p:sp>
+      <p:sp>
+        <p:nvSpPr>
+          <p:cNvPr id="27" name="角丸四角形吹き出し 26">
+            <a:extLst>
+              <a:ext uri="{FF2B5EF4-FFF2-40B4-BE49-F238E27FC236}">
+                <a16:creationId xmlns:a16="http://schemas.microsoft.com/office/drawing/2014/main" id="{79CAE23E-9FDF-DB46-AA56-D419FC14DACA}"/>
+              </a:ext>
+            </a:extLst>
+          </p:cNvPr>
+          <p:cNvSpPr/>
+          <p:nvPr/>
+        </p:nvSpPr>
+        <p:spPr>
+          <a:xfrm>
+            <a:off x="281975" y="2473218"/>
+            <a:ext cx="3090891" cy="1149897"/>
+          </a:xfrm>
+          <a:prstGeom prst="wedgeRoundRectCallout">
+            <a:avLst>
+              <a:gd name="adj1" fmla="val 56373"/>
+              <a:gd name="adj2" fmla="val 34451"/>
+              <a:gd name="adj3" fmla="val 16667"/>
+            </a:avLst>
+          </a:prstGeom>
+          <a:noFill/>
+        </p:spPr>
+        <p:style>
+          <a:lnRef idx="2">
+            <a:schemeClr val="accent1"/>
+          </a:lnRef>
+          <a:fillRef idx="1">
+            <a:schemeClr val="lt1"/>
+          </a:fillRef>
+          <a:effectRef idx="0">
+            <a:schemeClr val="accent1"/>
+          </a:effectRef>
+          <a:fontRef idx="minor">
+            <a:schemeClr val="dk1"/>
+          </a:fontRef>
+        </p:style>
+        <p:txBody>
+          <a:bodyPr rtlCol="0" anchor="t"/>
+          <a:lstStyle/>
+          <a:p>
+            <a:r>
+              <a:rPr lang="en-US" altLang="ja-JP" sz="1400" b="1" dirty="0"/>
+              <a:t>RBAC</a:t>
+            </a:r>
+            <a:endParaRPr kumimoji="1" lang="ja-JP" altLang="en-US" sz="1400" b="1"/>
+          </a:p>
+        </p:txBody>
+      </p:sp>
+      <p:sp>
+        <p:nvSpPr>
+          <p:cNvPr id="28" name="スマイル 27">
+            <a:extLst>
+              <a:ext uri="{FF2B5EF4-FFF2-40B4-BE49-F238E27FC236}">
+                <a16:creationId xmlns:a16="http://schemas.microsoft.com/office/drawing/2014/main" id="{A9304C0B-610D-D648-8DB9-7C8B9F08C266}"/>
+              </a:ext>
+            </a:extLst>
+          </p:cNvPr>
+          <p:cNvSpPr/>
+          <p:nvPr/>
+        </p:nvSpPr>
+        <p:spPr>
+          <a:xfrm>
+            <a:off x="8823434" y="2956754"/>
+            <a:ext cx="515007" cy="485446"/>
+          </a:xfrm>
+          <a:prstGeom prst="smileyFace">
+            <a:avLst/>
+          </a:prstGeom>
+        </p:spPr>
+        <p:style>
+          <a:lnRef idx="1">
+            <a:schemeClr val="accent6"/>
+          </a:lnRef>
+          <a:fillRef idx="2">
+            <a:schemeClr val="accent6"/>
+          </a:fillRef>
+          <a:effectRef idx="1">
+            <a:schemeClr val="accent6"/>
+          </a:effectRef>
+          <a:fontRef idx="minor">
+            <a:schemeClr val="dk1"/>
+          </a:fontRef>
+        </p:style>
+        <p:txBody>
+          <a:bodyPr rtlCol="0" anchor="ctr"/>
+          <a:lstStyle/>
+          <a:p>
+            <a:pPr algn="ctr"/>
+            <a:endParaRPr kumimoji="1" lang="ja-JP" altLang="en-US"/>
+          </a:p>
+        </p:txBody>
+      </p:sp>
+      <p:sp>
+        <p:nvSpPr>
+          <p:cNvPr id="29" name="テキスト ボックス 28">
+            <a:extLst>
+              <a:ext uri="{FF2B5EF4-FFF2-40B4-BE49-F238E27FC236}">
+                <a16:creationId xmlns:a16="http://schemas.microsoft.com/office/drawing/2014/main" id="{552ED9DF-F71F-364E-8CA9-49A5FE25EE52}"/>
+              </a:ext>
+            </a:extLst>
+          </p:cNvPr>
+          <p:cNvSpPr txBox="1"/>
+          <p:nvPr/>
+        </p:nvSpPr>
+        <p:spPr>
+          <a:xfrm>
+            <a:off x="9417035" y="3047150"/>
+            <a:ext cx="2492990" cy="369332"/>
+          </a:xfrm>
+          <a:prstGeom prst="rect">
+            <a:avLst/>
+          </a:prstGeom>
+          <a:noFill/>
+        </p:spPr>
+        <p:txBody>
+          <a:bodyPr wrap="none" rtlCol="0">
+            <a:spAutoFit/>
+          </a:bodyPr>
+          <a:lstStyle/>
+          <a:p>
+            <a:r>
+              <a:rPr kumimoji="1" lang="ja-JP" altLang="en-US"/>
+              <a:t>はコード書いていいよ</a:t>
+            </a:r>
+            <a:endParaRPr kumimoji="1" lang="en-US" altLang="ja-JP" dirty="0"/>
+          </a:p>
+        </p:txBody>
+      </p:sp>
+      <p:sp>
+        <p:nvSpPr>
+          <p:cNvPr id="30" name="スマイル 29">
+            <a:extLst>
+              <a:ext uri="{FF2B5EF4-FFF2-40B4-BE49-F238E27FC236}">
+                <a16:creationId xmlns:a16="http://schemas.microsoft.com/office/drawing/2014/main" id="{92E18BE9-6104-E04E-9EE3-909631E17314}"/>
+              </a:ext>
+            </a:extLst>
+          </p:cNvPr>
+          <p:cNvSpPr/>
+          <p:nvPr/>
+        </p:nvSpPr>
+        <p:spPr>
+          <a:xfrm>
+            <a:off x="454184" y="345222"/>
+            <a:ext cx="515007" cy="485446"/>
+          </a:xfrm>
+          <a:prstGeom prst="smileyFace">
+            <a:avLst/>
+          </a:prstGeom>
+        </p:spPr>
+        <p:style>
+          <a:lnRef idx="1">
+            <a:schemeClr val="accent6"/>
+          </a:lnRef>
+          <a:fillRef idx="2">
+            <a:schemeClr val="accent6"/>
+          </a:fillRef>
+          <a:effectRef idx="1">
+            <a:schemeClr val="accent6"/>
+          </a:effectRef>
+          <a:fontRef idx="minor">
+            <a:schemeClr val="dk1"/>
+          </a:fontRef>
+        </p:style>
+        <p:txBody>
+          <a:bodyPr rtlCol="0" anchor="ctr"/>
+          <a:lstStyle/>
+          <a:p>
+            <a:pPr algn="ctr"/>
+            <a:endParaRPr kumimoji="1" lang="ja-JP" altLang="en-US"/>
+          </a:p>
+        </p:txBody>
+      </p:sp>
+      <p:sp>
+        <p:nvSpPr>
+          <p:cNvPr id="31" name="角丸四角形吹き出し 30">
+            <a:extLst>
+              <a:ext uri="{FF2B5EF4-FFF2-40B4-BE49-F238E27FC236}">
+                <a16:creationId xmlns:a16="http://schemas.microsoft.com/office/drawing/2014/main" id="{F15FA852-B365-8C48-B7CF-B4D83A8E3FE4}"/>
+              </a:ext>
+            </a:extLst>
+          </p:cNvPr>
+          <p:cNvSpPr/>
+          <p:nvPr/>
+        </p:nvSpPr>
+        <p:spPr>
+          <a:xfrm>
+            <a:off x="1091844" y="587945"/>
+            <a:ext cx="2071770" cy="774700"/>
+          </a:xfrm>
+          <a:prstGeom prst="wedgeRoundRectCallout">
+            <a:avLst>
+              <a:gd name="adj1" fmla="val -63322"/>
+              <a:gd name="adj2" fmla="val -39939"/>
+              <a:gd name="adj3" fmla="val 16667"/>
+            </a:avLst>
+          </a:prstGeom>
+          <a:noFill/>
+        </p:spPr>
+        <p:style>
+          <a:lnRef idx="2">
+            <a:schemeClr val="accent1"/>
+          </a:lnRef>
+          <a:fillRef idx="1">
+            <a:schemeClr val="lt1"/>
+          </a:fillRef>
+          <a:effectRef idx="0">
+            <a:schemeClr val="accent1"/>
+          </a:effectRef>
+          <a:fontRef idx="minor">
+            <a:schemeClr val="dk1"/>
+          </a:fontRef>
+        </p:style>
+        <p:txBody>
+          <a:bodyPr rtlCol="0" anchor="ctr"/>
+          <a:lstStyle/>
+          <a:p>
+            <a:pPr algn="ctr"/>
+            <a:r>
+              <a:rPr kumimoji="1" lang="ja-JP" altLang="en-US"/>
+              <a:t>さあ仕事するぞ</a:t>
+            </a:r>
+          </a:p>
+        </p:txBody>
+      </p:sp>
+    </p:spTree>
+    <p:extLst>
+      <p:ext uri="{BB962C8B-B14F-4D97-AF65-F5344CB8AC3E}">
+        <p14:creationId xmlns:p14="http://schemas.microsoft.com/office/powerpoint/2010/main" val="2361165544"/>
+      </p:ext>
+    </p:extLst>
+  </p:cSld>
+  <p:clrMapOvr>
+    <a:masterClrMapping/>
+  </p:clrMapOvr>
+</p:sld>
+</file>
+
+<file path=ppt/slides/slide6.xml><?xml version="1.0" encoding="utf-8"?>
+<p:sld xmlns:a="http://schemas.openxmlformats.org/drawingml/2006/main" xmlns:r="http://schemas.openxmlformats.org/officeDocument/2006/relationships" xmlns:p="http://schemas.openxmlformats.org/presentationml/2006/main">
+  <p:cSld>
+    <p:spTree>
+      <p:nvGrpSpPr>
+        <p:cNvPr id="1" name=""/>
+        <p:cNvGrpSpPr/>
+        <p:nvPr/>
+      </p:nvGrpSpPr>
+      <p:grpSpPr>
+        <a:xfrm>
+          <a:off x="0" y="0"/>
+          <a:ext cx="0" cy="0"/>
+          <a:chOff x="0" y="0"/>
+          <a:chExt cx="0" cy="0"/>
+        </a:xfrm>
+      </p:grpSpPr>
+      <p:pic>
+        <p:nvPicPr>
+          <p:cNvPr id="6" name="図 5">
+            <a:extLst>
+              <a:ext uri="{FF2B5EF4-FFF2-40B4-BE49-F238E27FC236}">
+                <a16:creationId xmlns:a16="http://schemas.microsoft.com/office/drawing/2014/main" id="{E040F74A-F8C6-4441-8775-F3BA0D2F8334}"/>
+              </a:ext>
+            </a:extLst>
+          </p:cNvPr>
+          <p:cNvPicPr>
+            <a:picLocks noChangeAspect="1"/>
+          </p:cNvPicPr>
+          <p:nvPr/>
+        </p:nvPicPr>
+        <p:blipFill>
+          <a:blip r:embed="rId2"/>
+          <a:stretch>
+            <a:fillRect/>
+          </a:stretch>
+        </p:blipFill>
+        <p:spPr>
+          <a:xfrm>
+            <a:off x="5207096" y="2448925"/>
+            <a:ext cx="6486446" cy="3830992"/>
+          </a:xfrm>
+          <a:prstGeom prst="rect">
+            <a:avLst/>
+          </a:prstGeom>
+          <a:ln>
+            <a:noFill/>
+          </a:ln>
+          <a:effectLst>
+            <a:outerShdw blurRad="292100" dist="139700" dir="2700000" algn="tl" rotWithShape="0">
+              <a:srgbClr val="333333">
+                <a:alpha val="65000"/>
+              </a:srgbClr>
+            </a:outerShdw>
+          </a:effectLst>
+        </p:spPr>
+      </p:pic>
+      <p:pic>
+        <p:nvPicPr>
+          <p:cNvPr id="7" name="図 6">
+            <a:extLst>
+              <a:ext uri="{FF2B5EF4-FFF2-40B4-BE49-F238E27FC236}">
+                <a16:creationId xmlns:a16="http://schemas.microsoft.com/office/drawing/2014/main" id="{7ABB4A26-C0B9-C346-8492-D15A01C41D49}"/>
+              </a:ext>
+            </a:extLst>
+          </p:cNvPr>
+          <p:cNvPicPr>
+            <a:picLocks noChangeAspect="1"/>
+          </p:cNvPicPr>
+          <p:nvPr/>
+        </p:nvPicPr>
+        <p:blipFill>
+          <a:blip r:embed="rId3"/>
+          <a:stretch>
+            <a:fillRect/>
+          </a:stretch>
+        </p:blipFill>
+        <p:spPr>
+          <a:xfrm>
+            <a:off x="498458" y="319786"/>
+            <a:ext cx="7238422" cy="4258277"/>
+          </a:xfrm>
+          <a:prstGeom prst="rect">
+            <a:avLst/>
+          </a:prstGeom>
+          <a:ln>
+            <a:noFill/>
+          </a:ln>
+          <a:effectLst>
+            <a:outerShdw blurRad="292100" dist="139700" dir="2700000" algn="tl" rotWithShape="0">
+              <a:srgbClr val="333333">
+                <a:alpha val="65000"/>
+              </a:srgbClr>
+            </a:outerShdw>
+          </a:effectLst>
+        </p:spPr>
+      </p:pic>
+    </p:spTree>
+    <p:extLst>
+      <p:ext uri="{BB962C8B-B14F-4D97-AF65-F5344CB8AC3E}">
+        <p14:creationId xmlns:p14="http://schemas.microsoft.com/office/powerpoint/2010/main" val="412287945"/>
+      </p:ext>
+    </p:extLst>
+  </p:cSld>
+  <p:clrMapOvr>
+    <a:masterClrMapping/>
+  </p:clrMapOvr>
+</p:sld>
+</file>
+
+<file path=ppt/slides/slide7.xml><?xml version="1.0" encoding="utf-8"?>
+<p:sld xmlns:a="http://schemas.openxmlformats.org/drawingml/2006/main" xmlns:r="http://schemas.openxmlformats.org/officeDocument/2006/relationships" xmlns:p="http://schemas.openxmlformats.org/presentationml/2006/main">
+  <p:cSld>
+    <p:spTree>
+      <p:nvGrpSpPr>
+        <p:cNvPr id="1" name=""/>
+        <p:cNvGrpSpPr/>
+        <p:nvPr/>
+      </p:nvGrpSpPr>
+      <p:grpSpPr>
+        <a:xfrm>
+          <a:off x="0" y="0"/>
+          <a:ext cx="0" cy="0"/>
+          <a:chOff x="0" y="0"/>
+          <a:chExt cx="0" cy="0"/>
+        </a:xfrm>
+      </p:grpSpPr>
+      <p:pic>
+        <p:nvPicPr>
+          <p:cNvPr id="6" name="図 5">
+            <a:extLst>
+              <a:ext uri="{FF2B5EF4-FFF2-40B4-BE49-F238E27FC236}">
+                <a16:creationId xmlns:a16="http://schemas.microsoft.com/office/drawing/2014/main" id="{69CC2C41-06C4-7249-A0C8-AFB383209627}"/>
+              </a:ext>
+            </a:extLst>
+          </p:cNvPr>
+          <p:cNvPicPr>
+            <a:picLocks noChangeAspect="1"/>
+          </p:cNvPicPr>
+          <p:nvPr/>
+        </p:nvPicPr>
+        <p:blipFill rotWithShape="1">
+          <a:blip r:embed="rId2"/>
+          <a:srcRect b="27812"/>
+          <a:stretch/>
+        </p:blipFill>
+        <p:spPr>
+          <a:xfrm>
+            <a:off x="4882493" y="2575473"/>
+            <a:ext cx="6883400" cy="2658679"/>
+          </a:xfrm>
+          <a:prstGeom prst="rect">
+            <a:avLst/>
+          </a:prstGeom>
+          <a:ln>
+            <a:noFill/>
+          </a:ln>
+          <a:effectLst>
+            <a:outerShdw blurRad="292100" dist="139700" dir="2700000" algn="tl" rotWithShape="0">
+              <a:srgbClr val="333333">
+                <a:alpha val="65000"/>
+              </a:srgbClr>
+            </a:outerShdw>
+          </a:effectLst>
+        </p:spPr>
+      </p:pic>
+      <p:pic>
+        <p:nvPicPr>
+          <p:cNvPr id="7" name="図 6">
+            <a:extLst>
+              <a:ext uri="{FF2B5EF4-FFF2-40B4-BE49-F238E27FC236}">
+                <a16:creationId xmlns:a16="http://schemas.microsoft.com/office/drawing/2014/main" id="{BBB39800-BA3C-7A4A-89E7-DA16B688262A}"/>
+              </a:ext>
+            </a:extLst>
+          </p:cNvPr>
+          <p:cNvPicPr>
+            <a:picLocks noChangeAspect="1"/>
+          </p:cNvPicPr>
+          <p:nvPr/>
+        </p:nvPicPr>
+        <p:blipFill>
+          <a:blip r:embed="rId3"/>
+          <a:stretch>
+            <a:fillRect/>
+          </a:stretch>
+        </p:blipFill>
+        <p:spPr>
+          <a:xfrm>
+            <a:off x="1083827" y="988352"/>
+            <a:ext cx="5000400" cy="2737186"/>
+          </a:xfrm>
+          <a:prstGeom prst="rect">
+            <a:avLst/>
+          </a:prstGeom>
+          <a:ln>
+            <a:noFill/>
+          </a:ln>
+          <a:effectLst>
+            <a:outerShdw blurRad="292100" dist="139700" dir="2700000" algn="tl" rotWithShape="0">
+              <a:srgbClr val="333333">
+                <a:alpha val="65000"/>
+              </a:srgbClr>
+            </a:outerShdw>
+          </a:effectLst>
+        </p:spPr>
+      </p:pic>
+    </p:spTree>
+    <p:extLst>
+      <p:ext uri="{BB962C8B-B14F-4D97-AF65-F5344CB8AC3E}">
+        <p14:creationId xmlns:p14="http://schemas.microsoft.com/office/powerpoint/2010/main" val="3101155344"/>
+      </p:ext>
+    </p:extLst>
+  </p:cSld>
+  <p:clrMapOvr>
+    <a:masterClrMapping/>
+  </p:clrMapOvr>
+</p:sld>
+</file>
+
+<file path=ppt/slides/slide8.xml><?xml version="1.0" encoding="utf-8"?>
+<p:sld xmlns:a="http://schemas.openxmlformats.org/drawingml/2006/main" xmlns:r="http://schemas.openxmlformats.org/officeDocument/2006/relationships" xmlns:p="http://schemas.openxmlformats.org/presentationml/2006/main">
+  <p:cSld>
+    <p:spTree>
+      <p:nvGrpSpPr>
+        <p:cNvPr id="1" name=""/>
+        <p:cNvGrpSpPr/>
+        <p:nvPr/>
+      </p:nvGrpSpPr>
+      <p:grpSpPr>
+        <a:xfrm>
+          <a:off x="0" y="0"/>
+          <a:ext cx="0" cy="0"/>
+          <a:chOff x="0" y="0"/>
+          <a:chExt cx="0" cy="0"/>
+        </a:xfrm>
+      </p:grpSpPr>
+      <p:pic>
+        <p:nvPicPr>
+          <p:cNvPr id="3" name="図 2">
+            <a:extLst>
+              <a:ext uri="{FF2B5EF4-FFF2-40B4-BE49-F238E27FC236}">
+                <a16:creationId xmlns:a16="http://schemas.microsoft.com/office/drawing/2014/main" id="{4837A7D6-A499-2F44-881A-26DD55CD09D7}"/>
+              </a:ext>
+            </a:extLst>
+          </p:cNvPr>
+          <p:cNvPicPr>
+            <a:picLocks noChangeAspect="1"/>
+          </p:cNvPicPr>
+          <p:nvPr/>
+        </p:nvPicPr>
+        <p:blipFill>
+          <a:blip r:embed="rId2">
+            <a:extLst>
+              <a:ext uri="{28A0092B-C50C-407E-A947-70E740481C1C}">
+                <a14:useLocalDpi xmlns:a14="http://schemas.microsoft.com/office/drawing/2010/main" val="0"/>
+              </a:ext>
+            </a:extLst>
+          </a:blip>
+          <a:stretch>
+            <a:fillRect/>
+          </a:stretch>
+        </p:blipFill>
+        <p:spPr>
+          <a:xfrm>
+            <a:off x="5529974" y="1414079"/>
+            <a:ext cx="774700" cy="774700"/>
+          </a:xfrm>
+          <a:prstGeom prst="rect">
+            <a:avLst/>
+          </a:prstGeom>
+        </p:spPr>
+      </p:pic>
+      <p:pic>
+        <p:nvPicPr>
+          <p:cNvPr id="7" name="図 6" descr="挿絵 が含まれている画像&#10;&#10;自動的に生成された説明">
+            <a:extLst>
+              <a:ext uri="{FF2B5EF4-FFF2-40B4-BE49-F238E27FC236}">
+                <a16:creationId xmlns:a16="http://schemas.microsoft.com/office/drawing/2014/main" id="{D29CAF50-32CC-1A4A-B8A5-BE0E1FFB2689}"/>
+              </a:ext>
+            </a:extLst>
+          </p:cNvPr>
+          <p:cNvPicPr>
+            <a:picLocks noChangeAspect="1"/>
+          </p:cNvPicPr>
+          <p:nvPr/>
+        </p:nvPicPr>
+        <p:blipFill>
+          <a:blip r:embed="rId3">
+            <a:extLst>
+              <a:ext uri="{28A0092B-C50C-407E-A947-70E740481C1C}">
+                <a14:useLocalDpi xmlns:a14="http://schemas.microsoft.com/office/drawing/2010/main" val="0"/>
+              </a:ext>
+            </a:extLst>
+          </a:blip>
+          <a:stretch>
+            <a:fillRect/>
+          </a:stretch>
+        </p:blipFill>
+        <p:spPr>
+          <a:xfrm>
+            <a:off x="3457798" y="3338677"/>
+            <a:ext cx="937387" cy="937387"/>
+          </a:xfrm>
+          <a:prstGeom prst="rect">
+            <a:avLst/>
+          </a:prstGeom>
+        </p:spPr>
+      </p:pic>
+      <p:sp>
+        <p:nvSpPr>
+          <p:cNvPr id="12" name="角丸四角形吹き出し 11">
+            <a:extLst>
+              <a:ext uri="{FF2B5EF4-FFF2-40B4-BE49-F238E27FC236}">
+                <a16:creationId xmlns:a16="http://schemas.microsoft.com/office/drawing/2014/main" id="{9A5EAF78-02D7-5D46-8A23-7CE5AA4C8820}"/>
+              </a:ext>
+            </a:extLst>
+          </p:cNvPr>
+          <p:cNvSpPr/>
+          <p:nvPr/>
+        </p:nvSpPr>
+        <p:spPr>
+          <a:xfrm>
+            <a:off x="7037523" y="193953"/>
+            <a:ext cx="3199554" cy="2430090"/>
+          </a:xfrm>
+          <a:prstGeom prst="wedgeRoundRectCallout">
+            <a:avLst>
+              <a:gd name="adj1" fmla="val -73783"/>
+              <a:gd name="adj2" fmla="val 16956"/>
+              <a:gd name="adj3" fmla="val 16667"/>
+            </a:avLst>
+          </a:prstGeom>
+          <a:noFill/>
+        </p:spPr>
+        <p:style>
+          <a:lnRef idx="2">
+            <a:schemeClr val="accent1"/>
+          </a:lnRef>
+          <a:fillRef idx="1">
+            <a:schemeClr val="lt1"/>
+          </a:fillRef>
+          <a:effectRef idx="0">
+            <a:schemeClr val="accent1"/>
+          </a:effectRef>
+          <a:fontRef idx="minor">
+            <a:schemeClr val="dk1"/>
+          </a:fontRef>
+        </p:style>
+        <p:txBody>
+          <a:bodyPr rtlCol="0" anchor="t"/>
+          <a:lstStyle/>
+          <a:p>
+            <a:r>
+              <a:rPr lang="en-US" altLang="ja-JP" sz="1400" b="1" dirty="0"/>
+              <a:t>Service Principal</a:t>
+            </a:r>
+            <a:endParaRPr lang="ja-JP" altLang="en-US" sz="1400" b="1"/>
+          </a:p>
+        </p:txBody>
+      </p:sp>
+      <p:sp>
+        <p:nvSpPr>
+          <p:cNvPr id="14" name="テキスト ボックス 13">
+            <a:extLst>
+              <a:ext uri="{FF2B5EF4-FFF2-40B4-BE49-F238E27FC236}">
+                <a16:creationId xmlns:a16="http://schemas.microsoft.com/office/drawing/2014/main" id="{29CE1CBC-3920-8F4F-8B93-0843D5E4E285}"/>
+              </a:ext>
+            </a:extLst>
+          </p:cNvPr>
+          <p:cNvSpPr txBox="1"/>
+          <p:nvPr/>
+        </p:nvSpPr>
+        <p:spPr>
+          <a:xfrm>
+            <a:off x="4340731" y="899111"/>
+            <a:ext cx="2539478" cy="369332"/>
+          </a:xfrm>
+          <a:prstGeom prst="rect">
+            <a:avLst/>
+          </a:prstGeom>
+          <a:noFill/>
+        </p:spPr>
+        <p:txBody>
+          <a:bodyPr wrap="none" rtlCol="0">
+            <a:spAutoFit/>
+          </a:bodyPr>
+          <a:lstStyle/>
+          <a:p>
+            <a:r>
+              <a:rPr kumimoji="1" lang="en-US" altLang="ja-JP" dirty="0"/>
+              <a:t>Azure Active Directory</a:t>
+            </a:r>
+            <a:endParaRPr kumimoji="1" lang="ja-JP" altLang="en-US"/>
+          </a:p>
+        </p:txBody>
+      </p:sp>
+      <p:cxnSp>
+        <p:nvCxnSpPr>
+          <p:cNvPr id="17" name="直線矢印コネクタ 16">
+            <a:extLst>
+              <a:ext uri="{FF2B5EF4-FFF2-40B4-BE49-F238E27FC236}">
+                <a16:creationId xmlns:a16="http://schemas.microsoft.com/office/drawing/2014/main" id="{70CADF75-5834-1949-AFAA-AC04C3CC944A}"/>
+              </a:ext>
+            </a:extLst>
+          </p:cNvPr>
+          <p:cNvCxnSpPr>
+            <a:cxnSpLocks/>
+          </p:cNvCxnSpPr>
+          <p:nvPr/>
+        </p:nvCxnSpPr>
+        <p:spPr>
+          <a:xfrm flipV="1">
+            <a:off x="4193628" y="2188779"/>
+            <a:ext cx="1336346" cy="1149898"/>
+          </a:xfrm>
+          <a:prstGeom prst="straightConnector1">
+            <a:avLst/>
+          </a:prstGeom>
+          <a:ln w="38100">
+            <a:solidFill>
+              <a:srgbClr val="FF0000"/>
+            </a:solidFill>
+            <a:prstDash val="dash"/>
+            <a:headEnd type="none" w="med" len="med"/>
+            <a:tailEnd type="arrow" w="med" len="med"/>
+          </a:ln>
+        </p:spPr>
+        <p:style>
+          <a:lnRef idx="1">
+            <a:schemeClr val="accent1"/>
+          </a:lnRef>
+          <a:fillRef idx="0">
+            <a:schemeClr val="accent1"/>
+          </a:fillRef>
+          <a:effectRef idx="0">
+            <a:schemeClr val="accent1"/>
+          </a:effectRef>
+          <a:fontRef idx="minor">
+            <a:schemeClr val="tx1"/>
+          </a:fontRef>
+        </p:style>
+      </p:cxnSp>
+      <p:cxnSp>
+        <p:nvCxnSpPr>
+          <p:cNvPr id="19" name="直線矢印コネクタ 18">
+            <a:extLst>
+              <a:ext uri="{FF2B5EF4-FFF2-40B4-BE49-F238E27FC236}">
+                <a16:creationId xmlns:a16="http://schemas.microsoft.com/office/drawing/2014/main" id="{D0BA4081-B4F9-A640-B18C-C9649F640C24}"/>
+              </a:ext>
+            </a:extLst>
+          </p:cNvPr>
+          <p:cNvCxnSpPr>
+            <a:cxnSpLocks/>
+          </p:cNvCxnSpPr>
+          <p:nvPr/>
+        </p:nvCxnSpPr>
+        <p:spPr>
+          <a:xfrm flipH="1" flipV="1">
+            <a:off x="6249083" y="2188779"/>
+            <a:ext cx="1336346" cy="1149898"/>
+          </a:xfrm>
+          <a:prstGeom prst="straightConnector1">
+            <a:avLst/>
+          </a:prstGeom>
+          <a:ln w="38100">
+            <a:solidFill>
+              <a:schemeClr val="accent1"/>
+            </a:solidFill>
+            <a:prstDash val="solid"/>
+            <a:headEnd type="none" w="med" len="med"/>
+            <a:tailEnd type="arrow" w="med" len="med"/>
+          </a:ln>
+        </p:spPr>
+        <p:style>
+          <a:lnRef idx="1">
+            <a:schemeClr val="accent1"/>
+          </a:lnRef>
+          <a:fillRef idx="0">
+            <a:schemeClr val="accent1"/>
+          </a:fillRef>
+          <a:effectRef idx="0">
+            <a:schemeClr val="accent1"/>
+          </a:effectRef>
+          <a:fontRef idx="minor">
+            <a:schemeClr val="tx1"/>
+          </a:fontRef>
+        </p:style>
+      </p:cxnSp>
+      <p:sp>
+        <p:nvSpPr>
+          <p:cNvPr id="20" name="テキスト ボックス 19">
+            <a:extLst>
+              <a:ext uri="{FF2B5EF4-FFF2-40B4-BE49-F238E27FC236}">
+                <a16:creationId xmlns:a16="http://schemas.microsoft.com/office/drawing/2014/main" id="{807F1205-147D-5943-92EF-D88FF5A7E6E8}"/>
+              </a:ext>
+            </a:extLst>
+          </p:cNvPr>
+          <p:cNvSpPr txBox="1"/>
+          <p:nvPr/>
+        </p:nvSpPr>
+        <p:spPr>
+          <a:xfrm>
+            <a:off x="4115485" y="2513158"/>
+            <a:ext cx="646331" cy="369332"/>
+          </a:xfrm>
+          <a:prstGeom prst="rect">
+            <a:avLst/>
+          </a:prstGeom>
+          <a:noFill/>
+        </p:spPr>
+        <p:txBody>
+          <a:bodyPr wrap="none" rtlCol="0">
+            <a:spAutoFit/>
+          </a:bodyPr>
+          <a:lstStyle/>
+          <a:p>
+            <a:r>
+              <a:rPr lang="ja-JP" altLang="en-US"/>
+              <a:t>信頼</a:t>
+            </a:r>
+            <a:endParaRPr kumimoji="1" lang="en-US" altLang="ja-JP" dirty="0"/>
+          </a:p>
+        </p:txBody>
+      </p:sp>
+      <p:sp>
+        <p:nvSpPr>
+          <p:cNvPr id="21" name="テキスト ボックス 20">
+            <a:extLst>
+              <a:ext uri="{FF2B5EF4-FFF2-40B4-BE49-F238E27FC236}">
+                <a16:creationId xmlns:a16="http://schemas.microsoft.com/office/drawing/2014/main" id="{71DEE452-3946-3D48-BEFC-DBCE4B74AA23}"/>
+              </a:ext>
+            </a:extLst>
+          </p:cNvPr>
+          <p:cNvSpPr txBox="1"/>
+          <p:nvPr/>
+        </p:nvSpPr>
+        <p:spPr>
+          <a:xfrm>
+            <a:off x="7295067" y="2807315"/>
+            <a:ext cx="3877985" cy="369332"/>
+          </a:xfrm>
+          <a:prstGeom prst="rect">
+            <a:avLst/>
+          </a:prstGeom>
+          <a:noFill/>
+        </p:spPr>
+        <p:txBody>
+          <a:bodyPr wrap="none" rtlCol="0">
+            <a:spAutoFit/>
+          </a:bodyPr>
+          <a:lstStyle/>
+          <a:p>
+            <a:r>
+              <a:rPr kumimoji="1" lang="ja-JP" altLang="en-US"/>
+              <a:t>アクセストークンを発行してもらう</a:t>
+            </a:r>
+            <a:endParaRPr kumimoji="1" lang="en-US" altLang="ja-JP" dirty="0"/>
+          </a:p>
+        </p:txBody>
+      </p:sp>
+      <p:sp>
+        <p:nvSpPr>
+          <p:cNvPr id="22" name="テキスト ボックス 21">
+            <a:extLst>
+              <a:ext uri="{FF2B5EF4-FFF2-40B4-BE49-F238E27FC236}">
+                <a16:creationId xmlns:a16="http://schemas.microsoft.com/office/drawing/2014/main" id="{19DE4246-A3E4-7F44-A4BE-F982E49507FB}"/>
+              </a:ext>
+            </a:extLst>
+          </p:cNvPr>
+          <p:cNvSpPr txBox="1"/>
+          <p:nvPr/>
+        </p:nvSpPr>
+        <p:spPr>
+          <a:xfrm>
+            <a:off x="3222263" y="4276064"/>
+            <a:ext cx="1519968" cy="369332"/>
+          </a:xfrm>
+          <a:prstGeom prst="rect">
+            <a:avLst/>
+          </a:prstGeom>
+          <a:noFill/>
+        </p:spPr>
+        <p:txBody>
+          <a:bodyPr wrap="none" rtlCol="0">
+            <a:spAutoFit/>
+          </a:bodyPr>
+          <a:lstStyle/>
+          <a:p>
+            <a:r>
+              <a:rPr lang="en-US" altLang="ja-JP" dirty="0"/>
+              <a:t>Subscription</a:t>
+            </a:r>
+            <a:endParaRPr kumimoji="1" lang="en-US" altLang="ja-JP" dirty="0"/>
+          </a:p>
+        </p:txBody>
+      </p:sp>
+      <p:sp>
+        <p:nvSpPr>
+          <p:cNvPr id="23" name="テキスト ボックス 22">
+            <a:extLst>
+              <a:ext uri="{FF2B5EF4-FFF2-40B4-BE49-F238E27FC236}">
+                <a16:creationId xmlns:a16="http://schemas.microsoft.com/office/drawing/2014/main" id="{1CDA8D18-FE8C-EF4A-A9E6-09C61C89A235}"/>
+              </a:ext>
+            </a:extLst>
+          </p:cNvPr>
+          <p:cNvSpPr txBox="1"/>
+          <p:nvPr/>
+        </p:nvSpPr>
+        <p:spPr>
+          <a:xfrm>
+            <a:off x="7062689" y="4351971"/>
+            <a:ext cx="1045479" cy="369332"/>
+          </a:xfrm>
+          <a:prstGeom prst="rect">
+            <a:avLst/>
+          </a:prstGeom>
+          <a:noFill/>
+        </p:spPr>
+        <p:txBody>
+          <a:bodyPr wrap="none" rtlCol="0">
+            <a:spAutoFit/>
+          </a:bodyPr>
+          <a:lstStyle/>
+          <a:p>
+            <a:r>
+              <a:rPr lang="en-US" altLang="ja-JP" dirty="0"/>
+              <a:t>Pipeline</a:t>
+            </a:r>
+            <a:endParaRPr kumimoji="1" lang="en-US" altLang="ja-JP" dirty="0"/>
+          </a:p>
+        </p:txBody>
+      </p:sp>
+      <p:sp>
+        <p:nvSpPr>
+          <p:cNvPr id="27" name="角丸四角形吹き出し 26">
+            <a:extLst>
+              <a:ext uri="{FF2B5EF4-FFF2-40B4-BE49-F238E27FC236}">
+                <a16:creationId xmlns:a16="http://schemas.microsoft.com/office/drawing/2014/main" id="{79CAE23E-9FDF-DB46-AA56-D419FC14DACA}"/>
+              </a:ext>
+            </a:extLst>
+          </p:cNvPr>
+          <p:cNvSpPr/>
+          <p:nvPr/>
+        </p:nvSpPr>
+        <p:spPr>
+          <a:xfrm>
+            <a:off x="291745" y="1363261"/>
+            <a:ext cx="3090891" cy="2630670"/>
+          </a:xfrm>
+          <a:prstGeom prst="wedgeRoundRectCallout">
+            <a:avLst>
+              <a:gd name="adj1" fmla="val 58073"/>
+              <a:gd name="adj2" fmla="val 41643"/>
+              <a:gd name="adj3" fmla="val 16667"/>
+            </a:avLst>
+          </a:prstGeom>
+          <a:noFill/>
+        </p:spPr>
+        <p:style>
+          <a:lnRef idx="2">
+            <a:schemeClr val="accent1"/>
+          </a:lnRef>
+          <a:fillRef idx="1">
+            <a:schemeClr val="lt1"/>
+          </a:fillRef>
+          <a:effectRef idx="0">
+            <a:schemeClr val="accent1"/>
+          </a:effectRef>
+          <a:fontRef idx="minor">
+            <a:schemeClr val="dk1"/>
+          </a:fontRef>
+        </p:style>
+        <p:txBody>
+          <a:bodyPr rtlCol="0" anchor="t"/>
+          <a:lstStyle/>
+          <a:p>
+            <a:r>
+              <a:rPr lang="en-US" altLang="ja-JP" sz="1400" b="1" dirty="0"/>
+              <a:t>RBAC</a:t>
+            </a:r>
+            <a:endParaRPr kumimoji="1" lang="ja-JP" altLang="en-US" sz="1400" b="1"/>
+          </a:p>
+        </p:txBody>
+      </p:sp>
+      <p:pic>
+        <p:nvPicPr>
+          <p:cNvPr id="32" name="図 31">
+            <a:extLst>
+              <a:ext uri="{FF2B5EF4-FFF2-40B4-BE49-F238E27FC236}">
+                <a16:creationId xmlns:a16="http://schemas.microsoft.com/office/drawing/2014/main" id="{4E93993C-E2B1-FF47-A308-DE38F31E7A71}"/>
+              </a:ext>
+            </a:extLst>
+          </p:cNvPr>
+          <p:cNvPicPr>
+            <a:picLocks noChangeAspect="1"/>
+          </p:cNvPicPr>
+          <p:nvPr/>
+        </p:nvPicPr>
+        <p:blipFill rotWithShape="1">
+          <a:blip r:embed="rId4"/>
+          <a:srcRect b="18573"/>
+          <a:stretch/>
+        </p:blipFill>
+        <p:spPr>
+          <a:xfrm>
+            <a:off x="7585429" y="637623"/>
+            <a:ext cx="2225513" cy="1779308"/>
+          </a:xfrm>
+          <a:prstGeom prst="rect">
+            <a:avLst/>
+          </a:prstGeom>
+          <a:ln>
+            <a:noFill/>
+          </a:ln>
+          <a:effectLst>
+            <a:outerShdw blurRad="292100" dist="139700" dir="2700000" algn="tl" rotWithShape="0">
+              <a:srgbClr val="333333">
+                <a:alpha val="65000"/>
+              </a:srgbClr>
+            </a:outerShdw>
+          </a:effectLst>
+        </p:spPr>
+      </p:pic>
+      <p:pic>
+        <p:nvPicPr>
+          <p:cNvPr id="5" name="グラフィックス 4">
+            <a:extLst>
+              <a:ext uri="{FF2B5EF4-FFF2-40B4-BE49-F238E27FC236}">
+                <a16:creationId xmlns:a16="http://schemas.microsoft.com/office/drawing/2014/main" id="{57157680-A324-4E45-8DEC-9352D139062E}"/>
+              </a:ext>
+            </a:extLst>
+          </p:cNvPr>
+          <p:cNvPicPr>
+            <a:picLocks noChangeAspect="1"/>
+          </p:cNvPicPr>
+          <p:nvPr/>
+        </p:nvPicPr>
+        <p:blipFill>
+          <a:blip r:embed="rId5">
+            <a:extLst>
+              <a:ext uri="{28A0092B-C50C-407E-A947-70E740481C1C}">
+                <a14:useLocalDpi xmlns:a14="http://schemas.microsoft.com/office/drawing/2010/main" val="0"/>
+              </a:ext>
+              <a:ext uri="{96DAC541-7B7A-43D3-8B79-37D633B846F1}">
+                <asvg:svgBlip xmlns:asvg="http://schemas.microsoft.com/office/drawing/2016/SVG/main" r:embed="rId6"/>
+              </a:ext>
+            </a:extLst>
+          </a:blip>
+          <a:stretch>
+            <a:fillRect/>
+          </a:stretch>
+        </p:blipFill>
+        <p:spPr>
+          <a:xfrm>
+            <a:off x="7357783" y="3521949"/>
+            <a:ext cx="669386" cy="669386"/>
+          </a:xfrm>
+          <a:prstGeom prst="rect">
+            <a:avLst/>
+          </a:prstGeom>
+        </p:spPr>
+      </p:pic>
+      <p:sp>
+        <p:nvSpPr>
+          <p:cNvPr id="33" name="角丸四角形吹き出し 32">
+            <a:extLst>
+              <a:ext uri="{FF2B5EF4-FFF2-40B4-BE49-F238E27FC236}">
+                <a16:creationId xmlns:a16="http://schemas.microsoft.com/office/drawing/2014/main" id="{6E156E74-AAF8-254B-8BE2-BAC7AE124360}"/>
+              </a:ext>
+            </a:extLst>
+          </p:cNvPr>
+          <p:cNvSpPr/>
+          <p:nvPr/>
+        </p:nvSpPr>
+        <p:spPr>
+          <a:xfrm>
+            <a:off x="8677016" y="3623115"/>
+            <a:ext cx="3519509" cy="2277622"/>
+          </a:xfrm>
+          <a:prstGeom prst="wedgeRoundRectCallout">
+            <a:avLst>
+              <a:gd name="adj1" fmla="val -70498"/>
+              <a:gd name="adj2" fmla="val -37815"/>
+              <a:gd name="adj3" fmla="val 16667"/>
+            </a:avLst>
+          </a:prstGeom>
+          <a:noFill/>
+        </p:spPr>
+        <p:style>
+          <a:lnRef idx="2">
+            <a:schemeClr val="accent1"/>
+          </a:lnRef>
+          <a:fillRef idx="1">
+            <a:schemeClr val="lt1"/>
+          </a:fillRef>
+          <a:effectRef idx="0">
+            <a:schemeClr val="accent1"/>
+          </a:effectRef>
+          <a:fontRef idx="minor">
+            <a:schemeClr val="dk1"/>
+          </a:fontRef>
+        </p:style>
+        <p:txBody>
+          <a:bodyPr rtlCol="0" anchor="t"/>
+          <a:lstStyle/>
+          <a:p>
+            <a:r>
+              <a:rPr lang="en-US" altLang="ja-JP" sz="1400" b="1" dirty="0"/>
+              <a:t>Service Connection</a:t>
+            </a:r>
+            <a:endParaRPr lang="ja-JP" altLang="en-US" sz="1400" b="1"/>
+          </a:p>
+        </p:txBody>
+      </p:sp>
+      <p:pic>
+        <p:nvPicPr>
+          <p:cNvPr id="34" name="図 33">
+            <a:extLst>
+              <a:ext uri="{FF2B5EF4-FFF2-40B4-BE49-F238E27FC236}">
+                <a16:creationId xmlns:a16="http://schemas.microsoft.com/office/drawing/2014/main" id="{8C725C79-5F27-0147-A689-E8A3E024E7B9}"/>
+              </a:ext>
+            </a:extLst>
+          </p:cNvPr>
+          <p:cNvPicPr>
+            <a:picLocks noChangeAspect="1"/>
+          </p:cNvPicPr>
+          <p:nvPr/>
+        </p:nvPicPr>
+        <p:blipFill>
+          <a:blip r:embed="rId7"/>
+          <a:stretch>
+            <a:fillRect/>
+          </a:stretch>
+        </p:blipFill>
+        <p:spPr>
+          <a:xfrm>
+            <a:off x="8839811" y="4108025"/>
+            <a:ext cx="3193922" cy="1615812"/>
+          </a:xfrm>
+          <a:prstGeom prst="rect">
+            <a:avLst/>
+          </a:prstGeom>
+          <a:ln>
+            <a:noFill/>
+          </a:ln>
+          <a:effectLst>
+            <a:outerShdw blurRad="292100" dist="139700" dir="2700000" algn="tl" rotWithShape="0">
+              <a:srgbClr val="333333">
+                <a:alpha val="65000"/>
+              </a:srgbClr>
+            </a:outerShdw>
+          </a:effectLst>
+        </p:spPr>
+      </p:pic>
+      <p:cxnSp>
+        <p:nvCxnSpPr>
+          <p:cNvPr id="35" name="直線矢印コネクタ 34">
+            <a:extLst>
+              <a:ext uri="{FF2B5EF4-FFF2-40B4-BE49-F238E27FC236}">
+                <a16:creationId xmlns:a16="http://schemas.microsoft.com/office/drawing/2014/main" id="{58B6EED4-C423-7049-9568-F75809412AD5}"/>
+              </a:ext>
+            </a:extLst>
+          </p:cNvPr>
+          <p:cNvCxnSpPr>
+            <a:cxnSpLocks/>
+          </p:cNvCxnSpPr>
+          <p:nvPr/>
+        </p:nvCxnSpPr>
+        <p:spPr>
+          <a:xfrm flipH="1" flipV="1">
+            <a:off x="4677226" y="3854654"/>
+            <a:ext cx="2517765" cy="1988"/>
+          </a:xfrm>
+          <a:prstGeom prst="straightConnector1">
+            <a:avLst/>
+          </a:prstGeom>
+          <a:ln w="38100">
+            <a:solidFill>
+              <a:schemeClr val="accent1"/>
+            </a:solidFill>
+            <a:prstDash val="solid"/>
+            <a:headEnd type="none" w="med" len="med"/>
+            <a:tailEnd type="arrow" w="med" len="med"/>
+          </a:ln>
+        </p:spPr>
+        <p:style>
+          <a:lnRef idx="1">
+            <a:schemeClr val="accent1"/>
+          </a:lnRef>
+          <a:fillRef idx="0">
+            <a:schemeClr val="accent1"/>
+          </a:fillRef>
+          <a:effectRef idx="0">
+            <a:schemeClr val="accent1"/>
+          </a:effectRef>
+          <a:fontRef idx="minor">
+            <a:schemeClr val="tx1"/>
+          </a:fontRef>
+        </p:style>
+      </p:cxnSp>
+      <p:sp>
+        <p:nvSpPr>
+          <p:cNvPr id="36" name="テキスト ボックス 35">
+            <a:extLst>
+              <a:ext uri="{FF2B5EF4-FFF2-40B4-BE49-F238E27FC236}">
+                <a16:creationId xmlns:a16="http://schemas.microsoft.com/office/drawing/2014/main" id="{D6BB5FDC-691C-6C4C-A80D-3FBD2A54D020}"/>
+              </a:ext>
+            </a:extLst>
+          </p:cNvPr>
+          <p:cNvSpPr txBox="1"/>
+          <p:nvPr/>
+        </p:nvSpPr>
+        <p:spPr>
+          <a:xfrm>
+            <a:off x="5322486" y="3472669"/>
+            <a:ext cx="1107996" cy="369332"/>
+          </a:xfrm>
+          <a:prstGeom prst="rect">
+            <a:avLst/>
+          </a:prstGeom>
+          <a:noFill/>
+        </p:spPr>
+        <p:txBody>
+          <a:bodyPr wrap="none" rtlCol="0">
+            <a:spAutoFit/>
+          </a:bodyPr>
+          <a:lstStyle/>
+          <a:p>
+            <a:r>
+              <a:rPr lang="ja-JP" altLang="en-US"/>
+              <a:t>デプロイ</a:t>
+            </a:r>
+            <a:endParaRPr kumimoji="1" lang="en-US" altLang="ja-JP" dirty="0"/>
+          </a:p>
+        </p:txBody>
+      </p:sp>
+      <p:pic>
+        <p:nvPicPr>
+          <p:cNvPr id="37" name="図 36">
+            <a:extLst>
+              <a:ext uri="{FF2B5EF4-FFF2-40B4-BE49-F238E27FC236}">
+                <a16:creationId xmlns:a16="http://schemas.microsoft.com/office/drawing/2014/main" id="{F3AB7758-7EB9-0D48-B636-95BCC0105D3A}"/>
+              </a:ext>
+            </a:extLst>
+          </p:cNvPr>
+          <p:cNvPicPr>
+            <a:picLocks noChangeAspect="1"/>
+          </p:cNvPicPr>
+          <p:nvPr/>
+        </p:nvPicPr>
+        <p:blipFill>
+          <a:blip r:embed="rId8"/>
+          <a:stretch>
+            <a:fillRect/>
+          </a:stretch>
+        </p:blipFill>
+        <p:spPr>
+          <a:xfrm>
+            <a:off x="536414" y="1903929"/>
+            <a:ext cx="2570611" cy="1806772"/>
+          </a:xfrm>
+          <a:prstGeom prst="rect">
+            <a:avLst/>
+          </a:prstGeom>
+          <a:ln>
+            <a:noFill/>
+          </a:ln>
+          <a:effectLst>
+            <a:outerShdw blurRad="292100" dist="139700" dir="2700000" algn="tl" rotWithShape="0">
+              <a:srgbClr val="333333">
+                <a:alpha val="65000"/>
+              </a:srgbClr>
+            </a:outerShdw>
+          </a:effectLst>
+        </p:spPr>
+      </p:pic>
+    </p:spTree>
+    <p:extLst>
+      <p:ext uri="{BB962C8B-B14F-4D97-AF65-F5344CB8AC3E}">
+        <p14:creationId xmlns:p14="http://schemas.microsoft.com/office/powerpoint/2010/main" val="3076390977"/>
+      </p:ext>
+    </p:extLst>
+  </p:cSld>
+  <p:clrMapOvr>
+    <a:masterClrMapping/>
+  </p:clrMapOvr>
+</p:sld>
+</file>
+
+<file path=ppt/slides/slide9.xml><?xml version="1.0" encoding="utf-8"?>
+<p:sld xmlns:a="http://schemas.openxmlformats.org/drawingml/2006/main" xmlns:r="http://schemas.openxmlformats.org/officeDocument/2006/relationships" xmlns:p="http://schemas.openxmlformats.org/presentationml/2006/main">
+  <p:cSld>
+    <p:spTree>
+      <p:nvGrpSpPr>
+        <p:cNvPr id="1" name=""/>
+        <p:cNvGrpSpPr/>
+        <p:nvPr/>
+      </p:nvGrpSpPr>
+      <p:grpSpPr>
+        <a:xfrm>
+          <a:off x="0" y="0"/>
+          <a:ext cx="0" cy="0"/>
+          <a:chOff x="0" y="0"/>
+          <a:chExt cx="0" cy="0"/>
+        </a:xfrm>
+      </p:grpSpPr>
       <p:grpSp>
         <p:nvGrpSpPr>
-          <p:cNvPr id="72" name="グループ化 71">
-            <a:extLst>
-              <a:ext uri="{FF2B5EF4-FFF2-40B4-BE49-F238E27FC236}">
-                <a16:creationId xmlns:a16="http://schemas.microsoft.com/office/drawing/2014/main" id="{E6FCE87A-3B18-4B06-BE39-9B89276DE28B}"/>
+          <p:cNvPr id="45" name="グループ化 44">
+            <a:extLst>
+              <a:ext uri="{FF2B5EF4-FFF2-40B4-BE49-F238E27FC236}">
+                <a16:creationId xmlns:a16="http://schemas.microsoft.com/office/drawing/2014/main" id="{6E75ADCC-7431-3540-9323-A0E0E0844096}"/>
               </a:ext>
             </a:extLst>
           </p:cNvPr>
@@ -3623,18 +6572,18 @@
         </p:nvGrpSpPr>
         <p:grpSpPr>
           <a:xfrm>
-            <a:off x="-5499905" y="-1550261"/>
-            <a:ext cx="17262122" cy="9811691"/>
-            <a:chOff x="-5499905" y="-1550261"/>
-            <a:chExt cx="17262122" cy="9811691"/>
+            <a:off x="1108817" y="1294951"/>
+            <a:ext cx="9600685" cy="4031968"/>
+            <a:chOff x="108905" y="871594"/>
+            <a:chExt cx="11616829" cy="4878682"/>
           </a:xfrm>
         </p:grpSpPr>
         <p:sp>
           <p:nvSpPr>
-            <p:cNvPr id="9" name="六角形 8">
+            <p:cNvPr id="15" name="円/楕円 14">
               <a:extLst>
                 <a:ext uri="{FF2B5EF4-FFF2-40B4-BE49-F238E27FC236}">
-                  <a16:creationId xmlns:a16="http://schemas.microsoft.com/office/drawing/2014/main" id="{B25CBE2B-CA40-427B-95B3-312A69AFCA61}"/>
+                  <a16:creationId xmlns:a16="http://schemas.microsoft.com/office/drawing/2014/main" id="{4B4054B5-E7EE-1347-853D-739696BF23C3}"/>
                 </a:ext>
               </a:extLst>
             </p:cNvPr>
@@ -3642,13 +6591,15 @@
             <p:nvPr/>
           </p:nvSpPr>
           <p:spPr>
-            <a:xfrm rot="5400000">
-              <a:off x="10147760" y="-1413350"/>
-              <a:ext cx="1377329" cy="1378974"/>
+            <a:xfrm>
+              <a:off x="1008993" y="1849821"/>
+              <a:ext cx="9837683" cy="3069020"/>
             </a:xfrm>
-            <a:prstGeom prst="hexagon">
+            <a:prstGeom prst="ellipse">
               <a:avLst/>
             </a:prstGeom>
+            <a:noFill/>
+            <a:ln w="38100"/>
           </p:spPr>
           <p:style>
             <a:lnRef idx="2">
@@ -3667,29 +6618,416 @@
             </a:fontRef>
           </p:style>
           <p:txBody>
-            <a:bodyPr rot="0" spcFirstLastPara="0" vertOverflow="overflow" horzOverflow="overflow" vert="vert270" wrap="square" lIns="91440" tIns="45720" rIns="91440" bIns="45720" numCol="1" spcCol="0" rtlCol="0" fromWordArt="0" anchor="ctr" anchorCtr="0" forceAA="0" compatLnSpc="1">
-              <a:prstTxWarp prst="textNoShape">
-                <a:avLst/>
-              </a:prstTxWarp>
-              <a:noAutofit/>
-            </a:bodyPr>
+            <a:bodyPr rtlCol="0" anchor="ctr"/>
             <a:lstStyle/>
             <a:p>
               <a:pPr algn="ctr"/>
-              <a:endParaRPr lang="ja-JP" altLang="en-US" dirty="0">
-                <a:solidFill>
-                  <a:schemeClr val="lt1"/>
-                </a:solidFill>
-              </a:endParaRPr>
+              <a:endParaRPr kumimoji="1" lang="ja-JP" altLang="en-US" sz="1600"/>
             </a:p>
           </p:txBody>
         </p:sp>
+        <p:pic>
+          <p:nvPicPr>
+            <p:cNvPr id="17" name="図 16">
+              <a:extLst>
+                <a:ext uri="{FF2B5EF4-FFF2-40B4-BE49-F238E27FC236}">
+                  <a16:creationId xmlns:a16="http://schemas.microsoft.com/office/drawing/2014/main" id="{778DEF5D-2203-F247-B307-099C37C6BD9B}"/>
+                </a:ext>
+              </a:extLst>
+            </p:cNvPr>
+            <p:cNvPicPr>
+              <a:picLocks noChangeAspect="1"/>
+            </p:cNvPicPr>
+            <p:nvPr/>
+          </p:nvPicPr>
+          <p:blipFill>
+            <a:blip r:embed="rId2">
+              <a:extLst>
+                <a:ext uri="{28A0092B-C50C-407E-A947-70E740481C1C}">
+                  <a14:useLocalDpi xmlns:a14="http://schemas.microsoft.com/office/drawing/2010/main" val="0"/>
+                </a:ext>
+              </a:extLst>
+            </a:blip>
+            <a:stretch>
+              <a:fillRect/>
+            </a:stretch>
+          </p:blipFill>
+          <p:spPr>
+            <a:xfrm>
+              <a:off x="2282278" y="1643774"/>
+              <a:ext cx="774700" cy="774700"/>
+            </a:xfrm>
+            <a:prstGeom prst="rect">
+              <a:avLst/>
+            </a:prstGeom>
+          </p:spPr>
+        </p:pic>
+        <p:pic>
+          <p:nvPicPr>
+            <p:cNvPr id="18" name="図 17">
+              <a:extLst>
+                <a:ext uri="{FF2B5EF4-FFF2-40B4-BE49-F238E27FC236}">
+                  <a16:creationId xmlns:a16="http://schemas.microsoft.com/office/drawing/2014/main" id="{D1838EE1-34A7-EC42-B0CE-75BFC54A4148}"/>
+                </a:ext>
+              </a:extLst>
+            </p:cNvPr>
+            <p:cNvPicPr>
+              <a:picLocks noChangeAspect="1"/>
+            </p:cNvPicPr>
+            <p:nvPr/>
+          </p:nvPicPr>
+          <p:blipFill>
+            <a:blip r:embed="rId2">
+              <a:extLst>
+                <a:ext uri="{28A0092B-C50C-407E-A947-70E740481C1C}">
+                  <a14:useLocalDpi xmlns:a14="http://schemas.microsoft.com/office/drawing/2010/main" val="0"/>
+                </a:ext>
+              </a:extLst>
+            </a:blip>
+            <a:stretch>
+              <a:fillRect/>
+            </a:stretch>
+          </p:blipFill>
+          <p:spPr>
+            <a:xfrm>
+              <a:off x="4105823" y="1359448"/>
+              <a:ext cx="774700" cy="774700"/>
+            </a:xfrm>
+            <a:prstGeom prst="rect">
+              <a:avLst/>
+            </a:prstGeom>
+          </p:spPr>
+        </p:pic>
+        <p:pic>
+          <p:nvPicPr>
+            <p:cNvPr id="19" name="図 18">
+              <a:extLst>
+                <a:ext uri="{FF2B5EF4-FFF2-40B4-BE49-F238E27FC236}">
+                  <a16:creationId xmlns:a16="http://schemas.microsoft.com/office/drawing/2014/main" id="{16321F8A-4ADE-D24E-9C66-B80F6466E1A3}"/>
+                </a:ext>
+              </a:extLst>
+            </p:cNvPr>
+            <p:cNvPicPr>
+              <a:picLocks noChangeAspect="1"/>
+            </p:cNvPicPr>
+            <p:nvPr/>
+          </p:nvPicPr>
+          <p:blipFill>
+            <a:blip r:embed="rId2">
+              <a:extLst>
+                <a:ext uri="{28A0092B-C50C-407E-A947-70E740481C1C}">
+                  <a14:useLocalDpi xmlns:a14="http://schemas.microsoft.com/office/drawing/2010/main" val="0"/>
+                </a:ext>
+              </a:extLst>
+            </a:blip>
+            <a:stretch>
+              <a:fillRect/>
+            </a:stretch>
+          </p:blipFill>
+          <p:spPr>
+            <a:xfrm>
+              <a:off x="6096000" y="1351018"/>
+              <a:ext cx="774700" cy="774700"/>
+            </a:xfrm>
+            <a:prstGeom prst="rect">
+              <a:avLst/>
+            </a:prstGeom>
+          </p:spPr>
+        </p:pic>
+        <p:pic>
+          <p:nvPicPr>
+            <p:cNvPr id="20" name="図 19">
+              <a:extLst>
+                <a:ext uri="{FF2B5EF4-FFF2-40B4-BE49-F238E27FC236}">
+                  <a16:creationId xmlns:a16="http://schemas.microsoft.com/office/drawing/2014/main" id="{8DB40E3E-2711-1D4D-9461-C485280D606A}"/>
+                </a:ext>
+              </a:extLst>
+            </p:cNvPr>
+            <p:cNvPicPr>
+              <a:picLocks noChangeAspect="1"/>
+            </p:cNvPicPr>
+            <p:nvPr/>
+          </p:nvPicPr>
+          <p:blipFill>
+            <a:blip r:embed="rId2">
+              <a:extLst>
+                <a:ext uri="{28A0092B-C50C-407E-A947-70E740481C1C}">
+                  <a14:useLocalDpi xmlns:a14="http://schemas.microsoft.com/office/drawing/2010/main" val="0"/>
+                </a:ext>
+              </a:extLst>
+            </a:blip>
+            <a:stretch>
+              <a:fillRect/>
+            </a:stretch>
+          </p:blipFill>
+          <p:spPr>
+            <a:xfrm>
+              <a:off x="8135663" y="1591223"/>
+              <a:ext cx="774700" cy="774700"/>
+            </a:xfrm>
+            <a:prstGeom prst="rect">
+              <a:avLst/>
+            </a:prstGeom>
+          </p:spPr>
+        </p:pic>
+        <p:pic>
+          <p:nvPicPr>
+            <p:cNvPr id="21" name="図 20">
+              <a:extLst>
+                <a:ext uri="{FF2B5EF4-FFF2-40B4-BE49-F238E27FC236}">
+                  <a16:creationId xmlns:a16="http://schemas.microsoft.com/office/drawing/2014/main" id="{C42D7936-7E2F-0C46-9DF5-B2A0A9C4B7EB}"/>
+                </a:ext>
+              </a:extLst>
+            </p:cNvPr>
+            <p:cNvPicPr>
+              <a:picLocks noChangeAspect="1"/>
+            </p:cNvPicPr>
+            <p:nvPr/>
+          </p:nvPicPr>
+          <p:blipFill>
+            <a:blip r:embed="rId2">
+              <a:extLst>
+                <a:ext uri="{28A0092B-C50C-407E-A947-70E740481C1C}">
+                  <a14:useLocalDpi xmlns:a14="http://schemas.microsoft.com/office/drawing/2010/main" val="0"/>
+                </a:ext>
+              </a:extLst>
+            </a:blip>
+            <a:stretch>
+              <a:fillRect/>
+            </a:stretch>
+          </p:blipFill>
+          <p:spPr>
+            <a:xfrm>
+              <a:off x="9959208" y="2216589"/>
+              <a:ext cx="774700" cy="774700"/>
+            </a:xfrm>
+            <a:prstGeom prst="rect">
+              <a:avLst/>
+            </a:prstGeom>
+          </p:spPr>
+        </p:pic>
+        <p:pic>
+          <p:nvPicPr>
+            <p:cNvPr id="22" name="図 21">
+              <a:extLst>
+                <a:ext uri="{FF2B5EF4-FFF2-40B4-BE49-F238E27FC236}">
+                  <a16:creationId xmlns:a16="http://schemas.microsoft.com/office/drawing/2014/main" id="{FFE408D4-BE23-224C-99E3-F0D9B0B776B6}"/>
+                </a:ext>
+              </a:extLst>
+            </p:cNvPr>
+            <p:cNvPicPr>
+              <a:picLocks noChangeAspect="1"/>
+            </p:cNvPicPr>
+            <p:nvPr/>
+          </p:nvPicPr>
+          <p:blipFill>
+            <a:blip r:embed="rId2">
+              <a:extLst>
+                <a:ext uri="{28A0092B-C50C-407E-A947-70E740481C1C}">
+                  <a14:useLocalDpi xmlns:a14="http://schemas.microsoft.com/office/drawing/2010/main" val="0"/>
+                </a:ext>
+              </a:extLst>
+            </a:blip>
+            <a:stretch>
+              <a:fillRect/>
+            </a:stretch>
+          </p:blipFill>
+          <p:spPr>
+            <a:xfrm>
+              <a:off x="9901511" y="3703803"/>
+              <a:ext cx="774700" cy="774700"/>
+            </a:xfrm>
+            <a:prstGeom prst="rect">
+              <a:avLst/>
+            </a:prstGeom>
+          </p:spPr>
+        </p:pic>
+        <p:pic>
+          <p:nvPicPr>
+            <p:cNvPr id="23" name="図 22">
+              <a:extLst>
+                <a:ext uri="{FF2B5EF4-FFF2-40B4-BE49-F238E27FC236}">
+                  <a16:creationId xmlns:a16="http://schemas.microsoft.com/office/drawing/2014/main" id="{1A162E60-98C2-F047-B1CE-A9F0DAE16D0C}"/>
+                </a:ext>
+              </a:extLst>
+            </p:cNvPr>
+            <p:cNvPicPr>
+              <a:picLocks noChangeAspect="1"/>
+            </p:cNvPicPr>
+            <p:nvPr/>
+          </p:nvPicPr>
+          <p:blipFill>
+            <a:blip r:embed="rId2">
+              <a:extLst>
+                <a:ext uri="{28A0092B-C50C-407E-A947-70E740481C1C}">
+                  <a14:useLocalDpi xmlns:a14="http://schemas.microsoft.com/office/drawing/2010/main" val="0"/>
+                </a:ext>
+              </a:extLst>
+            </a:blip>
+            <a:stretch>
+              <a:fillRect/>
+            </a:stretch>
+          </p:blipFill>
+          <p:spPr>
+            <a:xfrm>
+              <a:off x="8115026" y="4279244"/>
+              <a:ext cx="774700" cy="774700"/>
+            </a:xfrm>
+            <a:prstGeom prst="rect">
+              <a:avLst/>
+            </a:prstGeom>
+          </p:spPr>
+        </p:pic>
+        <p:pic>
+          <p:nvPicPr>
+            <p:cNvPr id="24" name="図 23">
+              <a:extLst>
+                <a:ext uri="{FF2B5EF4-FFF2-40B4-BE49-F238E27FC236}">
+                  <a16:creationId xmlns:a16="http://schemas.microsoft.com/office/drawing/2014/main" id="{40C347D7-C995-7E47-9701-F2BCF6C44B95}"/>
+                </a:ext>
+              </a:extLst>
+            </p:cNvPr>
+            <p:cNvPicPr>
+              <a:picLocks noChangeAspect="1"/>
+            </p:cNvPicPr>
+            <p:nvPr/>
+          </p:nvPicPr>
+          <p:blipFill>
+            <a:blip r:embed="rId2">
+              <a:extLst>
+                <a:ext uri="{28A0092B-C50C-407E-A947-70E740481C1C}">
+                  <a14:useLocalDpi xmlns:a14="http://schemas.microsoft.com/office/drawing/2010/main" val="0"/>
+                </a:ext>
+              </a:extLst>
+            </a:blip>
+            <a:stretch>
+              <a:fillRect/>
+            </a:stretch>
+          </p:blipFill>
+          <p:spPr>
+            <a:xfrm>
+              <a:off x="6023085" y="4478503"/>
+              <a:ext cx="774700" cy="774700"/>
+            </a:xfrm>
+            <a:prstGeom prst="rect">
+              <a:avLst/>
+            </a:prstGeom>
+          </p:spPr>
+        </p:pic>
+        <p:pic>
+          <p:nvPicPr>
+            <p:cNvPr id="25" name="図 24">
+              <a:extLst>
+                <a:ext uri="{FF2B5EF4-FFF2-40B4-BE49-F238E27FC236}">
+                  <a16:creationId xmlns:a16="http://schemas.microsoft.com/office/drawing/2014/main" id="{F81A411D-BB9F-254F-AA95-454E923A91B2}"/>
+                </a:ext>
+              </a:extLst>
+            </p:cNvPr>
+            <p:cNvPicPr>
+              <a:picLocks noChangeAspect="1"/>
+            </p:cNvPicPr>
+            <p:nvPr/>
+          </p:nvPicPr>
+          <p:blipFill>
+            <a:blip r:embed="rId2">
+              <a:extLst>
+                <a:ext uri="{28A0092B-C50C-407E-A947-70E740481C1C}">
+                  <a14:useLocalDpi xmlns:a14="http://schemas.microsoft.com/office/drawing/2010/main" val="0"/>
+                </a:ext>
+              </a:extLst>
+            </a:blip>
+            <a:stretch>
+              <a:fillRect/>
+            </a:stretch>
+          </p:blipFill>
+          <p:spPr>
+            <a:xfrm>
+              <a:off x="3997818" y="4454854"/>
+              <a:ext cx="774700" cy="774700"/>
+            </a:xfrm>
+            <a:prstGeom prst="rect">
+              <a:avLst/>
+            </a:prstGeom>
+          </p:spPr>
+        </p:pic>
+        <p:pic>
+          <p:nvPicPr>
+            <p:cNvPr id="26" name="図 25">
+              <a:extLst>
+                <a:ext uri="{FF2B5EF4-FFF2-40B4-BE49-F238E27FC236}">
+                  <a16:creationId xmlns:a16="http://schemas.microsoft.com/office/drawing/2014/main" id="{FDF402B8-361C-894B-BF65-ACC222B21C64}"/>
+                </a:ext>
+              </a:extLst>
+            </p:cNvPr>
+            <p:cNvPicPr>
+              <a:picLocks noChangeAspect="1"/>
+            </p:cNvPicPr>
+            <p:nvPr/>
+          </p:nvPicPr>
+          <p:blipFill>
+            <a:blip r:embed="rId2">
+              <a:extLst>
+                <a:ext uri="{28A0092B-C50C-407E-A947-70E740481C1C}">
+                  <a14:useLocalDpi xmlns:a14="http://schemas.microsoft.com/office/drawing/2010/main" val="0"/>
+                </a:ext>
+              </a:extLst>
+            </a:blip>
+            <a:stretch>
+              <a:fillRect/>
+            </a:stretch>
+          </p:blipFill>
+          <p:spPr>
+            <a:xfrm>
+              <a:off x="2210485" y="4211693"/>
+              <a:ext cx="774700" cy="774700"/>
+            </a:xfrm>
+            <a:prstGeom prst="rect">
+              <a:avLst/>
+            </a:prstGeom>
+          </p:spPr>
+        </p:pic>
+        <p:pic>
+          <p:nvPicPr>
+            <p:cNvPr id="27" name="図 26">
+              <a:extLst>
+                <a:ext uri="{FF2B5EF4-FFF2-40B4-BE49-F238E27FC236}">
+                  <a16:creationId xmlns:a16="http://schemas.microsoft.com/office/drawing/2014/main" id="{BD6D8051-4064-AD44-BC6B-9E8990805386}"/>
+                </a:ext>
+              </a:extLst>
+            </p:cNvPr>
+            <p:cNvPicPr>
+              <a:picLocks noChangeAspect="1"/>
+            </p:cNvPicPr>
+            <p:nvPr/>
+          </p:nvPicPr>
+          <p:blipFill>
+            <a:blip r:embed="rId2">
+              <a:extLst>
+                <a:ext uri="{28A0092B-C50C-407E-A947-70E740481C1C}">
+                  <a14:useLocalDpi xmlns:a14="http://schemas.microsoft.com/office/drawing/2010/main" val="0"/>
+                </a:ext>
+              </a:extLst>
+            </a:blip>
+            <a:stretch>
+              <a:fillRect/>
+            </a:stretch>
+          </p:blipFill>
+          <p:spPr>
+            <a:xfrm>
+              <a:off x="683392" y="2840093"/>
+              <a:ext cx="774700" cy="774700"/>
+            </a:xfrm>
+            <a:prstGeom prst="rect">
+              <a:avLst/>
+            </a:prstGeom>
+          </p:spPr>
+        </p:pic>
         <p:sp>
           <p:nvSpPr>
-            <p:cNvPr id="10" name="四角形: 角を丸くする 9">
+            <p:cNvPr id="28" name="角丸四角形吹き出し 27">
               <a:extLst>
                 <a:ext uri="{FF2B5EF4-FFF2-40B4-BE49-F238E27FC236}">
-                  <a16:creationId xmlns:a16="http://schemas.microsoft.com/office/drawing/2014/main" id="{740CF5A9-5D3A-4764-84DA-18A492DB252D}"/>
+                  <a16:creationId xmlns:a16="http://schemas.microsoft.com/office/drawing/2014/main" id="{44ECD461-BE80-4748-8288-0483A8730F2F}"/>
                 </a:ext>
               </a:extLst>
             </p:cNvPr>
@@ -3698,12 +7036,19 @@
           </p:nvSpPr>
           <p:spPr>
             <a:xfrm>
-              <a:off x="9790284" y="-971021"/>
-              <a:ext cx="1971933" cy="560683"/>
+              <a:off x="778860" y="967662"/>
+              <a:ext cx="1431625" cy="1095593"/>
             </a:xfrm>
-            <a:prstGeom prst="roundRect">
-              <a:avLst/>
+            <a:prstGeom prst="wedgeRoundRectCallout">
+              <a:avLst>
+                <a:gd name="adj1" fmla="val 63946"/>
+                <a:gd name="adj2" fmla="val 41643"/>
+                <a:gd name="adj3" fmla="val 16667"/>
+              </a:avLst>
             </a:prstGeom>
+            <a:solidFill>
+              <a:schemeClr val="bg1"/>
+            </a:solidFill>
           </p:spPr>
           <p:style>
             <a:lnRef idx="2">
@@ -3720,128 +7065,98 @@
             </a:fontRef>
           </p:style>
           <p:txBody>
-            <a:bodyPr rtlCol="0" anchor="ctr"/>
+            <a:bodyPr rtlCol="0" anchor="t"/>
             <a:lstStyle/>
             <a:p>
-              <a:pPr algn="ctr"/>
               <a:r>
-                <a:rPr kumimoji="1" lang="en-US" altLang="ja-JP" b="1" dirty="0">
-                  <a:solidFill>
-                    <a:schemeClr val="tx2"/>
-                  </a:solidFill>
-                </a:rPr>
-                <a:t>Certification</a:t>
+                <a:rPr lang="en-US" altLang="ja-JP" sz="1200" b="1" dirty="0"/>
+                <a:t>DevOps</a:t>
               </a:r>
-              <a:endParaRPr kumimoji="1" lang="ja-JP" altLang="en-US" b="1" dirty="0">
-                <a:solidFill>
-                  <a:schemeClr val="tx2"/>
-                </a:solidFill>
-              </a:endParaRPr>
+              <a:endParaRPr kumimoji="1" lang="ja-JP" altLang="en-US" sz="1200" b="1"/>
+            </a:p>
+          </p:txBody>
+        </p:sp>
+        <p:pic>
+          <p:nvPicPr>
+            <p:cNvPr id="29" name="グラフィックス 28">
+              <a:extLst>
+                <a:ext uri="{FF2B5EF4-FFF2-40B4-BE49-F238E27FC236}">
+                  <a16:creationId xmlns:a16="http://schemas.microsoft.com/office/drawing/2014/main" id="{7757518E-2257-BD44-947D-1324178536D4}"/>
+                </a:ext>
+              </a:extLst>
+            </p:cNvPr>
+            <p:cNvPicPr>
+              <a:picLocks noChangeAspect="1"/>
+            </p:cNvPicPr>
+            <p:nvPr/>
+          </p:nvPicPr>
+          <p:blipFill>
+            <a:blip r:embed="rId3">
+              <a:extLst>
+                <a:ext uri="{28A0092B-C50C-407E-A947-70E740481C1C}">
+                  <a14:useLocalDpi xmlns:a14="http://schemas.microsoft.com/office/drawing/2010/main" val="0"/>
+                </a:ext>
+                <a:ext uri="{96DAC541-7B7A-43D3-8B79-37D633B846F1}">
+                  <asvg:svgBlip xmlns:asvg="http://schemas.microsoft.com/office/drawing/2016/SVG/main" r:embed="rId4"/>
+                </a:ext>
+              </a:extLst>
+            </a:blip>
+            <a:stretch>
+              <a:fillRect/>
+            </a:stretch>
+          </p:blipFill>
+          <p:spPr>
+            <a:xfrm>
+              <a:off x="1112345" y="1333052"/>
+              <a:ext cx="613604" cy="613604"/>
+            </a:xfrm>
+            <a:prstGeom prst="rect">
+              <a:avLst/>
+            </a:prstGeom>
+          </p:spPr>
+        </p:pic>
+        <p:sp>
+          <p:nvSpPr>
+            <p:cNvPr id="30" name="テキスト ボックス 29">
+              <a:extLst>
+                <a:ext uri="{FF2B5EF4-FFF2-40B4-BE49-F238E27FC236}">
+                  <a16:creationId xmlns:a16="http://schemas.microsoft.com/office/drawing/2014/main" id="{FF12D248-51F2-3F46-80F2-6807CB34064D}"/>
+                </a:ext>
+              </a:extLst>
+            </p:cNvPr>
+            <p:cNvSpPr txBox="1"/>
+            <p:nvPr/>
+          </p:nvSpPr>
+          <p:spPr>
+            <a:xfrm>
+              <a:off x="3901447" y="1081450"/>
+              <a:ext cx="1012878" cy="409650"/>
+            </a:xfrm>
+            <a:prstGeom prst="rect">
+              <a:avLst/>
+            </a:prstGeom>
+            <a:noFill/>
+          </p:spPr>
+          <p:txBody>
+            <a:bodyPr wrap="none" rtlCol="0">
+              <a:spAutoFit/>
+            </a:bodyPr>
+            <a:lstStyle/>
+            <a:p>
+              <a:r>
+                <a:rPr kumimoji="1" lang="en-US" altLang="ja-JP" sz="1600" dirty="0"/>
+                <a:t>Region</a:t>
+              </a:r>
+              <a:endParaRPr kumimoji="1" lang="ja-JP" altLang="en-US" sz="1600"/>
             </a:p>
           </p:txBody>
         </p:sp>
         <p:sp>
           <p:nvSpPr>
-            <p:cNvPr id="11" name="六角形 10">
+            <p:cNvPr id="31" name="角丸四角形吹き出し 30">
               <a:extLst>
                 <a:ext uri="{FF2B5EF4-FFF2-40B4-BE49-F238E27FC236}">
-                  <a16:creationId xmlns:a16="http://schemas.microsoft.com/office/drawing/2014/main" id="{0347D935-3CE0-4B2B-855A-0C57AA1F5AC3}"/>
-                </a:ext>
-              </a:extLst>
-            </p:cNvPr>
-            <p:cNvSpPr/>
-            <p:nvPr/>
-          </p:nvSpPr>
-          <p:spPr>
-            <a:xfrm rot="5400000">
-              <a:off x="8083697" y="-1431093"/>
-              <a:ext cx="1377329" cy="1378974"/>
-            </a:xfrm>
-            <a:prstGeom prst="hexagon">
-              <a:avLst/>
-            </a:prstGeom>
-          </p:spPr>
-          <p:style>
-            <a:lnRef idx="2">
-              <a:schemeClr val="accent1">
-                <a:shade val="50000"/>
-              </a:schemeClr>
-            </a:lnRef>
-            <a:fillRef idx="1">
-              <a:schemeClr val="accent1"/>
-            </a:fillRef>
-            <a:effectRef idx="0">
-              <a:schemeClr val="accent1"/>
-            </a:effectRef>
-            <a:fontRef idx="minor">
-              <a:schemeClr val="lt1"/>
-            </a:fontRef>
-          </p:style>
-          <p:txBody>
-            <a:bodyPr vert="vert270" rtlCol="0" anchor="ctr"/>
-            <a:lstStyle/>
-            <a:p>
-              <a:pPr algn="ctr"/>
-              <a:r>
-                <a:rPr kumimoji="1" lang="en-US" altLang="ja-JP" dirty="0"/>
-                <a:t>Exam</a:t>
-              </a:r>
-              <a:endParaRPr kumimoji="1" lang="ja-JP" altLang="en-US" dirty="0"/>
-            </a:p>
-          </p:txBody>
-        </p:sp>
-        <p:sp>
-          <p:nvSpPr>
-            <p:cNvPr id="13" name="六角形 12">
-              <a:extLst>
-                <a:ext uri="{FF2B5EF4-FFF2-40B4-BE49-F238E27FC236}">
-                  <a16:creationId xmlns:a16="http://schemas.microsoft.com/office/drawing/2014/main" id="{1BE37A02-33E9-460F-BBC8-58FB31868A12}"/>
-                </a:ext>
-              </a:extLst>
-            </p:cNvPr>
-            <p:cNvSpPr/>
-            <p:nvPr/>
-          </p:nvSpPr>
-          <p:spPr>
-            <a:xfrm rot="5400000">
-              <a:off x="-2593764" y="230345"/>
-              <a:ext cx="1515062" cy="1516871"/>
-            </a:xfrm>
-            <a:prstGeom prst="hexagon">
-              <a:avLst/>
-            </a:prstGeom>
-          </p:spPr>
-          <p:style>
-            <a:lnRef idx="2">
-              <a:schemeClr val="accent1">
-                <a:shade val="50000"/>
-              </a:schemeClr>
-            </a:lnRef>
-            <a:fillRef idx="1">
-              <a:schemeClr val="accent1"/>
-            </a:fillRef>
-            <a:effectRef idx="0">
-              <a:schemeClr val="accent1"/>
-            </a:effectRef>
-            <a:fontRef idx="minor">
-              <a:schemeClr val="lt1"/>
-            </a:fontRef>
-          </p:style>
-          <p:txBody>
-            <a:bodyPr vert="vert270" wrap="square" lIns="0" tIns="0" rIns="0" bIns="0" rtlCol="0" anchor="ctr"/>
-            <a:lstStyle/>
-            <a:p>
-              <a:pPr algn="ctr"/>
-              <a:endParaRPr kumimoji="1" lang="ja-JP" altLang="en-US" sz="1100" dirty="0"/>
-            </a:p>
-          </p:txBody>
-        </p:sp>
-        <p:sp>
-          <p:nvSpPr>
-            <p:cNvPr id="14" name="四角形: 角を丸くする 13">
-              <a:extLst>
-                <a:ext uri="{FF2B5EF4-FFF2-40B4-BE49-F238E27FC236}">
-                  <a16:creationId xmlns:a16="http://schemas.microsoft.com/office/drawing/2014/main" id="{4B8117DA-8590-4536-A484-503A48E1AE24}"/>
+                  <a16:creationId xmlns:a16="http://schemas.microsoft.com/office/drawing/2014/main" id="{66B752F2-0473-EB48-B000-F1710D0FEC47}"/>
                 </a:ext>
               </a:extLst>
             </p:cNvPr>
@@ -3850,12 +7165,19 @@
           </p:nvSpPr>
           <p:spPr>
             <a:xfrm>
-              <a:off x="-2804898" y="708438"/>
-              <a:ext cx="1971933" cy="560683"/>
+              <a:off x="8959899" y="871594"/>
+              <a:ext cx="1431625" cy="1095593"/>
             </a:xfrm>
-            <a:prstGeom prst="roundRect">
-              <a:avLst/>
+            <a:prstGeom prst="wedgeRoundRectCallout">
+              <a:avLst>
+                <a:gd name="adj1" fmla="val -71138"/>
+                <a:gd name="adj2" fmla="val 53155"/>
+                <a:gd name="adj3" fmla="val 16667"/>
+              </a:avLst>
             </a:prstGeom>
+            <a:solidFill>
+              <a:schemeClr val="bg1"/>
+            </a:solidFill>
           </p:spPr>
           <p:style>
             <a:lnRef idx="2">
@@ -3872,155 +7194,206 @@
             </a:fontRef>
           </p:style>
           <p:txBody>
-            <a:bodyPr rtlCol="0" anchor="ctr"/>
+            <a:bodyPr rtlCol="0" anchor="t"/>
             <a:lstStyle/>
             <a:p>
-              <a:pPr algn="ctr"/>
               <a:r>
-                <a:rPr lang="en-US" altLang="ja-JP" sz="1200" b="1" dirty="0">
-                  <a:solidFill>
-                    <a:schemeClr val="tx2"/>
-                  </a:solidFill>
-                </a:rPr>
-                <a:t>Azure</a:t>
+                <a:rPr lang="en-US" altLang="ja-JP" sz="1200" b="1" dirty="0"/>
+                <a:t>DevOps</a:t>
               </a:r>
+              <a:endParaRPr kumimoji="1" lang="ja-JP" altLang="en-US" sz="1200" b="1"/>
+            </a:p>
+          </p:txBody>
+        </p:sp>
+        <p:pic>
+          <p:nvPicPr>
+            <p:cNvPr id="32" name="グラフィックス 31">
+              <a:extLst>
+                <a:ext uri="{FF2B5EF4-FFF2-40B4-BE49-F238E27FC236}">
+                  <a16:creationId xmlns:a16="http://schemas.microsoft.com/office/drawing/2014/main" id="{386FF37A-AB36-C34B-A2F8-038837771F10}"/>
+                </a:ext>
+              </a:extLst>
+            </p:cNvPr>
+            <p:cNvPicPr>
+              <a:picLocks noChangeAspect="1"/>
+            </p:cNvPicPr>
+            <p:nvPr/>
+          </p:nvPicPr>
+          <p:blipFill>
+            <a:blip r:embed="rId3">
+              <a:extLst>
+                <a:ext uri="{28A0092B-C50C-407E-A947-70E740481C1C}">
+                  <a14:useLocalDpi xmlns:a14="http://schemas.microsoft.com/office/drawing/2010/main" val="0"/>
+                </a:ext>
+                <a:ext uri="{96DAC541-7B7A-43D3-8B79-37D633B846F1}">
+                  <asvg:svgBlip xmlns:asvg="http://schemas.microsoft.com/office/drawing/2016/SVG/main" r:embed="rId4"/>
+                </a:ext>
+              </a:extLst>
+            </a:blip>
+            <a:stretch>
+              <a:fillRect/>
+            </a:stretch>
+          </p:blipFill>
+          <p:spPr>
+            <a:xfrm>
+              <a:off x="9293384" y="1236984"/>
+              <a:ext cx="613604" cy="613604"/>
+            </a:xfrm>
+            <a:prstGeom prst="rect">
+              <a:avLst/>
+            </a:prstGeom>
+          </p:spPr>
+        </p:pic>
+        <p:sp>
+          <p:nvSpPr>
+            <p:cNvPr id="33" name="テキスト ボックス 32">
+              <a:extLst>
+                <a:ext uri="{FF2B5EF4-FFF2-40B4-BE49-F238E27FC236}">
+                  <a16:creationId xmlns:a16="http://schemas.microsoft.com/office/drawing/2014/main" id="{2E272C39-7201-B547-A13A-31A176A9133E}"/>
+                </a:ext>
+              </a:extLst>
+            </p:cNvPr>
+            <p:cNvSpPr txBox="1"/>
+            <p:nvPr/>
+          </p:nvSpPr>
+          <p:spPr>
+            <a:xfrm>
+              <a:off x="5971253" y="1079444"/>
+              <a:ext cx="1012878" cy="409650"/>
+            </a:xfrm>
+            <a:prstGeom prst="rect">
+              <a:avLst/>
+            </a:prstGeom>
+            <a:noFill/>
+          </p:spPr>
+          <p:txBody>
+            <a:bodyPr wrap="none" rtlCol="0">
+              <a:spAutoFit/>
+            </a:bodyPr>
+            <a:lstStyle/>
+            <a:p>
               <a:r>
-                <a:rPr lang="ja-JP" altLang="en-US" sz="1200" b="1" dirty="0">
-                  <a:solidFill>
-                    <a:schemeClr val="tx2"/>
-                  </a:solidFill>
-                </a:rPr>
-                <a:t> </a:t>
+                <a:rPr kumimoji="1" lang="en-US" altLang="ja-JP" sz="1600" dirty="0"/>
+                <a:t>Region</a:t>
               </a:r>
-              <a:r>
-                <a:rPr lang="en-US" altLang="ja-JP" sz="1200" b="1" dirty="0">
-                  <a:solidFill>
-                    <a:schemeClr val="tx2"/>
-                  </a:solidFill>
-                </a:rPr>
-                <a:t>Fundamentals</a:t>
-              </a:r>
-              <a:endParaRPr kumimoji="1" lang="en-US" altLang="ja-JP" sz="1200" b="1" dirty="0">
-                <a:solidFill>
-                  <a:schemeClr val="tx2"/>
-                </a:solidFill>
-              </a:endParaRPr>
+              <a:endParaRPr kumimoji="1" lang="ja-JP" altLang="en-US" sz="1600"/>
             </a:p>
           </p:txBody>
         </p:sp>
         <p:sp>
           <p:nvSpPr>
-            <p:cNvPr id="15" name="六角形 14">
+            <p:cNvPr id="34" name="テキスト ボックス 33">
               <a:extLst>
                 <a:ext uri="{FF2B5EF4-FFF2-40B4-BE49-F238E27FC236}">
-                  <a16:creationId xmlns:a16="http://schemas.microsoft.com/office/drawing/2014/main" id="{84FB84ED-F963-4088-B08C-FB72A5DC2DFD}"/>
+                  <a16:creationId xmlns:a16="http://schemas.microsoft.com/office/drawing/2014/main" id="{7CFD9552-F33C-624E-A5F9-68B7F1C2AD68}"/>
                 </a:ext>
               </a:extLst>
             </p:cNvPr>
-            <p:cNvSpPr/>
+            <p:cNvSpPr txBox="1"/>
             <p:nvPr/>
           </p:nvSpPr>
           <p:spPr>
-            <a:xfrm rot="5400000">
-              <a:off x="-5423157" y="172596"/>
-              <a:ext cx="1515062" cy="1668558"/>
+            <a:xfrm>
+              <a:off x="10617388" y="2217684"/>
+              <a:ext cx="1012878" cy="409650"/>
             </a:xfrm>
-            <a:prstGeom prst="hexagon">
+            <a:prstGeom prst="rect">
               <a:avLst/>
             </a:prstGeom>
+            <a:noFill/>
           </p:spPr>
-          <p:style>
-            <a:lnRef idx="2">
-              <a:schemeClr val="accent1">
-                <a:shade val="50000"/>
-              </a:schemeClr>
-            </a:lnRef>
-            <a:fillRef idx="1">
-              <a:schemeClr val="accent1"/>
-            </a:fillRef>
-            <a:effectRef idx="0">
-              <a:schemeClr val="accent1"/>
-            </a:effectRef>
-            <a:fontRef idx="minor">
-              <a:schemeClr val="lt1"/>
-            </a:fontRef>
-          </p:style>
           <p:txBody>
-            <a:bodyPr vert="vert270" wrap="square" lIns="0" tIns="0" rIns="0" bIns="0" rtlCol="0" anchor="ctr"/>
+            <a:bodyPr wrap="none" rtlCol="0">
+              <a:spAutoFit/>
+            </a:bodyPr>
             <a:lstStyle/>
             <a:p>
-              <a:pPr algn="ctr"/>
               <a:r>
-                <a:rPr kumimoji="1" lang="en-US" altLang="ja-JP" sz="1100" dirty="0"/>
-                <a:t>AZ-900</a:t>
+                <a:rPr kumimoji="1" lang="en-US" altLang="ja-JP" sz="1600" dirty="0"/>
+                <a:t>Region</a:t>
               </a:r>
-            </a:p>
-            <a:p>
-              <a:pPr algn="ctr"/>
-              <a:endParaRPr kumimoji="1" lang="en-US" altLang="ja-JP" sz="1100" dirty="0"/>
-            </a:p>
-            <a:p>
-              <a:pPr algn="ctr"/>
-              <a:r>
-                <a:rPr lang="en-US" altLang="ja-JP" sz="1100" dirty="0"/>
-                <a:t>Microsoft Azure Fundamentals</a:t>
-              </a:r>
-              <a:endParaRPr kumimoji="1" lang="ja-JP" altLang="en-US" sz="1100" dirty="0"/>
+              <a:endParaRPr kumimoji="1" lang="ja-JP" altLang="en-US" sz="1600"/>
             </a:p>
           </p:txBody>
         </p:sp>
         <p:sp>
           <p:nvSpPr>
-            <p:cNvPr id="16" name="六角形 15">
+            <p:cNvPr id="35" name="テキスト ボックス 34">
               <a:extLst>
                 <a:ext uri="{FF2B5EF4-FFF2-40B4-BE49-F238E27FC236}">
-                  <a16:creationId xmlns:a16="http://schemas.microsoft.com/office/drawing/2014/main" id="{FDBA4F94-E25F-4D04-AEB2-D07937E89592}"/>
+                  <a16:creationId xmlns:a16="http://schemas.microsoft.com/office/drawing/2014/main" id="{68E60D00-037A-A942-B33F-3DFDD0394F6A}"/>
                 </a:ext>
               </a:extLst>
             </p:cNvPr>
-            <p:cNvSpPr/>
+            <p:cNvSpPr txBox="1"/>
             <p:nvPr/>
           </p:nvSpPr>
           <p:spPr>
-            <a:xfrm rot="5400000">
-              <a:off x="3236449" y="254467"/>
-              <a:ext cx="1515062" cy="1516871"/>
+            <a:xfrm>
+              <a:off x="10712856" y="3901653"/>
+              <a:ext cx="1012878" cy="409650"/>
             </a:xfrm>
-            <a:prstGeom prst="hexagon">
+            <a:prstGeom prst="rect">
               <a:avLst/>
             </a:prstGeom>
+            <a:noFill/>
           </p:spPr>
-          <p:style>
-            <a:lnRef idx="2">
-              <a:schemeClr val="accent1">
-                <a:shade val="50000"/>
-              </a:schemeClr>
-            </a:lnRef>
-            <a:fillRef idx="1">
-              <a:schemeClr val="accent1"/>
-            </a:fillRef>
-            <a:effectRef idx="0">
-              <a:schemeClr val="accent1"/>
-            </a:effectRef>
-            <a:fontRef idx="minor">
-              <a:schemeClr val="lt1"/>
-            </a:fontRef>
-          </p:style>
           <p:txBody>
-            <a:bodyPr vert="vert270" wrap="square" lIns="0" tIns="0" rIns="0" bIns="0" rtlCol="0" anchor="ctr"/>
+            <a:bodyPr wrap="none" rtlCol="0">
+              <a:spAutoFit/>
+            </a:bodyPr>
             <a:lstStyle/>
             <a:p>
-              <a:pPr algn="ctr"/>
-              <a:endParaRPr kumimoji="1" lang="ja-JP" altLang="en-US" sz="1100" dirty="0"/>
+              <a:r>
+                <a:rPr kumimoji="1" lang="en-US" altLang="ja-JP" sz="1600" dirty="0"/>
+                <a:t>Region</a:t>
+              </a:r>
+              <a:endParaRPr kumimoji="1" lang="ja-JP" altLang="en-US" sz="1600"/>
             </a:p>
           </p:txBody>
         </p:sp>
         <p:sp>
           <p:nvSpPr>
-            <p:cNvPr id="17" name="四角形: 角を丸くする 16">
+            <p:cNvPr id="36" name="テキスト ボックス 35">
               <a:extLst>
                 <a:ext uri="{FF2B5EF4-FFF2-40B4-BE49-F238E27FC236}">
-                  <a16:creationId xmlns:a16="http://schemas.microsoft.com/office/drawing/2014/main" id="{B0DF582B-5A08-4E58-9B54-5CB83CFC4840}"/>
+                  <a16:creationId xmlns:a16="http://schemas.microsoft.com/office/drawing/2014/main" id="{74E514D7-EF53-1B40-A50C-4813AC997467}"/>
+                </a:ext>
+              </a:extLst>
+            </p:cNvPr>
+            <p:cNvSpPr txBox="1"/>
+            <p:nvPr/>
+          </p:nvSpPr>
+          <p:spPr>
+            <a:xfrm>
+              <a:off x="6023085" y="5202480"/>
+              <a:ext cx="1012878" cy="409650"/>
+            </a:xfrm>
+            <a:prstGeom prst="rect">
+              <a:avLst/>
+            </a:prstGeom>
+            <a:noFill/>
+          </p:spPr>
+          <p:txBody>
+            <a:bodyPr wrap="none" rtlCol="0">
+              <a:spAutoFit/>
+            </a:bodyPr>
+            <a:lstStyle/>
+            <a:p>
+              <a:r>
+                <a:rPr kumimoji="1" lang="en-US" altLang="ja-JP" sz="1600" dirty="0"/>
+                <a:t>Region</a:t>
+              </a:r>
+              <a:endParaRPr kumimoji="1" lang="ja-JP" altLang="en-US" sz="1600"/>
+            </a:p>
+          </p:txBody>
+        </p:sp>
+        <p:sp>
+          <p:nvSpPr>
+            <p:cNvPr id="38" name="角丸四角形吹き出し 37">
+              <a:extLst>
+                <a:ext uri="{FF2B5EF4-FFF2-40B4-BE49-F238E27FC236}">
+                  <a16:creationId xmlns:a16="http://schemas.microsoft.com/office/drawing/2014/main" id="{1B06E374-4EFA-2F43-B44B-0B557DA9BCF3}"/>
                 </a:ext>
               </a:extLst>
             </p:cNvPr>
@@ -4029,12 +7402,19 @@
           </p:nvSpPr>
           <p:spPr>
             <a:xfrm>
-              <a:off x="3025315" y="732560"/>
-              <a:ext cx="1971933" cy="560683"/>
+              <a:off x="8910363" y="4654683"/>
+              <a:ext cx="1431625" cy="1095593"/>
             </a:xfrm>
-            <a:prstGeom prst="roundRect">
-              <a:avLst/>
+            <a:prstGeom prst="wedgeRoundRectCallout">
+              <a:avLst>
+                <a:gd name="adj1" fmla="val -69670"/>
+                <a:gd name="adj2" fmla="val -34144"/>
+                <a:gd name="adj3" fmla="val 16667"/>
+              </a:avLst>
             </a:prstGeom>
+            <a:solidFill>
+              <a:schemeClr val="bg1"/>
+            </a:solidFill>
           </p:spPr>
           <p:style>
             <a:lnRef idx="2">
@@ -4051,155 +7431,98 @@
             </a:fontRef>
           </p:style>
           <p:txBody>
-            <a:bodyPr rtlCol="0" anchor="ctr"/>
+            <a:bodyPr rtlCol="0" anchor="t"/>
             <a:lstStyle/>
             <a:p>
-              <a:pPr algn="ctr"/>
               <a:r>
-                <a:rPr lang="en-US" altLang="ja-JP" sz="1200" b="1" dirty="0">
-                  <a:solidFill>
-                    <a:schemeClr val="tx2"/>
-                  </a:solidFill>
-                </a:rPr>
-                <a:t>Azure</a:t>
+                <a:rPr lang="en-US" altLang="ja-JP" sz="1200" b="1" dirty="0"/>
+                <a:t>DevOps</a:t>
               </a:r>
+              <a:endParaRPr kumimoji="1" lang="ja-JP" altLang="en-US" sz="1200" b="1"/>
+            </a:p>
+          </p:txBody>
+        </p:sp>
+        <p:pic>
+          <p:nvPicPr>
+            <p:cNvPr id="39" name="グラフィックス 38">
+              <a:extLst>
+                <a:ext uri="{FF2B5EF4-FFF2-40B4-BE49-F238E27FC236}">
+                  <a16:creationId xmlns:a16="http://schemas.microsoft.com/office/drawing/2014/main" id="{3AE9C85C-A5DF-F741-9919-6997EAA01B7A}"/>
+                </a:ext>
+              </a:extLst>
+            </p:cNvPr>
+            <p:cNvPicPr>
+              <a:picLocks noChangeAspect="1"/>
+            </p:cNvPicPr>
+            <p:nvPr/>
+          </p:nvPicPr>
+          <p:blipFill>
+            <a:blip r:embed="rId3">
+              <a:extLst>
+                <a:ext uri="{28A0092B-C50C-407E-A947-70E740481C1C}">
+                  <a14:useLocalDpi xmlns:a14="http://schemas.microsoft.com/office/drawing/2010/main" val="0"/>
+                </a:ext>
+                <a:ext uri="{96DAC541-7B7A-43D3-8B79-37D633B846F1}">
+                  <asvg:svgBlip xmlns:asvg="http://schemas.microsoft.com/office/drawing/2016/SVG/main" r:embed="rId4"/>
+                </a:ext>
+              </a:extLst>
+            </a:blip>
+            <a:stretch>
+              <a:fillRect/>
+            </a:stretch>
+          </p:blipFill>
+          <p:spPr>
+            <a:xfrm>
+              <a:off x="9368909" y="5017751"/>
+              <a:ext cx="613604" cy="613604"/>
+            </a:xfrm>
+            <a:prstGeom prst="rect">
+              <a:avLst/>
+            </a:prstGeom>
+          </p:spPr>
+        </p:pic>
+        <p:sp>
+          <p:nvSpPr>
+            <p:cNvPr id="40" name="テキスト ボックス 39">
+              <a:extLst>
+                <a:ext uri="{FF2B5EF4-FFF2-40B4-BE49-F238E27FC236}">
+                  <a16:creationId xmlns:a16="http://schemas.microsoft.com/office/drawing/2014/main" id="{A335BA35-83B9-E948-9508-5AD091E347DE}"/>
+                </a:ext>
+              </a:extLst>
+            </p:cNvPr>
+            <p:cNvSpPr txBox="1"/>
+            <p:nvPr/>
+          </p:nvSpPr>
+          <p:spPr>
+            <a:xfrm>
+              <a:off x="3992338" y="5229554"/>
+              <a:ext cx="1012878" cy="409650"/>
+            </a:xfrm>
+            <a:prstGeom prst="rect">
+              <a:avLst/>
+            </a:prstGeom>
+            <a:noFill/>
+          </p:spPr>
+          <p:txBody>
+            <a:bodyPr wrap="none" rtlCol="0">
+              <a:spAutoFit/>
+            </a:bodyPr>
+            <a:lstStyle/>
+            <a:p>
               <a:r>
-                <a:rPr lang="ja-JP" altLang="en-US" sz="1200" b="1" dirty="0">
-                  <a:solidFill>
-                    <a:schemeClr val="tx2"/>
-                  </a:solidFill>
-                </a:rPr>
-                <a:t> </a:t>
+                <a:rPr kumimoji="1" lang="en-US" altLang="ja-JP" sz="1600" dirty="0"/>
+                <a:t>Region</a:t>
               </a:r>
-              <a:r>
-                <a:rPr lang="en-US" altLang="ja-JP" sz="1200" b="1" dirty="0">
-                  <a:solidFill>
-                    <a:schemeClr val="tx2"/>
-                  </a:solidFill>
-                </a:rPr>
-                <a:t>Administrator Associate</a:t>
-              </a:r>
-              <a:endParaRPr kumimoji="1" lang="en-US" altLang="ja-JP" sz="1200" b="1" dirty="0">
-                <a:solidFill>
-                  <a:schemeClr val="tx2"/>
-                </a:solidFill>
-              </a:endParaRPr>
+              <a:endParaRPr kumimoji="1" lang="ja-JP" altLang="en-US" sz="1600"/>
             </a:p>
           </p:txBody>
         </p:sp>
         <p:sp>
           <p:nvSpPr>
-            <p:cNvPr id="20" name="六角形 19">
+            <p:cNvPr id="41" name="角丸四角形吹き出し 40">
               <a:extLst>
                 <a:ext uri="{FF2B5EF4-FFF2-40B4-BE49-F238E27FC236}">
-                  <a16:creationId xmlns:a16="http://schemas.microsoft.com/office/drawing/2014/main" id="{EBB2CB3B-AFE4-4078-838C-12BCCD87B24A}"/>
-                </a:ext>
-              </a:extLst>
-            </p:cNvPr>
-            <p:cNvSpPr/>
-            <p:nvPr/>
-          </p:nvSpPr>
-          <p:spPr>
-            <a:xfrm rot="5400000">
-              <a:off x="382634" y="178625"/>
-              <a:ext cx="1515062" cy="1668558"/>
-            </a:xfrm>
-            <a:prstGeom prst="hexagon">
-              <a:avLst/>
-            </a:prstGeom>
-          </p:spPr>
-          <p:style>
-            <a:lnRef idx="2">
-              <a:schemeClr val="accent1">
-                <a:shade val="50000"/>
-              </a:schemeClr>
-            </a:lnRef>
-            <a:fillRef idx="1">
-              <a:schemeClr val="accent1"/>
-            </a:fillRef>
-            <a:effectRef idx="0">
-              <a:schemeClr val="accent1"/>
-            </a:effectRef>
-            <a:fontRef idx="minor">
-              <a:schemeClr val="lt1"/>
-            </a:fontRef>
-          </p:style>
-          <p:txBody>
-            <a:bodyPr vert="vert270" wrap="square" lIns="0" tIns="0" rIns="0" bIns="0" rtlCol="0" anchor="ctr"/>
-            <a:lstStyle/>
-            <a:p>
-              <a:pPr algn="ctr"/>
-              <a:r>
-                <a:rPr kumimoji="1" lang="en-US" altLang="ja-JP" sz="1100" dirty="0"/>
-                <a:t>AZ-103</a:t>
-              </a:r>
-            </a:p>
-            <a:p>
-              <a:pPr algn="ctr"/>
-              <a:endParaRPr kumimoji="1" lang="en-US" altLang="ja-JP" sz="1100" dirty="0"/>
-            </a:p>
-            <a:p>
-              <a:pPr algn="ctr"/>
-              <a:r>
-                <a:rPr lang="en-US" altLang="ja-JP" sz="1100" dirty="0"/>
-                <a:t>Microsoft Azure Administrator</a:t>
-              </a:r>
-              <a:endParaRPr kumimoji="1" lang="ja-JP" altLang="en-US" sz="1100" dirty="0"/>
-            </a:p>
-          </p:txBody>
-        </p:sp>
-        <p:sp>
-          <p:nvSpPr>
-            <p:cNvPr id="23" name="六角形 22">
-              <a:extLst>
-                <a:ext uri="{FF2B5EF4-FFF2-40B4-BE49-F238E27FC236}">
-                  <a16:creationId xmlns:a16="http://schemas.microsoft.com/office/drawing/2014/main" id="{AB3D17FA-DF49-4EAE-A54F-352F3CBDA8D7}"/>
-                </a:ext>
-              </a:extLst>
-            </p:cNvPr>
-            <p:cNvSpPr/>
-            <p:nvPr/>
-          </p:nvSpPr>
-          <p:spPr>
-            <a:xfrm rot="5400000">
-              <a:off x="9468305" y="2087855"/>
-              <a:ext cx="1515062" cy="1516871"/>
-            </a:xfrm>
-            <a:prstGeom prst="hexagon">
-              <a:avLst/>
-            </a:prstGeom>
-          </p:spPr>
-          <p:style>
-            <a:lnRef idx="2">
-              <a:schemeClr val="accent1">
-                <a:shade val="50000"/>
-              </a:schemeClr>
-            </a:lnRef>
-            <a:fillRef idx="1">
-              <a:schemeClr val="accent1"/>
-            </a:fillRef>
-            <a:effectRef idx="0">
-              <a:schemeClr val="accent1"/>
-            </a:effectRef>
-            <a:fontRef idx="minor">
-              <a:schemeClr val="lt1"/>
-            </a:fontRef>
-          </p:style>
-          <p:txBody>
-            <a:bodyPr vert="vert270" wrap="square" lIns="0" tIns="0" rIns="0" bIns="0" rtlCol="0" anchor="ctr"/>
-            <a:lstStyle/>
-            <a:p>
-              <a:pPr algn="ctr"/>
-              <a:endParaRPr kumimoji="1" lang="ja-JP" altLang="en-US" sz="1100" dirty="0"/>
-            </a:p>
-          </p:txBody>
-        </p:sp>
-        <p:sp>
-          <p:nvSpPr>
-            <p:cNvPr id="24" name="四角形: 角を丸くする 23">
-              <a:extLst>
-                <a:ext uri="{FF2B5EF4-FFF2-40B4-BE49-F238E27FC236}">
-                  <a16:creationId xmlns:a16="http://schemas.microsoft.com/office/drawing/2014/main" id="{C8D88619-7EF2-4984-AC10-E86ABEA8E5BB}"/>
+                  <a16:creationId xmlns:a16="http://schemas.microsoft.com/office/drawing/2014/main" id="{F20AD431-A86D-EC4E-9F24-6C5C1770E0EB}"/>
                 </a:ext>
               </a:extLst>
             </p:cNvPr>
@@ -4208,12 +7531,19 @@
           </p:nvSpPr>
           <p:spPr>
             <a:xfrm>
-              <a:off x="9257171" y="2565948"/>
-              <a:ext cx="1971933" cy="560683"/>
+              <a:off x="510454" y="4454854"/>
+              <a:ext cx="1431625" cy="1095593"/>
             </a:xfrm>
-            <a:prstGeom prst="roundRect">
-              <a:avLst/>
+            <a:prstGeom prst="wedgeRoundRectCallout">
+              <a:avLst>
+                <a:gd name="adj1" fmla="val 74958"/>
+                <a:gd name="adj2" fmla="val -35103"/>
+                <a:gd name="adj3" fmla="val 16667"/>
+              </a:avLst>
             </a:prstGeom>
+            <a:solidFill>
+              <a:schemeClr val="bg1"/>
+            </a:solidFill>
           </p:spPr>
           <p:style>
             <a:lnRef idx="2">
@@ -4230,1654 +7560,62 @@
             </a:fontRef>
           </p:style>
           <p:txBody>
-            <a:bodyPr rtlCol="0" anchor="ctr"/>
+            <a:bodyPr rtlCol="0" anchor="t"/>
             <a:lstStyle/>
             <a:p>
-              <a:pPr algn="ctr"/>
               <a:r>
-                <a:rPr lang="en-US" altLang="ja-JP" sz="1200" b="1" dirty="0">
-                  <a:solidFill>
-                    <a:schemeClr val="tx2"/>
-                  </a:solidFill>
-                </a:rPr>
-                <a:t>Azure DevOps Engineer Expert</a:t>
+                <a:rPr lang="en-US" altLang="ja-JP" sz="1200" b="1" dirty="0"/>
+                <a:t>DevOps</a:t>
               </a:r>
-              <a:endParaRPr kumimoji="1" lang="en-US" altLang="ja-JP" sz="1200" b="1" dirty="0">
-                <a:solidFill>
-                  <a:schemeClr val="tx2"/>
-                </a:solidFill>
-              </a:endParaRPr>
+              <a:endParaRPr kumimoji="1" lang="ja-JP" altLang="en-US" sz="1200" b="1"/>
             </a:p>
           </p:txBody>
         </p:sp>
-        <p:cxnSp>
-          <p:nvCxnSpPr>
-            <p:cNvPr id="26" name="直線矢印コネクタ 25">
+        <p:pic>
+          <p:nvPicPr>
+            <p:cNvPr id="42" name="グラフィックス 41">
               <a:extLst>
                 <a:ext uri="{FF2B5EF4-FFF2-40B4-BE49-F238E27FC236}">
-                  <a16:creationId xmlns:a16="http://schemas.microsoft.com/office/drawing/2014/main" id="{86F93AA5-5FE4-48EA-9596-F09CF942A5A2}"/>
+                  <a16:creationId xmlns:a16="http://schemas.microsoft.com/office/drawing/2014/main" id="{0500E4AD-E8A9-7041-91F0-A7FC13E970EB}"/>
                 </a:ext>
               </a:extLst>
             </p:cNvPr>
-            <p:cNvCxnSpPr>
-              <a:cxnSpLocks/>
-            </p:cNvCxnSpPr>
+            <p:cNvPicPr>
+              <a:picLocks noChangeAspect="1"/>
+            </p:cNvPicPr>
             <p:nvPr/>
-          </p:nvCxnSpPr>
+          </p:nvPicPr>
+          <p:blipFill>
+            <a:blip r:embed="rId3">
+              <a:extLst>
+                <a:ext uri="{28A0092B-C50C-407E-A947-70E740481C1C}">
+                  <a14:useLocalDpi xmlns:a14="http://schemas.microsoft.com/office/drawing/2010/main" val="0"/>
+                </a:ext>
+                <a:ext uri="{96DAC541-7B7A-43D3-8B79-37D633B846F1}">
+                  <asvg:svgBlip xmlns:asvg="http://schemas.microsoft.com/office/drawing/2016/SVG/main" r:embed="rId4"/>
+                </a:ext>
+              </a:extLst>
+            </a:blip>
+            <a:stretch>
+              <a:fillRect/>
+            </a:stretch>
+          </p:blipFill>
           <p:spPr>
             <a:xfrm>
-              <a:off x="2092564" y="994170"/>
-              <a:ext cx="917867" cy="12705"/>
+              <a:off x="969000" y="4817922"/>
+              <a:ext cx="613604" cy="613604"/>
             </a:xfrm>
-            <a:prstGeom prst="straightConnector1">
-              <a:avLst/>
-            </a:prstGeom>
-            <a:ln w="38100" cap="flat" cmpd="sng" algn="ctr">
-              <a:solidFill>
-                <a:schemeClr val="accent1"/>
-              </a:solidFill>
-              <a:prstDash val="solid"/>
-              <a:round/>
-              <a:headEnd type="none" w="med" len="med"/>
-              <a:tailEnd type="arrow" w="med" len="med"/>
-            </a:ln>
-          </p:spPr>
-          <p:style>
-            <a:lnRef idx="0">
-              <a:scrgbClr r="0" g="0" b="0"/>
-            </a:lnRef>
-            <a:fillRef idx="0">
-              <a:scrgbClr r="0" g="0" b="0"/>
-            </a:fillRef>
-            <a:effectRef idx="0">
-              <a:scrgbClr r="0" g="0" b="0"/>
-            </a:effectRef>
-            <a:fontRef idx="minor">
-              <a:schemeClr val="tx1"/>
-            </a:fontRef>
-          </p:style>
-        </p:cxnSp>
-        <p:sp>
-          <p:nvSpPr>
-            <p:cNvPr id="27" name="六角形 26">
-              <a:extLst>
-                <a:ext uri="{FF2B5EF4-FFF2-40B4-BE49-F238E27FC236}">
-                  <a16:creationId xmlns:a16="http://schemas.microsoft.com/office/drawing/2014/main" id="{B24ABDA4-A343-488B-860D-8DBA7EBBCF71}"/>
-                </a:ext>
-              </a:extLst>
-            </p:cNvPr>
-            <p:cNvSpPr/>
-            <p:nvPr/>
-          </p:nvSpPr>
-          <p:spPr>
-            <a:xfrm rot="5400000">
-              <a:off x="5374911" y="3071306"/>
-              <a:ext cx="1515062" cy="1668558"/>
-            </a:xfrm>
-            <a:prstGeom prst="hexagon">
+            <a:prstGeom prst="rect">
               <a:avLst/>
             </a:prstGeom>
           </p:spPr>
-          <p:style>
-            <a:lnRef idx="2">
-              <a:schemeClr val="accent1">
-                <a:shade val="50000"/>
-              </a:schemeClr>
-            </a:lnRef>
-            <a:fillRef idx="1">
-              <a:schemeClr val="accent1"/>
-            </a:fillRef>
-            <a:effectRef idx="0">
-              <a:schemeClr val="accent1"/>
-            </a:effectRef>
-            <a:fontRef idx="minor">
-              <a:schemeClr val="lt1"/>
-            </a:fontRef>
-          </p:style>
-          <p:txBody>
-            <a:bodyPr vert="vert270" wrap="square" lIns="0" tIns="0" rIns="0" bIns="0" rtlCol="0" anchor="ctr"/>
-            <a:lstStyle/>
-            <a:p>
-              <a:pPr algn="ctr"/>
-              <a:r>
-                <a:rPr kumimoji="1" lang="en-US" altLang="ja-JP" sz="1100" dirty="0"/>
-                <a:t>AZ-400</a:t>
-              </a:r>
-            </a:p>
-            <a:p>
-              <a:pPr algn="ctr"/>
-              <a:br>
-                <a:rPr lang="en-US" altLang="ja-JP" sz="1100" dirty="0"/>
-              </a:br>
-              <a:r>
-                <a:rPr lang="en-US" altLang="ja-JP" sz="1100" dirty="0"/>
-                <a:t>Microsoft Azure DevOps Solutions</a:t>
-              </a:r>
-              <a:endParaRPr kumimoji="1" lang="ja-JP" altLang="en-US" sz="1100" dirty="0"/>
-            </a:p>
-          </p:txBody>
-        </p:sp>
+        </p:pic>
         <p:sp>
           <p:nvSpPr>
-            <p:cNvPr id="28" name="フローチャート: 判断 27">
+            <p:cNvPr id="43" name="テキスト ボックス 42">
               <a:extLst>
                 <a:ext uri="{FF2B5EF4-FFF2-40B4-BE49-F238E27FC236}">
-                  <a16:creationId xmlns:a16="http://schemas.microsoft.com/office/drawing/2014/main" id="{28876599-720E-450B-9919-68FE1B892122}"/>
-                </a:ext>
-              </a:extLst>
-            </p:cNvPr>
-            <p:cNvSpPr/>
-            <p:nvPr/>
-          </p:nvSpPr>
-          <p:spPr>
-            <a:xfrm>
-              <a:off x="5581971" y="1595564"/>
-              <a:ext cx="979064" cy="702117"/>
-            </a:xfrm>
-            <a:prstGeom prst="flowChartDecision">
-              <a:avLst/>
-            </a:prstGeom>
-          </p:spPr>
-          <p:style>
-            <a:lnRef idx="2">
-              <a:schemeClr val="accent1"/>
-            </a:lnRef>
-            <a:fillRef idx="1">
-              <a:schemeClr val="lt1"/>
-            </a:fillRef>
-            <a:effectRef idx="0">
-              <a:schemeClr val="accent1"/>
-            </a:effectRef>
-            <a:fontRef idx="minor">
-              <a:schemeClr val="dk1"/>
-            </a:fontRef>
-          </p:style>
-          <p:txBody>
-            <a:bodyPr wrap="none" rtlCol="0" anchor="ctr"/>
-            <a:lstStyle/>
-            <a:p>
-              <a:pPr algn="ctr"/>
-              <a:r>
-                <a:rPr kumimoji="1" lang="en-US" altLang="ja-JP" sz="1600" dirty="0"/>
-                <a:t>OR</a:t>
-              </a:r>
-              <a:endParaRPr kumimoji="1" lang="ja-JP" altLang="en-US" sz="1600" dirty="0"/>
-            </a:p>
-          </p:txBody>
-        </p:sp>
-        <p:sp>
-          <p:nvSpPr>
-            <p:cNvPr id="30" name="六角形 29">
-              <a:extLst>
-                <a:ext uri="{FF2B5EF4-FFF2-40B4-BE49-F238E27FC236}">
-                  <a16:creationId xmlns:a16="http://schemas.microsoft.com/office/drawing/2014/main" id="{DE8B7EF5-C212-4C82-8B4B-E3F09B188434}"/>
-                </a:ext>
-              </a:extLst>
-            </p:cNvPr>
-            <p:cNvSpPr/>
-            <p:nvPr/>
-          </p:nvSpPr>
-          <p:spPr>
-            <a:xfrm rot="5400000">
-              <a:off x="3233783" y="2095378"/>
-              <a:ext cx="1515062" cy="1516871"/>
-            </a:xfrm>
-            <a:prstGeom prst="hexagon">
-              <a:avLst/>
-            </a:prstGeom>
-          </p:spPr>
-          <p:style>
-            <a:lnRef idx="2">
-              <a:schemeClr val="accent1">
-                <a:shade val="50000"/>
-              </a:schemeClr>
-            </a:lnRef>
-            <a:fillRef idx="1">
-              <a:schemeClr val="accent1"/>
-            </a:fillRef>
-            <a:effectRef idx="0">
-              <a:schemeClr val="accent1"/>
-            </a:effectRef>
-            <a:fontRef idx="minor">
-              <a:schemeClr val="lt1"/>
-            </a:fontRef>
-          </p:style>
-          <p:txBody>
-            <a:bodyPr vert="vert270" wrap="square" lIns="0" tIns="0" rIns="0" bIns="0" rtlCol="0" anchor="ctr"/>
-            <a:lstStyle/>
-            <a:p>
-              <a:pPr algn="ctr"/>
-              <a:endParaRPr kumimoji="1" lang="ja-JP" altLang="en-US" sz="1100" dirty="0"/>
-            </a:p>
-          </p:txBody>
-        </p:sp>
-        <p:sp>
-          <p:nvSpPr>
-            <p:cNvPr id="31" name="四角形: 角を丸くする 30">
-              <a:extLst>
-                <a:ext uri="{FF2B5EF4-FFF2-40B4-BE49-F238E27FC236}">
-                  <a16:creationId xmlns:a16="http://schemas.microsoft.com/office/drawing/2014/main" id="{1F698E68-8A3B-4544-AD36-887E51964703}"/>
-                </a:ext>
-              </a:extLst>
-            </p:cNvPr>
-            <p:cNvSpPr/>
-            <p:nvPr/>
-          </p:nvSpPr>
-          <p:spPr>
-            <a:xfrm>
-              <a:off x="3022649" y="2573471"/>
-              <a:ext cx="1971933" cy="560683"/>
-            </a:xfrm>
-            <a:prstGeom prst="roundRect">
-              <a:avLst/>
-            </a:prstGeom>
-          </p:spPr>
-          <p:style>
-            <a:lnRef idx="2">
-              <a:schemeClr val="accent1"/>
-            </a:lnRef>
-            <a:fillRef idx="1">
-              <a:schemeClr val="lt1"/>
-            </a:fillRef>
-            <a:effectRef idx="0">
-              <a:schemeClr val="accent1"/>
-            </a:effectRef>
-            <a:fontRef idx="minor">
-              <a:schemeClr val="dk1"/>
-            </a:fontRef>
-          </p:style>
-          <p:txBody>
-            <a:bodyPr rtlCol="0" anchor="ctr"/>
-            <a:lstStyle/>
-            <a:p>
-              <a:pPr algn="ctr"/>
-              <a:r>
-                <a:rPr lang="en-US" altLang="ja-JP" sz="1200" b="1" dirty="0">
-                  <a:solidFill>
-                    <a:schemeClr val="tx2"/>
-                  </a:solidFill>
-                </a:rPr>
-                <a:t>Azure</a:t>
-              </a:r>
-              <a:r>
-                <a:rPr lang="ja-JP" altLang="en-US" sz="1200" b="1" dirty="0">
-                  <a:solidFill>
-                    <a:schemeClr val="tx2"/>
-                  </a:solidFill>
-                </a:rPr>
-                <a:t> </a:t>
-              </a:r>
-              <a:r>
-                <a:rPr lang="en-US" altLang="ja-JP" sz="1200" b="1" dirty="0">
-                  <a:solidFill>
-                    <a:schemeClr val="tx2"/>
-                  </a:solidFill>
-                </a:rPr>
-                <a:t>Developer Associate</a:t>
-              </a:r>
-              <a:endParaRPr kumimoji="1" lang="en-US" altLang="ja-JP" sz="1200" b="1" dirty="0">
-                <a:solidFill>
-                  <a:schemeClr val="tx2"/>
-                </a:solidFill>
-              </a:endParaRPr>
-            </a:p>
-          </p:txBody>
-        </p:sp>
-        <p:cxnSp>
-          <p:nvCxnSpPr>
-            <p:cNvPr id="32" name="直線矢印コネクタ 31">
-              <a:extLst>
-                <a:ext uri="{FF2B5EF4-FFF2-40B4-BE49-F238E27FC236}">
-                  <a16:creationId xmlns:a16="http://schemas.microsoft.com/office/drawing/2014/main" id="{E1A30C99-EB2B-4777-81FA-D6248EB8EA1D}"/>
-                </a:ext>
-              </a:extLst>
-            </p:cNvPr>
-            <p:cNvCxnSpPr>
-              <a:cxnSpLocks/>
-            </p:cNvCxnSpPr>
-            <p:nvPr/>
-          </p:nvCxnSpPr>
-          <p:spPr>
-            <a:xfrm>
-              <a:off x="5026111" y="1006875"/>
-              <a:ext cx="743555" cy="567971"/>
-            </a:xfrm>
-            <a:prstGeom prst="straightConnector1">
-              <a:avLst/>
-            </a:prstGeom>
-            <a:ln w="38100" cap="flat" cmpd="sng" algn="ctr">
-              <a:solidFill>
-                <a:schemeClr val="accent1"/>
-              </a:solidFill>
-              <a:prstDash val="solid"/>
-              <a:round/>
-              <a:headEnd type="none" w="med" len="med"/>
-              <a:tailEnd type="arrow" w="med" len="med"/>
-            </a:ln>
-          </p:spPr>
-          <p:style>
-            <a:lnRef idx="0">
-              <a:scrgbClr r="0" g="0" b="0"/>
-            </a:lnRef>
-            <a:fillRef idx="0">
-              <a:scrgbClr r="0" g="0" b="0"/>
-            </a:fillRef>
-            <a:effectRef idx="0">
-              <a:scrgbClr r="0" g="0" b="0"/>
-            </a:effectRef>
-            <a:fontRef idx="minor">
-              <a:schemeClr val="tx1"/>
-            </a:fontRef>
-          </p:style>
-        </p:cxnSp>
-        <p:sp>
-          <p:nvSpPr>
-            <p:cNvPr id="37" name="フローチャート: 判断 36">
-              <a:extLst>
-                <a:ext uri="{FF2B5EF4-FFF2-40B4-BE49-F238E27FC236}">
-                  <a16:creationId xmlns:a16="http://schemas.microsoft.com/office/drawing/2014/main" id="{68B63725-4EB2-4FF3-87A7-CD24F54BCEFC}"/>
-                </a:ext>
-              </a:extLst>
-            </p:cNvPr>
-            <p:cNvSpPr/>
-            <p:nvPr/>
-          </p:nvSpPr>
-          <p:spPr>
-            <a:xfrm>
-              <a:off x="7270302" y="2501582"/>
-              <a:ext cx="979064" cy="702117"/>
-            </a:xfrm>
-            <a:prstGeom prst="flowChartDecision">
-              <a:avLst/>
-            </a:prstGeom>
-          </p:spPr>
-          <p:style>
-            <a:lnRef idx="2">
-              <a:schemeClr val="accent1"/>
-            </a:lnRef>
-            <a:fillRef idx="1">
-              <a:schemeClr val="lt1"/>
-            </a:fillRef>
-            <a:effectRef idx="0">
-              <a:schemeClr val="accent1"/>
-            </a:effectRef>
-            <a:fontRef idx="minor">
-              <a:schemeClr val="dk1"/>
-            </a:fontRef>
-          </p:style>
-          <p:txBody>
-            <a:bodyPr wrap="none" rtlCol="0" anchor="ctr"/>
-            <a:lstStyle/>
-            <a:p>
-              <a:pPr algn="ctr"/>
-              <a:r>
-                <a:rPr lang="en-US" altLang="ja-JP" sz="1600" dirty="0"/>
-                <a:t>AND</a:t>
-              </a:r>
-              <a:endParaRPr kumimoji="1" lang="ja-JP" altLang="en-US" sz="1600" dirty="0"/>
-            </a:p>
-          </p:txBody>
-        </p:sp>
-        <p:cxnSp>
-          <p:nvCxnSpPr>
-            <p:cNvPr id="38" name="直線矢印コネクタ 37">
-              <a:extLst>
-                <a:ext uri="{FF2B5EF4-FFF2-40B4-BE49-F238E27FC236}">
-                  <a16:creationId xmlns:a16="http://schemas.microsoft.com/office/drawing/2014/main" id="{C3CD98CB-0784-4D99-AB3C-23EA0DDEF88A}"/>
-                </a:ext>
-              </a:extLst>
-            </p:cNvPr>
-            <p:cNvCxnSpPr>
-              <a:cxnSpLocks/>
-            </p:cNvCxnSpPr>
-            <p:nvPr/>
-          </p:nvCxnSpPr>
-          <p:spPr>
-            <a:xfrm flipV="1">
-              <a:off x="5010690" y="2283517"/>
-              <a:ext cx="743555" cy="567971"/>
-            </a:xfrm>
-            <a:prstGeom prst="straightConnector1">
-              <a:avLst/>
-            </a:prstGeom>
-            <a:ln w="38100" cap="flat" cmpd="sng" algn="ctr">
-              <a:solidFill>
-                <a:schemeClr val="accent1"/>
-              </a:solidFill>
-              <a:prstDash val="solid"/>
-              <a:round/>
-              <a:headEnd type="none" w="med" len="med"/>
-              <a:tailEnd type="arrow" w="med" len="med"/>
-            </a:ln>
-          </p:spPr>
-          <p:style>
-            <a:lnRef idx="0">
-              <a:scrgbClr r="0" g="0" b="0"/>
-            </a:lnRef>
-            <a:fillRef idx="0">
-              <a:scrgbClr r="0" g="0" b="0"/>
-            </a:fillRef>
-            <a:effectRef idx="0">
-              <a:scrgbClr r="0" g="0" b="0"/>
-            </a:effectRef>
-            <a:fontRef idx="minor">
-              <a:schemeClr val="tx1"/>
-            </a:fontRef>
-          </p:style>
-        </p:cxnSp>
-        <p:cxnSp>
-          <p:nvCxnSpPr>
-            <p:cNvPr id="41" name="直線矢印コネクタ 40">
-              <a:extLst>
-                <a:ext uri="{FF2B5EF4-FFF2-40B4-BE49-F238E27FC236}">
-                  <a16:creationId xmlns:a16="http://schemas.microsoft.com/office/drawing/2014/main" id="{9215586F-BF70-406E-9C00-FD06FE3820FA}"/>
-                </a:ext>
-              </a:extLst>
-            </p:cNvPr>
-            <p:cNvCxnSpPr>
-              <a:cxnSpLocks/>
-            </p:cNvCxnSpPr>
-            <p:nvPr/>
-          </p:nvCxnSpPr>
-          <p:spPr>
-            <a:xfrm>
-              <a:off x="8304701" y="2839936"/>
-              <a:ext cx="917867" cy="12705"/>
-            </a:xfrm>
-            <a:prstGeom prst="straightConnector1">
-              <a:avLst/>
-            </a:prstGeom>
-            <a:ln w="38100" cap="flat" cmpd="sng" algn="ctr">
-              <a:solidFill>
-                <a:schemeClr val="accent1"/>
-              </a:solidFill>
-              <a:prstDash val="solid"/>
-              <a:round/>
-              <a:headEnd type="none" w="med" len="med"/>
-              <a:tailEnd type="arrow" w="med" len="med"/>
-            </a:ln>
-          </p:spPr>
-          <p:style>
-            <a:lnRef idx="0">
-              <a:scrgbClr r="0" g="0" b="0"/>
-            </a:lnRef>
-            <a:fillRef idx="0">
-              <a:scrgbClr r="0" g="0" b="0"/>
-            </a:fillRef>
-            <a:effectRef idx="0">
-              <a:scrgbClr r="0" g="0" b="0"/>
-            </a:effectRef>
-            <a:fontRef idx="minor">
-              <a:schemeClr val="tx1"/>
-            </a:fontRef>
-          </p:style>
-        </p:cxnSp>
-        <p:cxnSp>
-          <p:nvCxnSpPr>
-            <p:cNvPr id="42" name="直線矢印コネクタ 41">
-              <a:extLst>
-                <a:ext uri="{FF2B5EF4-FFF2-40B4-BE49-F238E27FC236}">
-                  <a16:creationId xmlns:a16="http://schemas.microsoft.com/office/drawing/2014/main" id="{1AEB3E10-2A11-4F6A-8695-47326A987C00}"/>
-                </a:ext>
-              </a:extLst>
-            </p:cNvPr>
-            <p:cNvCxnSpPr>
-              <a:cxnSpLocks/>
-            </p:cNvCxnSpPr>
-            <p:nvPr/>
-          </p:nvCxnSpPr>
-          <p:spPr>
-            <a:xfrm flipV="1">
-              <a:off x="6671374" y="3148054"/>
-              <a:ext cx="743555" cy="567971"/>
-            </a:xfrm>
-            <a:prstGeom prst="straightConnector1">
-              <a:avLst/>
-            </a:prstGeom>
-            <a:ln w="38100" cap="flat" cmpd="sng" algn="ctr">
-              <a:solidFill>
-                <a:schemeClr val="accent1"/>
-              </a:solidFill>
-              <a:prstDash val="solid"/>
-              <a:round/>
-              <a:headEnd type="none" w="med" len="med"/>
-              <a:tailEnd type="arrow" w="med" len="med"/>
-            </a:ln>
-          </p:spPr>
-          <p:style>
-            <a:lnRef idx="0">
-              <a:scrgbClr r="0" g="0" b="0"/>
-            </a:lnRef>
-            <a:fillRef idx="0">
-              <a:scrgbClr r="0" g="0" b="0"/>
-            </a:fillRef>
-            <a:effectRef idx="0">
-              <a:scrgbClr r="0" g="0" b="0"/>
-            </a:effectRef>
-            <a:fontRef idx="minor">
-              <a:schemeClr val="tx1"/>
-            </a:fontRef>
-          </p:style>
-        </p:cxnSp>
-        <p:cxnSp>
-          <p:nvCxnSpPr>
-            <p:cNvPr id="43" name="直線矢印コネクタ 42">
-              <a:extLst>
-                <a:ext uri="{FF2B5EF4-FFF2-40B4-BE49-F238E27FC236}">
-                  <a16:creationId xmlns:a16="http://schemas.microsoft.com/office/drawing/2014/main" id="{5943897E-F74E-4159-9C7C-3E167C1978EA}"/>
-                </a:ext>
-              </a:extLst>
-            </p:cNvPr>
-            <p:cNvCxnSpPr>
-              <a:cxnSpLocks/>
-            </p:cNvCxnSpPr>
-            <p:nvPr/>
-          </p:nvCxnSpPr>
-          <p:spPr>
-            <a:xfrm>
-              <a:off x="6671374" y="2007390"/>
-              <a:ext cx="743555" cy="567971"/>
-            </a:xfrm>
-            <a:prstGeom prst="straightConnector1">
-              <a:avLst/>
-            </a:prstGeom>
-            <a:ln w="38100" cap="flat" cmpd="sng" algn="ctr">
-              <a:solidFill>
-                <a:schemeClr val="accent1"/>
-              </a:solidFill>
-              <a:prstDash val="solid"/>
-              <a:round/>
-              <a:headEnd type="none" w="med" len="med"/>
-              <a:tailEnd type="arrow" w="med" len="med"/>
-            </a:ln>
-          </p:spPr>
-          <p:style>
-            <a:lnRef idx="0">
-              <a:scrgbClr r="0" g="0" b="0"/>
-            </a:lnRef>
-            <a:fillRef idx="0">
-              <a:scrgbClr r="0" g="0" b="0"/>
-            </a:fillRef>
-            <a:effectRef idx="0">
-              <a:scrgbClr r="0" g="0" b="0"/>
-            </a:effectRef>
-            <a:fontRef idx="minor">
-              <a:schemeClr val="tx1"/>
-            </a:fontRef>
-          </p:style>
-        </p:cxnSp>
-        <p:sp>
-          <p:nvSpPr>
-            <p:cNvPr id="47" name="六角形 46">
-              <a:extLst>
-                <a:ext uri="{FF2B5EF4-FFF2-40B4-BE49-F238E27FC236}">
-                  <a16:creationId xmlns:a16="http://schemas.microsoft.com/office/drawing/2014/main" id="{40357447-076F-4F8C-91A7-77787940CDA8}"/>
-                </a:ext>
-              </a:extLst>
-            </p:cNvPr>
-            <p:cNvSpPr/>
-            <p:nvPr/>
-          </p:nvSpPr>
-          <p:spPr>
-            <a:xfrm rot="5400000">
-              <a:off x="382634" y="2032875"/>
-              <a:ext cx="1515062" cy="1668558"/>
-            </a:xfrm>
-            <a:prstGeom prst="hexagon">
-              <a:avLst/>
-            </a:prstGeom>
-          </p:spPr>
-          <p:style>
-            <a:lnRef idx="2">
-              <a:schemeClr val="accent1">
-                <a:shade val="50000"/>
-              </a:schemeClr>
-            </a:lnRef>
-            <a:fillRef idx="1">
-              <a:schemeClr val="accent1"/>
-            </a:fillRef>
-            <a:effectRef idx="0">
-              <a:schemeClr val="accent1"/>
-            </a:effectRef>
-            <a:fontRef idx="minor">
-              <a:schemeClr val="lt1"/>
-            </a:fontRef>
-          </p:style>
-          <p:txBody>
-            <a:bodyPr vert="vert270" wrap="square" lIns="0" tIns="0" rIns="0" bIns="0" rtlCol="0" anchor="ctr"/>
-            <a:lstStyle/>
-            <a:p>
-              <a:pPr algn="ctr"/>
-              <a:r>
-                <a:rPr kumimoji="1" lang="en-US" altLang="ja-JP" sz="1100" dirty="0"/>
-                <a:t>AZ-203</a:t>
-              </a:r>
-            </a:p>
-            <a:p>
-              <a:pPr algn="ctr"/>
-              <a:endParaRPr kumimoji="1" lang="en-US" altLang="ja-JP" sz="1100" dirty="0"/>
-            </a:p>
-            <a:p>
-              <a:pPr algn="ctr"/>
-              <a:r>
-                <a:rPr lang="en-US" altLang="ja-JP" sz="1100" dirty="0"/>
-                <a:t>Developing Solutions for Microsoft Azure</a:t>
-              </a:r>
-              <a:endParaRPr kumimoji="1" lang="ja-JP" altLang="en-US" sz="1100" dirty="0"/>
-            </a:p>
-          </p:txBody>
-        </p:sp>
-        <p:cxnSp>
-          <p:nvCxnSpPr>
-            <p:cNvPr id="48" name="直線矢印コネクタ 47">
-              <a:extLst>
-                <a:ext uri="{FF2B5EF4-FFF2-40B4-BE49-F238E27FC236}">
-                  <a16:creationId xmlns:a16="http://schemas.microsoft.com/office/drawing/2014/main" id="{AB300B85-73C8-437B-A568-11A42CC8A106}"/>
-                </a:ext>
-              </a:extLst>
-            </p:cNvPr>
-            <p:cNvCxnSpPr>
-              <a:cxnSpLocks/>
-            </p:cNvCxnSpPr>
-            <p:nvPr/>
-          </p:nvCxnSpPr>
-          <p:spPr>
-            <a:xfrm>
-              <a:off x="2093016" y="994170"/>
-              <a:ext cx="917867" cy="12705"/>
-            </a:xfrm>
-            <a:prstGeom prst="straightConnector1">
-              <a:avLst/>
-            </a:prstGeom>
-            <a:ln w="38100" cap="flat" cmpd="sng" algn="ctr">
-              <a:solidFill>
-                <a:schemeClr val="accent1"/>
-              </a:solidFill>
-              <a:prstDash val="solid"/>
-              <a:round/>
-              <a:headEnd type="none" w="med" len="med"/>
-              <a:tailEnd type="arrow" w="med" len="med"/>
-            </a:ln>
-          </p:spPr>
-          <p:style>
-            <a:lnRef idx="0">
-              <a:scrgbClr r="0" g="0" b="0"/>
-            </a:lnRef>
-            <a:fillRef idx="0">
-              <a:scrgbClr r="0" g="0" b="0"/>
-            </a:fillRef>
-            <a:effectRef idx="0">
-              <a:scrgbClr r="0" g="0" b="0"/>
-            </a:effectRef>
-            <a:fontRef idx="minor">
-              <a:schemeClr val="tx1"/>
-            </a:fontRef>
-          </p:style>
-        </p:cxnSp>
-        <p:cxnSp>
-          <p:nvCxnSpPr>
-            <p:cNvPr id="49" name="直線矢印コネクタ 48">
-              <a:extLst>
-                <a:ext uri="{FF2B5EF4-FFF2-40B4-BE49-F238E27FC236}">
-                  <a16:creationId xmlns:a16="http://schemas.microsoft.com/office/drawing/2014/main" id="{8689492F-585F-4B00-888D-B8BFFD1BD0E8}"/>
-                </a:ext>
-              </a:extLst>
-            </p:cNvPr>
-            <p:cNvCxnSpPr>
-              <a:cxnSpLocks/>
-            </p:cNvCxnSpPr>
-            <p:nvPr/>
-          </p:nvCxnSpPr>
-          <p:spPr>
-            <a:xfrm>
-              <a:off x="2024487" y="2870318"/>
-              <a:ext cx="917867" cy="12705"/>
-            </a:xfrm>
-            <a:prstGeom prst="straightConnector1">
-              <a:avLst/>
-            </a:prstGeom>
-            <a:ln w="38100" cap="flat" cmpd="sng" algn="ctr">
-              <a:solidFill>
-                <a:schemeClr val="accent1"/>
-              </a:solidFill>
-              <a:prstDash val="solid"/>
-              <a:round/>
-              <a:headEnd type="none" w="med" len="med"/>
-              <a:tailEnd type="arrow" w="med" len="med"/>
-            </a:ln>
-          </p:spPr>
-          <p:style>
-            <a:lnRef idx="0">
-              <a:scrgbClr r="0" g="0" b="0"/>
-            </a:lnRef>
-            <a:fillRef idx="0">
-              <a:scrgbClr r="0" g="0" b="0"/>
-            </a:fillRef>
-            <a:effectRef idx="0">
-              <a:scrgbClr r="0" g="0" b="0"/>
-            </a:effectRef>
-            <a:fontRef idx="minor">
-              <a:schemeClr val="tx1"/>
-            </a:fontRef>
-          </p:style>
-        </p:cxnSp>
-        <p:cxnSp>
-          <p:nvCxnSpPr>
-            <p:cNvPr id="50" name="直線矢印コネクタ 49">
-              <a:extLst>
-                <a:ext uri="{FF2B5EF4-FFF2-40B4-BE49-F238E27FC236}">
-                  <a16:creationId xmlns:a16="http://schemas.microsoft.com/office/drawing/2014/main" id="{7687CE3D-9D73-43F7-9DC5-6C23331B1260}"/>
-                </a:ext>
-              </a:extLst>
-            </p:cNvPr>
-            <p:cNvCxnSpPr>
-              <a:cxnSpLocks/>
-            </p:cNvCxnSpPr>
-            <p:nvPr/>
-          </p:nvCxnSpPr>
-          <p:spPr>
-            <a:xfrm>
-              <a:off x="-3770267" y="994168"/>
-              <a:ext cx="917867" cy="12705"/>
-            </a:xfrm>
-            <a:prstGeom prst="straightConnector1">
-              <a:avLst/>
-            </a:prstGeom>
-            <a:ln w="38100" cap="flat" cmpd="sng" algn="ctr">
-              <a:solidFill>
-                <a:schemeClr val="accent1"/>
-              </a:solidFill>
-              <a:prstDash val="solid"/>
-              <a:round/>
-              <a:headEnd type="none" w="med" len="med"/>
-              <a:tailEnd type="arrow" w="med" len="med"/>
-            </a:ln>
-          </p:spPr>
-          <p:style>
-            <a:lnRef idx="0">
-              <a:scrgbClr r="0" g="0" b="0"/>
-            </a:lnRef>
-            <a:fillRef idx="0">
-              <a:scrgbClr r="0" g="0" b="0"/>
-            </a:fillRef>
-            <a:effectRef idx="0">
-              <a:scrgbClr r="0" g="0" b="0"/>
-            </a:effectRef>
-            <a:fontRef idx="minor">
-              <a:schemeClr val="tx1"/>
-            </a:fontRef>
-          </p:style>
-        </p:cxnSp>
-        <p:sp>
-          <p:nvSpPr>
-            <p:cNvPr id="51" name="六角形 50">
-              <a:extLst>
-                <a:ext uri="{FF2B5EF4-FFF2-40B4-BE49-F238E27FC236}">
-                  <a16:creationId xmlns:a16="http://schemas.microsoft.com/office/drawing/2014/main" id="{D3F9C685-A208-4AF9-9679-B658EE67C150}"/>
-                </a:ext>
-              </a:extLst>
-            </p:cNvPr>
-            <p:cNvSpPr/>
-            <p:nvPr/>
-          </p:nvSpPr>
-          <p:spPr>
-            <a:xfrm rot="5400000">
-              <a:off x="9459977" y="5852271"/>
-              <a:ext cx="1515062" cy="1516871"/>
-            </a:xfrm>
-            <a:prstGeom prst="hexagon">
-              <a:avLst/>
-            </a:prstGeom>
-          </p:spPr>
-          <p:style>
-            <a:lnRef idx="2">
-              <a:schemeClr val="accent1">
-                <a:shade val="50000"/>
-              </a:schemeClr>
-            </a:lnRef>
-            <a:fillRef idx="1">
-              <a:schemeClr val="accent1"/>
-            </a:fillRef>
-            <a:effectRef idx="0">
-              <a:schemeClr val="accent1"/>
-            </a:effectRef>
-            <a:fontRef idx="minor">
-              <a:schemeClr val="lt1"/>
-            </a:fontRef>
-          </p:style>
-          <p:txBody>
-            <a:bodyPr vert="vert270" wrap="square" lIns="0" tIns="0" rIns="0" bIns="0" rtlCol="0" anchor="ctr"/>
-            <a:lstStyle/>
-            <a:p>
-              <a:pPr algn="ctr"/>
-              <a:endParaRPr kumimoji="1" lang="ja-JP" altLang="en-US" sz="1100" dirty="0"/>
-            </a:p>
-          </p:txBody>
-        </p:sp>
-        <p:sp>
-          <p:nvSpPr>
-            <p:cNvPr id="52" name="四角形: 角を丸くする 51">
-              <a:extLst>
-                <a:ext uri="{FF2B5EF4-FFF2-40B4-BE49-F238E27FC236}">
-                  <a16:creationId xmlns:a16="http://schemas.microsoft.com/office/drawing/2014/main" id="{B3ABDCD9-9465-4AE4-A54A-A23ACDDCE000}"/>
-                </a:ext>
-              </a:extLst>
-            </p:cNvPr>
-            <p:cNvSpPr/>
-            <p:nvPr/>
-          </p:nvSpPr>
-          <p:spPr>
-            <a:xfrm>
-              <a:off x="9248843" y="6330364"/>
-              <a:ext cx="1971933" cy="560683"/>
-            </a:xfrm>
-            <a:prstGeom prst="roundRect">
-              <a:avLst/>
-            </a:prstGeom>
-          </p:spPr>
-          <p:style>
-            <a:lnRef idx="2">
-              <a:schemeClr val="accent1"/>
-            </a:lnRef>
-            <a:fillRef idx="1">
-              <a:schemeClr val="lt1"/>
-            </a:fillRef>
-            <a:effectRef idx="0">
-              <a:schemeClr val="accent1"/>
-            </a:effectRef>
-            <a:fontRef idx="minor">
-              <a:schemeClr val="dk1"/>
-            </a:fontRef>
-          </p:style>
-          <p:txBody>
-            <a:bodyPr rtlCol="0" anchor="ctr"/>
-            <a:lstStyle/>
-            <a:p>
-              <a:pPr algn="ctr"/>
-              <a:r>
-                <a:rPr kumimoji="1" lang="en-US" altLang="ja-JP" sz="1200" b="1" dirty="0">
-                  <a:solidFill>
-                    <a:schemeClr val="tx2"/>
-                  </a:solidFill>
-                </a:rPr>
-                <a:t>Azure Solutions</a:t>
-              </a:r>
-              <a:r>
-                <a:rPr lang="en-US" altLang="ja-JP" sz="1200" b="1" dirty="0">
-                  <a:solidFill>
-                    <a:schemeClr val="tx2"/>
-                  </a:solidFill>
-                </a:rPr>
-                <a:t> Architect Expert</a:t>
-              </a:r>
-              <a:endParaRPr kumimoji="1" lang="en-US" altLang="ja-JP" sz="1200" b="1" dirty="0">
-                <a:solidFill>
-                  <a:schemeClr val="tx2"/>
-                </a:solidFill>
-              </a:endParaRPr>
-            </a:p>
-          </p:txBody>
-        </p:sp>
-        <p:sp>
-          <p:nvSpPr>
-            <p:cNvPr id="54" name="フローチャート: 判断 53">
-              <a:extLst>
-                <a:ext uri="{FF2B5EF4-FFF2-40B4-BE49-F238E27FC236}">
-                  <a16:creationId xmlns:a16="http://schemas.microsoft.com/office/drawing/2014/main" id="{0C1F81A6-BA97-47AB-A107-26BD8D3AA1C7}"/>
-                </a:ext>
-              </a:extLst>
-            </p:cNvPr>
-            <p:cNvSpPr/>
-            <p:nvPr/>
-          </p:nvSpPr>
-          <p:spPr>
-            <a:xfrm>
-              <a:off x="7259646" y="6282757"/>
-              <a:ext cx="979064" cy="702117"/>
-            </a:xfrm>
-            <a:prstGeom prst="flowChartDecision">
-              <a:avLst/>
-            </a:prstGeom>
-          </p:spPr>
-          <p:style>
-            <a:lnRef idx="2">
-              <a:schemeClr val="accent1"/>
-            </a:lnRef>
-            <a:fillRef idx="1">
-              <a:schemeClr val="lt1"/>
-            </a:fillRef>
-            <a:effectRef idx="0">
-              <a:schemeClr val="accent1"/>
-            </a:effectRef>
-            <a:fontRef idx="minor">
-              <a:schemeClr val="dk1"/>
-            </a:fontRef>
-          </p:style>
-          <p:txBody>
-            <a:bodyPr wrap="none" rtlCol="0" anchor="ctr"/>
-            <a:lstStyle/>
-            <a:p>
-              <a:pPr algn="ctr"/>
-              <a:r>
-                <a:rPr lang="en-US" altLang="ja-JP" sz="1600" dirty="0"/>
-                <a:t>AND</a:t>
-              </a:r>
-              <a:endParaRPr kumimoji="1" lang="ja-JP" altLang="en-US" sz="1600" dirty="0"/>
-            </a:p>
-          </p:txBody>
-        </p:sp>
-        <p:cxnSp>
-          <p:nvCxnSpPr>
-            <p:cNvPr id="55" name="直線矢印コネクタ 54">
-              <a:extLst>
-                <a:ext uri="{FF2B5EF4-FFF2-40B4-BE49-F238E27FC236}">
-                  <a16:creationId xmlns:a16="http://schemas.microsoft.com/office/drawing/2014/main" id="{DEEC311E-04B0-41BA-B10A-F6940604629A}"/>
-                </a:ext>
-              </a:extLst>
-            </p:cNvPr>
-            <p:cNvCxnSpPr>
-              <a:cxnSpLocks/>
-            </p:cNvCxnSpPr>
-            <p:nvPr/>
-          </p:nvCxnSpPr>
-          <p:spPr>
-            <a:xfrm>
-              <a:off x="8294045" y="6621111"/>
-              <a:ext cx="917867" cy="12705"/>
-            </a:xfrm>
-            <a:prstGeom prst="straightConnector1">
-              <a:avLst/>
-            </a:prstGeom>
-            <a:ln w="38100" cap="flat" cmpd="sng" algn="ctr">
-              <a:solidFill>
-                <a:schemeClr val="accent1"/>
-              </a:solidFill>
-              <a:prstDash val="solid"/>
-              <a:round/>
-              <a:headEnd type="none" w="med" len="med"/>
-              <a:tailEnd type="arrow" w="med" len="med"/>
-            </a:ln>
-          </p:spPr>
-          <p:style>
-            <a:lnRef idx="0">
-              <a:scrgbClr r="0" g="0" b="0"/>
-            </a:lnRef>
-            <a:fillRef idx="0">
-              <a:scrgbClr r="0" g="0" b="0"/>
-            </a:fillRef>
-            <a:effectRef idx="0">
-              <a:scrgbClr r="0" g="0" b="0"/>
-            </a:effectRef>
-            <a:fontRef idx="minor">
-              <a:schemeClr val="tx1"/>
-            </a:fontRef>
-          </p:style>
-        </p:cxnSp>
-        <p:sp>
-          <p:nvSpPr>
-            <p:cNvPr id="56" name="六角形 55">
-              <a:extLst>
-                <a:ext uri="{FF2B5EF4-FFF2-40B4-BE49-F238E27FC236}">
-                  <a16:creationId xmlns:a16="http://schemas.microsoft.com/office/drawing/2014/main" id="{7E99398A-E1BD-4A6B-816E-0CA7E79BE9F2}"/>
-                </a:ext>
-              </a:extLst>
-            </p:cNvPr>
-            <p:cNvSpPr/>
-            <p:nvPr/>
-          </p:nvSpPr>
-          <p:spPr>
-            <a:xfrm rot="5400000">
-              <a:off x="5374911" y="4860551"/>
-              <a:ext cx="1515062" cy="1668558"/>
-            </a:xfrm>
-            <a:prstGeom prst="hexagon">
-              <a:avLst/>
-            </a:prstGeom>
-          </p:spPr>
-          <p:style>
-            <a:lnRef idx="2">
-              <a:schemeClr val="accent1">
-                <a:shade val="50000"/>
-              </a:schemeClr>
-            </a:lnRef>
-            <a:fillRef idx="1">
-              <a:schemeClr val="accent1"/>
-            </a:fillRef>
-            <a:effectRef idx="0">
-              <a:schemeClr val="accent1"/>
-            </a:effectRef>
-            <a:fontRef idx="minor">
-              <a:schemeClr val="lt1"/>
-            </a:fontRef>
-          </p:style>
-          <p:txBody>
-            <a:bodyPr vert="vert270" wrap="square" lIns="0" tIns="0" rIns="0" bIns="0" rtlCol="0" anchor="ctr"/>
-            <a:lstStyle/>
-            <a:p>
-              <a:pPr algn="ctr"/>
-              <a:r>
-                <a:rPr lang="en-US" altLang="ja-JP" sz="1100" dirty="0"/>
-                <a:t>AZ-300</a:t>
-              </a:r>
-              <a:br>
-                <a:rPr lang="en-US" altLang="ja-JP" sz="1100" dirty="0"/>
-              </a:br>
-              <a:br>
-                <a:rPr lang="en-US" altLang="ja-JP" sz="1100" dirty="0"/>
-              </a:br>
-              <a:r>
-                <a:rPr lang="en-US" altLang="ja-JP" sz="1100" dirty="0"/>
-                <a:t>Microsoft Azure Architect Technologies</a:t>
-              </a:r>
-              <a:endParaRPr kumimoji="1" lang="ja-JP" altLang="en-US" sz="1100" dirty="0"/>
-            </a:p>
-          </p:txBody>
-        </p:sp>
-        <p:cxnSp>
-          <p:nvCxnSpPr>
-            <p:cNvPr id="57" name="直線矢印コネクタ 56">
-              <a:extLst>
-                <a:ext uri="{FF2B5EF4-FFF2-40B4-BE49-F238E27FC236}">
-                  <a16:creationId xmlns:a16="http://schemas.microsoft.com/office/drawing/2014/main" id="{EC8D5136-92AD-4741-B434-82CBB1940082}"/>
-                </a:ext>
-              </a:extLst>
-            </p:cNvPr>
-            <p:cNvCxnSpPr>
-              <a:cxnSpLocks/>
-            </p:cNvCxnSpPr>
-            <p:nvPr/>
-          </p:nvCxnSpPr>
-          <p:spPr>
-            <a:xfrm flipV="1">
-              <a:off x="6671374" y="6891047"/>
-              <a:ext cx="743555" cy="567971"/>
-            </a:xfrm>
-            <a:prstGeom prst="straightConnector1">
-              <a:avLst/>
-            </a:prstGeom>
-            <a:ln w="38100" cap="flat" cmpd="sng" algn="ctr">
-              <a:solidFill>
-                <a:schemeClr val="accent1"/>
-              </a:solidFill>
-              <a:prstDash val="solid"/>
-              <a:round/>
-              <a:headEnd type="none" w="med" len="med"/>
-              <a:tailEnd type="arrow" w="med" len="med"/>
-            </a:ln>
-          </p:spPr>
-          <p:style>
-            <a:lnRef idx="0">
-              <a:scrgbClr r="0" g="0" b="0"/>
-            </a:lnRef>
-            <a:fillRef idx="0">
-              <a:scrgbClr r="0" g="0" b="0"/>
-            </a:fillRef>
-            <a:effectRef idx="0">
-              <a:scrgbClr r="0" g="0" b="0"/>
-            </a:effectRef>
-            <a:fontRef idx="minor">
-              <a:schemeClr val="tx1"/>
-            </a:fontRef>
-          </p:style>
-        </p:cxnSp>
-        <p:cxnSp>
-          <p:nvCxnSpPr>
-            <p:cNvPr id="58" name="直線矢印コネクタ 57">
-              <a:extLst>
-                <a:ext uri="{FF2B5EF4-FFF2-40B4-BE49-F238E27FC236}">
-                  <a16:creationId xmlns:a16="http://schemas.microsoft.com/office/drawing/2014/main" id="{054EE841-0F5D-4526-B8A9-CE5D44AE9779}"/>
-                </a:ext>
-              </a:extLst>
-            </p:cNvPr>
-            <p:cNvCxnSpPr>
-              <a:cxnSpLocks/>
-            </p:cNvCxnSpPr>
-            <p:nvPr/>
-          </p:nvCxnSpPr>
-          <p:spPr>
-            <a:xfrm>
-              <a:off x="6671374" y="5750383"/>
-              <a:ext cx="743555" cy="567971"/>
-            </a:xfrm>
-            <a:prstGeom prst="straightConnector1">
-              <a:avLst/>
-            </a:prstGeom>
-            <a:ln w="38100" cap="flat" cmpd="sng" algn="ctr">
-              <a:solidFill>
-                <a:schemeClr val="accent1"/>
-              </a:solidFill>
-              <a:prstDash val="solid"/>
-              <a:round/>
-              <a:headEnd type="none" w="med" len="med"/>
-              <a:tailEnd type="arrow" w="med" len="med"/>
-            </a:ln>
-          </p:spPr>
-          <p:style>
-            <a:lnRef idx="0">
-              <a:scrgbClr r="0" g="0" b="0"/>
-            </a:lnRef>
-            <a:fillRef idx="0">
-              <a:scrgbClr r="0" g="0" b="0"/>
-            </a:fillRef>
-            <a:effectRef idx="0">
-              <a:scrgbClr r="0" g="0" b="0"/>
-            </a:effectRef>
-            <a:fontRef idx="minor">
-              <a:schemeClr val="tx1"/>
-            </a:fontRef>
-          </p:style>
-        </p:cxnSp>
-        <p:sp>
-          <p:nvSpPr>
-            <p:cNvPr id="59" name="六角形 58">
-              <a:extLst>
-                <a:ext uri="{FF2B5EF4-FFF2-40B4-BE49-F238E27FC236}">
-                  <a16:creationId xmlns:a16="http://schemas.microsoft.com/office/drawing/2014/main" id="{ED6E1177-1FF8-43AB-8785-1046424AC7E6}"/>
-                </a:ext>
-              </a:extLst>
-            </p:cNvPr>
-            <p:cNvSpPr/>
-            <p:nvPr/>
-          </p:nvSpPr>
-          <p:spPr>
-            <a:xfrm rot="5400000">
-              <a:off x="5373700" y="6669620"/>
-              <a:ext cx="1515062" cy="1668558"/>
-            </a:xfrm>
-            <a:prstGeom prst="hexagon">
-              <a:avLst/>
-            </a:prstGeom>
-          </p:spPr>
-          <p:style>
-            <a:lnRef idx="2">
-              <a:schemeClr val="accent1">
-                <a:shade val="50000"/>
-              </a:schemeClr>
-            </a:lnRef>
-            <a:fillRef idx="1">
-              <a:schemeClr val="accent1"/>
-            </a:fillRef>
-            <a:effectRef idx="0">
-              <a:schemeClr val="accent1"/>
-            </a:effectRef>
-            <a:fontRef idx="minor">
-              <a:schemeClr val="lt1"/>
-            </a:fontRef>
-          </p:style>
-          <p:txBody>
-            <a:bodyPr vert="vert270" wrap="square" lIns="0" tIns="0" rIns="0" bIns="0" rtlCol="0" anchor="ctr"/>
-            <a:lstStyle/>
-            <a:p>
-              <a:pPr algn="ctr"/>
-              <a:r>
-                <a:rPr lang="en-US" altLang="ja-JP" sz="1100" dirty="0"/>
-                <a:t>AZ-301</a:t>
-              </a:r>
-              <a:br>
-                <a:rPr lang="en-US" altLang="ja-JP" sz="1100" dirty="0"/>
-              </a:br>
-              <a:br>
-                <a:rPr lang="en-US" altLang="ja-JP" sz="1100" dirty="0"/>
-              </a:br>
-              <a:r>
-                <a:rPr lang="en-US" altLang="ja-JP" sz="1100" dirty="0"/>
-                <a:t>Microsoft Azure Architect Design</a:t>
-              </a:r>
-              <a:endParaRPr kumimoji="1" lang="ja-JP" altLang="en-US" sz="1100" dirty="0"/>
-            </a:p>
-          </p:txBody>
-        </p:sp>
-        <p:sp>
-          <p:nvSpPr>
-            <p:cNvPr id="60" name="六角形 59">
-              <a:extLst>
-                <a:ext uri="{FF2B5EF4-FFF2-40B4-BE49-F238E27FC236}">
-                  <a16:creationId xmlns:a16="http://schemas.microsoft.com/office/drawing/2014/main" id="{FDF93886-10BF-4328-B158-8022FD772A09}"/>
-                </a:ext>
-              </a:extLst>
-            </p:cNvPr>
-            <p:cNvSpPr/>
-            <p:nvPr/>
-          </p:nvSpPr>
-          <p:spPr>
-            <a:xfrm rot="5400000">
-              <a:off x="3221566" y="-1551166"/>
-              <a:ext cx="1515062" cy="1516871"/>
-            </a:xfrm>
-            <a:prstGeom prst="hexagon">
-              <a:avLst/>
-            </a:prstGeom>
-          </p:spPr>
-          <p:style>
-            <a:lnRef idx="2">
-              <a:schemeClr val="accent1">
-                <a:shade val="50000"/>
-              </a:schemeClr>
-            </a:lnRef>
-            <a:fillRef idx="1">
-              <a:schemeClr val="accent1"/>
-            </a:fillRef>
-            <a:effectRef idx="0">
-              <a:schemeClr val="accent1"/>
-            </a:effectRef>
-            <a:fontRef idx="minor">
-              <a:schemeClr val="lt1"/>
-            </a:fontRef>
-          </p:style>
-          <p:txBody>
-            <a:bodyPr vert="vert270" wrap="square" lIns="0" tIns="0" rIns="0" bIns="0" rtlCol="0" anchor="ctr"/>
-            <a:lstStyle/>
-            <a:p>
-              <a:pPr algn="ctr"/>
-              <a:endParaRPr kumimoji="1" lang="ja-JP" altLang="en-US" sz="1100" dirty="0"/>
-            </a:p>
-          </p:txBody>
-        </p:sp>
-        <p:sp>
-          <p:nvSpPr>
-            <p:cNvPr id="61" name="四角形: 角を丸くする 60">
-              <a:extLst>
-                <a:ext uri="{FF2B5EF4-FFF2-40B4-BE49-F238E27FC236}">
-                  <a16:creationId xmlns:a16="http://schemas.microsoft.com/office/drawing/2014/main" id="{069E75BE-E08A-4549-B79E-E5499781AFD8}"/>
-                </a:ext>
-              </a:extLst>
-            </p:cNvPr>
-            <p:cNvSpPr/>
-            <p:nvPr/>
-          </p:nvSpPr>
-          <p:spPr>
-            <a:xfrm>
-              <a:off x="3010432" y="-1073073"/>
-              <a:ext cx="1971933" cy="560683"/>
-            </a:xfrm>
-            <a:prstGeom prst="roundRect">
-              <a:avLst/>
-            </a:prstGeom>
-          </p:spPr>
-          <p:style>
-            <a:lnRef idx="2">
-              <a:schemeClr val="accent1"/>
-            </a:lnRef>
-            <a:fillRef idx="1">
-              <a:schemeClr val="lt1"/>
-            </a:fillRef>
-            <a:effectRef idx="0">
-              <a:schemeClr val="accent1"/>
-            </a:effectRef>
-            <a:fontRef idx="minor">
-              <a:schemeClr val="dk1"/>
-            </a:fontRef>
-          </p:style>
-          <p:txBody>
-            <a:bodyPr rtlCol="0" anchor="ctr"/>
-            <a:lstStyle/>
-            <a:p>
-              <a:pPr algn="ctr"/>
-              <a:r>
-                <a:rPr lang="en-US" altLang="ja-JP" sz="1200" b="1" dirty="0">
-                  <a:solidFill>
-                    <a:schemeClr val="tx2"/>
-                  </a:solidFill>
-                </a:rPr>
-                <a:t>Azure Security Engineer Associate</a:t>
-              </a:r>
-              <a:endParaRPr kumimoji="1" lang="en-US" altLang="ja-JP" sz="1200" b="1" dirty="0">
-                <a:solidFill>
-                  <a:schemeClr val="tx2"/>
-                </a:solidFill>
-              </a:endParaRPr>
-            </a:p>
-          </p:txBody>
-        </p:sp>
-        <p:sp>
-          <p:nvSpPr>
-            <p:cNvPr id="62" name="六角形 61">
-              <a:extLst>
-                <a:ext uri="{FF2B5EF4-FFF2-40B4-BE49-F238E27FC236}">
-                  <a16:creationId xmlns:a16="http://schemas.microsoft.com/office/drawing/2014/main" id="{E5B36B88-5767-4975-B6D7-3C4A43DE86C1}"/>
-                </a:ext>
-              </a:extLst>
-            </p:cNvPr>
-            <p:cNvSpPr/>
-            <p:nvPr/>
-          </p:nvSpPr>
-          <p:spPr>
-            <a:xfrm rot="5400000">
-              <a:off x="392173" y="-1608915"/>
-              <a:ext cx="1515062" cy="1668558"/>
-            </a:xfrm>
-            <a:prstGeom prst="hexagon">
-              <a:avLst/>
-            </a:prstGeom>
-          </p:spPr>
-          <p:style>
-            <a:lnRef idx="2">
-              <a:schemeClr val="accent1">
-                <a:shade val="50000"/>
-              </a:schemeClr>
-            </a:lnRef>
-            <a:fillRef idx="1">
-              <a:schemeClr val="accent1"/>
-            </a:fillRef>
-            <a:effectRef idx="0">
-              <a:schemeClr val="accent1"/>
-            </a:effectRef>
-            <a:fontRef idx="minor">
-              <a:schemeClr val="lt1"/>
-            </a:fontRef>
-          </p:style>
-          <p:txBody>
-            <a:bodyPr vert="vert270" wrap="square" lIns="0" tIns="0" rIns="0" bIns="0" rtlCol="0" anchor="ctr"/>
-            <a:lstStyle/>
-            <a:p>
-              <a:pPr algn="ctr"/>
-              <a:r>
-                <a:rPr kumimoji="1" lang="en-US" altLang="ja-JP" sz="1100" dirty="0"/>
-                <a:t>AZ-500</a:t>
-              </a:r>
-            </a:p>
-            <a:p>
-              <a:pPr algn="ctr"/>
-              <a:endParaRPr kumimoji="1" lang="en-US" altLang="ja-JP" sz="1100" dirty="0"/>
-            </a:p>
-            <a:p>
-              <a:pPr algn="ctr"/>
-              <a:r>
-                <a:rPr lang="en-US" altLang="ja-JP" sz="1100" dirty="0"/>
-                <a:t>Microsoft Azure Security Technologies</a:t>
-              </a:r>
-              <a:endParaRPr kumimoji="1" lang="ja-JP" altLang="en-US" sz="1100" dirty="0"/>
-            </a:p>
-          </p:txBody>
-        </p:sp>
-        <p:cxnSp>
-          <p:nvCxnSpPr>
-            <p:cNvPr id="63" name="直線矢印コネクタ 62">
-              <a:extLst>
-                <a:ext uri="{FF2B5EF4-FFF2-40B4-BE49-F238E27FC236}">
-                  <a16:creationId xmlns:a16="http://schemas.microsoft.com/office/drawing/2014/main" id="{954F3440-BA87-4AF2-B638-891B5D454D95}"/>
-                </a:ext>
-              </a:extLst>
-            </p:cNvPr>
-            <p:cNvCxnSpPr>
-              <a:cxnSpLocks/>
-            </p:cNvCxnSpPr>
-            <p:nvPr/>
-          </p:nvCxnSpPr>
-          <p:spPr>
-            <a:xfrm>
-              <a:off x="2045063" y="-787343"/>
-              <a:ext cx="917867" cy="12705"/>
-            </a:xfrm>
-            <a:prstGeom prst="straightConnector1">
-              <a:avLst/>
-            </a:prstGeom>
-            <a:ln w="38100" cap="flat" cmpd="sng" algn="ctr">
-              <a:solidFill>
-                <a:schemeClr val="accent1"/>
-              </a:solidFill>
-              <a:prstDash val="solid"/>
-              <a:round/>
-              <a:headEnd type="none" w="med" len="med"/>
-              <a:tailEnd type="arrow" w="med" len="med"/>
-            </a:ln>
-          </p:spPr>
-          <p:style>
-            <a:lnRef idx="0">
-              <a:scrgbClr r="0" g="0" b="0"/>
-            </a:lnRef>
-            <a:fillRef idx="0">
-              <a:scrgbClr r="0" g="0" b="0"/>
-            </a:fillRef>
-            <a:effectRef idx="0">
-              <a:scrgbClr r="0" g="0" b="0"/>
-            </a:effectRef>
-            <a:fontRef idx="minor">
-              <a:schemeClr val="tx1"/>
-            </a:fontRef>
-          </p:style>
-        </p:cxnSp>
-        <p:cxnSp>
-          <p:nvCxnSpPr>
-            <p:cNvPr id="64" name="直線矢印コネクタ 63">
-              <a:extLst>
-                <a:ext uri="{FF2B5EF4-FFF2-40B4-BE49-F238E27FC236}">
-                  <a16:creationId xmlns:a16="http://schemas.microsoft.com/office/drawing/2014/main" id="{E287DA74-2904-4956-BF36-1E6DC9E227F9}"/>
-                </a:ext>
-              </a:extLst>
-            </p:cNvPr>
-            <p:cNvCxnSpPr>
-              <a:cxnSpLocks/>
-            </p:cNvCxnSpPr>
-            <p:nvPr/>
-          </p:nvCxnSpPr>
-          <p:spPr>
-            <a:xfrm>
-              <a:off x="-734564" y="982426"/>
-              <a:ext cx="917867" cy="12705"/>
-            </a:xfrm>
-            <a:prstGeom prst="straightConnector1">
-              <a:avLst/>
-            </a:prstGeom>
-            <a:ln w="38100" cap="flat" cmpd="sng" algn="ctr">
-              <a:solidFill>
-                <a:schemeClr val="accent1"/>
-              </a:solidFill>
-              <a:prstDash val="dash"/>
-              <a:round/>
-              <a:headEnd type="none" w="med" len="med"/>
-              <a:tailEnd type="arrow" w="med" len="med"/>
-            </a:ln>
-          </p:spPr>
-          <p:style>
-            <a:lnRef idx="0">
-              <a:scrgbClr r="0" g="0" b="0"/>
-            </a:lnRef>
-            <a:fillRef idx="0">
-              <a:scrgbClr r="0" g="0" b="0"/>
-            </a:fillRef>
-            <a:effectRef idx="0">
-              <a:scrgbClr r="0" g="0" b="0"/>
-            </a:effectRef>
-            <a:fontRef idx="minor">
-              <a:schemeClr val="tx1"/>
-            </a:fontRef>
-          </p:style>
-        </p:cxnSp>
-        <p:cxnSp>
-          <p:nvCxnSpPr>
-            <p:cNvPr id="65" name="直線矢印コネクタ 64">
-              <a:extLst>
-                <a:ext uri="{FF2B5EF4-FFF2-40B4-BE49-F238E27FC236}">
-                  <a16:creationId xmlns:a16="http://schemas.microsoft.com/office/drawing/2014/main" id="{E4434676-CA1B-4E55-937F-A022578F1DEB}"/>
-                </a:ext>
-              </a:extLst>
-            </p:cNvPr>
-            <p:cNvCxnSpPr>
-              <a:cxnSpLocks/>
-            </p:cNvCxnSpPr>
-            <p:nvPr/>
-          </p:nvCxnSpPr>
-          <p:spPr>
-            <a:xfrm flipV="1">
-              <a:off x="-722473" y="0"/>
-              <a:ext cx="881354" cy="640755"/>
-            </a:xfrm>
-            <a:prstGeom prst="straightConnector1">
-              <a:avLst/>
-            </a:prstGeom>
-            <a:ln w="38100" cap="flat" cmpd="sng" algn="ctr">
-              <a:solidFill>
-                <a:schemeClr val="accent1"/>
-              </a:solidFill>
-              <a:prstDash val="dash"/>
-              <a:round/>
-              <a:headEnd type="none" w="med" len="med"/>
-              <a:tailEnd type="arrow" w="med" len="med"/>
-            </a:ln>
-          </p:spPr>
-          <p:style>
-            <a:lnRef idx="0">
-              <a:scrgbClr r="0" g="0" b="0"/>
-            </a:lnRef>
-            <a:fillRef idx="0">
-              <a:scrgbClr r="0" g="0" b="0"/>
-            </a:fillRef>
-            <a:effectRef idx="0">
-              <a:scrgbClr r="0" g="0" b="0"/>
-            </a:effectRef>
-            <a:fontRef idx="minor">
-              <a:schemeClr val="tx1"/>
-            </a:fontRef>
-          </p:style>
-        </p:cxnSp>
-        <p:cxnSp>
-          <p:nvCxnSpPr>
-            <p:cNvPr id="67" name="直線矢印コネクタ 66">
-              <a:extLst>
-                <a:ext uri="{FF2B5EF4-FFF2-40B4-BE49-F238E27FC236}">
-                  <a16:creationId xmlns:a16="http://schemas.microsoft.com/office/drawing/2014/main" id="{C9334872-71B5-4F0B-A23E-0290A8855786}"/>
-                </a:ext>
-              </a:extLst>
-            </p:cNvPr>
-            <p:cNvCxnSpPr>
-              <a:cxnSpLocks/>
-            </p:cNvCxnSpPr>
-            <p:nvPr/>
-          </p:nvCxnSpPr>
-          <p:spPr>
-            <a:xfrm>
-              <a:off x="-704216" y="1395332"/>
-              <a:ext cx="881354" cy="640755"/>
-            </a:xfrm>
-            <a:prstGeom prst="straightConnector1">
-              <a:avLst/>
-            </a:prstGeom>
-            <a:ln w="38100" cap="flat" cmpd="sng" algn="ctr">
-              <a:solidFill>
-                <a:schemeClr val="accent1"/>
-              </a:solidFill>
-              <a:prstDash val="dash"/>
-              <a:round/>
-              <a:headEnd type="none" w="med" len="med"/>
-              <a:tailEnd type="arrow" w="med" len="med"/>
-            </a:ln>
-          </p:spPr>
-          <p:style>
-            <a:lnRef idx="0">
-              <a:scrgbClr r="0" g="0" b="0"/>
-            </a:lnRef>
-            <a:fillRef idx="0">
-              <a:scrgbClr r="0" g="0" b="0"/>
-            </a:fillRef>
-            <a:effectRef idx="0">
-              <a:scrgbClr r="0" g="0" b="0"/>
-            </a:effectRef>
-            <a:fontRef idx="minor">
-              <a:schemeClr val="tx1"/>
-            </a:fontRef>
-          </p:style>
-        </p:cxnSp>
-        <p:cxnSp>
-          <p:nvCxnSpPr>
-            <p:cNvPr id="68" name="直線矢印コネクタ 67">
-              <a:extLst>
-                <a:ext uri="{FF2B5EF4-FFF2-40B4-BE49-F238E27FC236}">
-                  <a16:creationId xmlns:a16="http://schemas.microsoft.com/office/drawing/2014/main" id="{A7071E6B-6BC1-4419-81CB-32A180521143}"/>
-                </a:ext>
-              </a:extLst>
-            </p:cNvPr>
-            <p:cNvCxnSpPr>
-              <a:cxnSpLocks/>
-            </p:cNvCxnSpPr>
-            <p:nvPr/>
-          </p:nvCxnSpPr>
-          <p:spPr>
-            <a:xfrm>
-              <a:off x="10377490" y="832858"/>
-              <a:ext cx="917867" cy="12705"/>
-            </a:xfrm>
-            <a:prstGeom prst="straightConnector1">
-              <a:avLst/>
-            </a:prstGeom>
-            <a:ln w="38100" cap="flat" cmpd="sng" algn="ctr">
-              <a:solidFill>
-                <a:schemeClr val="accent1"/>
-              </a:solidFill>
-              <a:prstDash val="solid"/>
-              <a:round/>
-              <a:headEnd type="none" w="med" len="med"/>
-              <a:tailEnd type="arrow" w="med" len="med"/>
-            </a:ln>
-          </p:spPr>
-          <p:style>
-            <a:lnRef idx="0">
-              <a:scrgbClr r="0" g="0" b="0"/>
-            </a:lnRef>
-            <a:fillRef idx="0">
-              <a:scrgbClr r="0" g="0" b="0"/>
-            </a:fillRef>
-            <a:effectRef idx="0">
-              <a:scrgbClr r="0" g="0" b="0"/>
-            </a:effectRef>
-            <a:fontRef idx="minor">
-              <a:schemeClr val="tx1"/>
-            </a:fontRef>
-          </p:style>
-        </p:cxnSp>
-        <p:cxnSp>
-          <p:nvCxnSpPr>
-            <p:cNvPr id="69" name="直線矢印コネクタ 68">
-              <a:extLst>
-                <a:ext uri="{FF2B5EF4-FFF2-40B4-BE49-F238E27FC236}">
-                  <a16:creationId xmlns:a16="http://schemas.microsoft.com/office/drawing/2014/main" id="{4E9F206A-1B5F-4F10-875F-FAA5432B58C5}"/>
-                </a:ext>
-              </a:extLst>
-            </p:cNvPr>
-            <p:cNvCxnSpPr>
-              <a:cxnSpLocks/>
-            </p:cNvCxnSpPr>
-            <p:nvPr/>
-          </p:nvCxnSpPr>
-          <p:spPr>
-            <a:xfrm>
-              <a:off x="8294045" y="784602"/>
-              <a:ext cx="917867" cy="12705"/>
-            </a:xfrm>
-            <a:prstGeom prst="straightConnector1">
-              <a:avLst/>
-            </a:prstGeom>
-            <a:ln w="38100" cap="flat" cmpd="sng" algn="ctr">
-              <a:solidFill>
-                <a:schemeClr val="accent1"/>
-              </a:solidFill>
-              <a:prstDash val="dash"/>
-              <a:round/>
-              <a:headEnd type="none" w="med" len="med"/>
-              <a:tailEnd type="arrow" w="med" len="med"/>
-            </a:ln>
-          </p:spPr>
-          <p:style>
-            <a:lnRef idx="0">
-              <a:scrgbClr r="0" g="0" b="0"/>
-            </a:lnRef>
-            <a:fillRef idx="0">
-              <a:scrgbClr r="0" g="0" b="0"/>
-            </a:fillRef>
-            <a:effectRef idx="0">
-              <a:scrgbClr r="0" g="0" b="0"/>
-            </a:effectRef>
-            <a:fontRef idx="minor">
-              <a:schemeClr val="tx1"/>
-            </a:fontRef>
-          </p:style>
-        </p:cxnSp>
-        <p:sp>
-          <p:nvSpPr>
-            <p:cNvPr id="70" name="テキスト ボックス 69">
-              <a:extLst>
-                <a:ext uri="{FF2B5EF4-FFF2-40B4-BE49-F238E27FC236}">
-                  <a16:creationId xmlns:a16="http://schemas.microsoft.com/office/drawing/2014/main" id="{0BEA7952-5026-4A83-921F-DD934992A150}"/>
+                  <a16:creationId xmlns:a16="http://schemas.microsoft.com/office/drawing/2014/main" id="{73911806-AA58-5449-8092-0594859A9946}"/>
                 </a:ext>
               </a:extLst>
             </p:cNvPr>
@@ -5886,8 +7624,8 @@
           </p:nvSpPr>
           <p:spPr>
             <a:xfrm>
-              <a:off x="8173220" y="401703"/>
-              <a:ext cx="1083951" cy="369332"/>
+              <a:off x="108905" y="3463903"/>
+              <a:ext cx="1012878" cy="409650"/>
             </a:xfrm>
             <a:prstGeom prst="rect">
               <a:avLst/>
@@ -5901,18 +7639,19 @@
             <a:lstStyle/>
             <a:p>
               <a:r>
-                <a:rPr kumimoji="1" lang="en-US" altLang="ja-JP" dirty="0"/>
-                <a:t>Optional</a:t>
+                <a:rPr kumimoji="1" lang="en-US" altLang="ja-JP" sz="1600" dirty="0"/>
+                <a:t>Region</a:t>
               </a:r>
+              <a:endParaRPr kumimoji="1" lang="ja-JP" altLang="en-US" sz="1600"/>
             </a:p>
           </p:txBody>
         </p:sp>
         <p:sp>
           <p:nvSpPr>
-            <p:cNvPr id="71" name="テキスト ボックス 70">
+            <p:cNvPr id="44" name="テキスト ボックス 43">
               <a:extLst>
                 <a:ext uri="{FF2B5EF4-FFF2-40B4-BE49-F238E27FC236}">
-                  <a16:creationId xmlns:a16="http://schemas.microsoft.com/office/drawing/2014/main" id="{99B594D2-C70B-4658-8F62-0764F4398610}"/>
+                  <a16:creationId xmlns:a16="http://schemas.microsoft.com/office/drawing/2014/main" id="{9DDC4E95-9309-2F46-A8FA-525AD1F69812}"/>
                 </a:ext>
               </a:extLst>
             </p:cNvPr>
@@ -5921,8 +7660,8 @@
           </p:nvSpPr>
           <p:spPr>
             <a:xfrm>
-              <a:off x="10243137" y="441991"/>
-              <a:ext cx="1140056" cy="369332"/>
+              <a:off x="4203494" y="3082903"/>
+              <a:ext cx="3957241" cy="558615"/>
             </a:xfrm>
             <a:prstGeom prst="rect">
               <a:avLst/>
@@ -5936,9 +7675,10 @@
             <a:lstStyle/>
             <a:p>
               <a:r>
-                <a:rPr kumimoji="1" lang="en-US" altLang="ja-JP" dirty="0"/>
-                <a:t>Required</a:t>
+                <a:rPr kumimoji="1" lang="en-US" altLang="ja-JP" sz="2400" dirty="0"/>
+                <a:t>Azure Global Network</a:t>
               </a:r>
+              <a:endParaRPr kumimoji="1" lang="ja-JP" altLang="en-US" sz="2400"/>
             </a:p>
           </p:txBody>
         </p:sp>
@@ -5946,7 +7686,7 @@
     </p:spTree>
     <p:extLst>
       <p:ext uri="{BB962C8B-B14F-4D97-AF65-F5344CB8AC3E}">
-        <p14:creationId xmlns:p14="http://schemas.microsoft.com/office/powerpoint/2010/main" val="3715060071"/>
+        <p14:creationId xmlns:p14="http://schemas.microsoft.com/office/powerpoint/2010/main" val="1328817815"/>
       </p:ext>
     </p:extLst>
   </p:cSld>

--- a/microsoft-azure-and-azure-devops/images/figures.pptx
+++ b/microsoft-azure-and-azure-devops/images/figures.pptx
@@ -3733,476 +3733,781 @@
           <a:chExt cx="0" cy="0"/>
         </a:xfrm>
       </p:grpSpPr>
-      <p:pic>
-        <p:nvPicPr>
-          <p:cNvPr id="3" name="グラフィックス 2">
-            <a:extLst>
-              <a:ext uri="{FF2B5EF4-FFF2-40B4-BE49-F238E27FC236}">
-                <a16:creationId xmlns:a16="http://schemas.microsoft.com/office/drawing/2014/main" id="{C30BB539-3F06-0740-BFD3-32ECE582418A}"/>
-              </a:ext>
-            </a:extLst>
-          </p:cNvPr>
-          <p:cNvPicPr>
-            <a:picLocks noChangeAspect="1"/>
-          </p:cNvPicPr>
+      <p:grpSp>
+        <p:nvGrpSpPr>
+          <p:cNvPr id="39" name="グループ化 38">
+            <a:extLst>
+              <a:ext uri="{FF2B5EF4-FFF2-40B4-BE49-F238E27FC236}">
+                <a16:creationId xmlns:a16="http://schemas.microsoft.com/office/drawing/2014/main" id="{0818EC67-B4B1-224F-B6BD-8D5ACEF87548}"/>
+              </a:ext>
+            </a:extLst>
+          </p:cNvPr>
+          <p:cNvGrpSpPr/>
           <p:nvPr/>
-        </p:nvPicPr>
-        <p:blipFill>
-          <a:blip r:embed="rId2">
-            <a:extLst>
-              <a:ext uri="{28A0092B-C50C-407E-A947-70E740481C1C}">
-                <a14:useLocalDpi xmlns:a14="http://schemas.microsoft.com/office/drawing/2010/main" val="0"/>
-              </a:ext>
-              <a:ext uri="{96DAC541-7B7A-43D3-8B79-37D633B846F1}">
-                <asvg:svgBlip xmlns:asvg="http://schemas.microsoft.com/office/drawing/2016/SVG/main" r:embed="rId3"/>
-              </a:ext>
-            </a:extLst>
-          </a:blip>
-          <a:stretch>
-            <a:fillRect/>
-          </a:stretch>
-        </p:blipFill>
-        <p:spPr>
+        </p:nvGrpSpPr>
+        <p:grpSpPr>
           <a:xfrm>
-            <a:off x="2722721" y="515991"/>
-            <a:ext cx="669386" cy="669386"/>
+            <a:off x="2534839" y="485275"/>
+            <a:ext cx="5223521" cy="4345301"/>
+            <a:chOff x="2534839" y="485275"/>
+            <a:chExt cx="5223521" cy="4345301"/>
           </a:xfrm>
-          <a:prstGeom prst="rect">
-            <a:avLst/>
-          </a:prstGeom>
-        </p:spPr>
-      </p:pic>
-      <p:sp>
-        <p:nvSpPr>
-          <p:cNvPr id="4" name="テキスト ボックス 3">
-            <a:extLst>
-              <a:ext uri="{FF2B5EF4-FFF2-40B4-BE49-F238E27FC236}">
-                <a16:creationId xmlns:a16="http://schemas.microsoft.com/office/drawing/2014/main" id="{3456DF93-BD31-3E4B-B9F9-09119AA8B951}"/>
-              </a:ext>
-            </a:extLst>
-          </p:cNvPr>
-          <p:cNvSpPr txBox="1"/>
-          <p:nvPr/>
-        </p:nvSpPr>
-        <p:spPr>
-          <a:xfrm>
-            <a:off x="2534674" y="1366345"/>
-            <a:ext cx="1045479" cy="369332"/>
-          </a:xfrm>
-          <a:prstGeom prst="rect">
-            <a:avLst/>
-          </a:prstGeom>
-          <a:noFill/>
-        </p:spPr>
-        <p:txBody>
-          <a:bodyPr wrap="none" rtlCol="0">
-            <a:spAutoFit/>
-          </a:bodyPr>
-          <a:lstStyle/>
-          <a:p>
-            <a:r>
-              <a:rPr lang="en-US" altLang="ja-JP" dirty="0"/>
-              <a:t>Pipeline</a:t>
-            </a:r>
-            <a:endParaRPr kumimoji="1" lang="ja-JP" altLang="en-US"/>
-          </a:p>
-        </p:txBody>
-      </p:sp>
-      <p:sp>
-        <p:nvSpPr>
-          <p:cNvPr id="5" name="角丸四角形吹き出し 4">
-            <a:extLst>
-              <a:ext uri="{FF2B5EF4-FFF2-40B4-BE49-F238E27FC236}">
-                <a16:creationId xmlns:a16="http://schemas.microsoft.com/office/drawing/2014/main" id="{5E0C4A2D-DB39-8246-B748-5D8937ACE588}"/>
-              </a:ext>
-            </a:extLst>
-          </p:cNvPr>
-          <p:cNvSpPr/>
-          <p:nvPr/>
-        </p:nvSpPr>
-        <p:spPr>
-          <a:xfrm>
-            <a:off x="3749648" y="536774"/>
-            <a:ext cx="3090891" cy="1014237"/>
-          </a:xfrm>
-          <a:prstGeom prst="wedgeRoundRectCallout">
-            <a:avLst>
-              <a:gd name="adj1" fmla="val -63322"/>
-              <a:gd name="adj2" fmla="val -31072"/>
-              <a:gd name="adj3" fmla="val 16667"/>
-            </a:avLst>
-          </a:prstGeom>
-          <a:noFill/>
-        </p:spPr>
-        <p:style>
-          <a:lnRef idx="2">
-            <a:schemeClr val="accent1"/>
-          </a:lnRef>
-          <a:fillRef idx="1">
-            <a:schemeClr val="lt1"/>
-          </a:fillRef>
-          <a:effectRef idx="0">
-            <a:schemeClr val="accent1"/>
-          </a:effectRef>
-          <a:fontRef idx="minor">
-            <a:schemeClr val="dk1"/>
-          </a:fontRef>
-        </p:style>
-        <p:txBody>
-          <a:bodyPr rtlCol="0" anchor="t"/>
-          <a:lstStyle/>
-          <a:p>
-            <a:r>
-              <a:rPr kumimoji="1" lang="en-US" altLang="ja-JP" sz="1400" b="1" dirty="0"/>
-              <a:t>Microsoft-hosted Agent</a:t>
-            </a:r>
-            <a:endParaRPr kumimoji="1" lang="ja-JP" altLang="en-US" sz="1400" b="1"/>
-          </a:p>
-        </p:txBody>
-      </p:sp>
-      <p:pic>
-        <p:nvPicPr>
-          <p:cNvPr id="7" name="図 6" descr="電子機器, 表示, コンピュータ が含まれている画像&#10;&#10;自動的に生成された説明">
-            <a:extLst>
-              <a:ext uri="{FF2B5EF4-FFF2-40B4-BE49-F238E27FC236}">
-                <a16:creationId xmlns:a16="http://schemas.microsoft.com/office/drawing/2014/main" id="{5C75CFD1-F83B-5F4D-8518-2C4F1276EA70}"/>
-              </a:ext>
-            </a:extLst>
-          </p:cNvPr>
-          <p:cNvPicPr>
-            <a:picLocks noChangeAspect="1"/>
-          </p:cNvPicPr>
-          <p:nvPr/>
-        </p:nvPicPr>
-        <p:blipFill>
-          <a:blip r:embed="rId4">
-            <a:extLst>
-              <a:ext uri="{28A0092B-C50C-407E-A947-70E740481C1C}">
-                <a14:useLocalDpi xmlns:a14="http://schemas.microsoft.com/office/drawing/2010/main" val="0"/>
-              </a:ext>
-            </a:extLst>
-          </a:blip>
-          <a:stretch>
-            <a:fillRect/>
-          </a:stretch>
-        </p:blipFill>
-        <p:spPr>
-          <a:xfrm>
-            <a:off x="4055188" y="932405"/>
-            <a:ext cx="529131" cy="529131"/>
-          </a:xfrm>
-          <a:prstGeom prst="rect">
-            <a:avLst/>
-          </a:prstGeom>
-        </p:spPr>
-      </p:pic>
-      <p:pic>
-        <p:nvPicPr>
-          <p:cNvPr id="8" name="図 7" descr="電子機器, 表示, コンピュータ が含まれている画像&#10;&#10;自動的に生成された説明">
-            <a:extLst>
-              <a:ext uri="{FF2B5EF4-FFF2-40B4-BE49-F238E27FC236}">
-                <a16:creationId xmlns:a16="http://schemas.microsoft.com/office/drawing/2014/main" id="{9802073C-0EB8-2147-BE22-4269829FB495}"/>
-              </a:ext>
-            </a:extLst>
-          </p:cNvPr>
-          <p:cNvPicPr>
-            <a:picLocks noChangeAspect="1"/>
-          </p:cNvPicPr>
-          <p:nvPr/>
-        </p:nvPicPr>
-        <p:blipFill>
-          <a:blip r:embed="rId4">
-            <a:extLst>
-              <a:ext uri="{28A0092B-C50C-407E-A947-70E740481C1C}">
-                <a14:useLocalDpi xmlns:a14="http://schemas.microsoft.com/office/drawing/2010/main" val="0"/>
-              </a:ext>
-            </a:extLst>
-          </a:blip>
-          <a:stretch>
-            <a:fillRect/>
-          </a:stretch>
-        </p:blipFill>
-        <p:spPr>
-          <a:xfrm>
-            <a:off x="4753814" y="932405"/>
-            <a:ext cx="529131" cy="529131"/>
-          </a:xfrm>
-          <a:prstGeom prst="rect">
-            <a:avLst/>
-          </a:prstGeom>
-        </p:spPr>
-      </p:pic>
-      <p:pic>
-        <p:nvPicPr>
-          <p:cNvPr id="9" name="図 8" descr="電子機器, 表示, コンピュータ が含まれている画像&#10;&#10;自動的に生成された説明">
-            <a:extLst>
-              <a:ext uri="{FF2B5EF4-FFF2-40B4-BE49-F238E27FC236}">
-                <a16:creationId xmlns:a16="http://schemas.microsoft.com/office/drawing/2014/main" id="{B6345B00-B352-984D-AE7E-05C6A96DF9DF}"/>
-              </a:ext>
-            </a:extLst>
-          </p:cNvPr>
-          <p:cNvPicPr>
-            <a:picLocks noChangeAspect="1"/>
-          </p:cNvPicPr>
-          <p:nvPr/>
-        </p:nvPicPr>
-        <p:blipFill>
-          <a:blip r:embed="rId4">
-            <a:extLst>
-              <a:ext uri="{28A0092B-C50C-407E-A947-70E740481C1C}">
-                <a14:useLocalDpi xmlns:a14="http://schemas.microsoft.com/office/drawing/2010/main" val="0"/>
-              </a:ext>
-            </a:extLst>
-          </a:blip>
-          <a:stretch>
-            <a:fillRect/>
-          </a:stretch>
-        </p:blipFill>
-        <p:spPr>
-          <a:xfrm>
-            <a:off x="5452440" y="932405"/>
-            <a:ext cx="529131" cy="529131"/>
-          </a:xfrm>
-          <a:prstGeom prst="rect">
-            <a:avLst/>
-          </a:prstGeom>
-        </p:spPr>
-      </p:pic>
-      <p:pic>
-        <p:nvPicPr>
-          <p:cNvPr id="11" name="図 10" descr="挿絵 が含まれている画像&#10;&#10;自動的に生成された説明">
-            <a:extLst>
-              <a:ext uri="{FF2B5EF4-FFF2-40B4-BE49-F238E27FC236}">
-                <a16:creationId xmlns:a16="http://schemas.microsoft.com/office/drawing/2014/main" id="{676485E0-2855-E443-A2E4-5BC49E9C1D6D}"/>
-              </a:ext>
-            </a:extLst>
-          </p:cNvPr>
-          <p:cNvPicPr>
-            <a:picLocks noChangeAspect="1"/>
-          </p:cNvPicPr>
-          <p:nvPr/>
-        </p:nvPicPr>
-        <p:blipFill>
-          <a:blip r:embed="rId5">
-            <a:extLst>
-              <a:ext uri="{28A0092B-C50C-407E-A947-70E740481C1C}">
-                <a14:useLocalDpi xmlns:a14="http://schemas.microsoft.com/office/drawing/2010/main" val="0"/>
-              </a:ext>
-            </a:extLst>
-          </a:blip>
-          <a:stretch>
-            <a:fillRect/>
-          </a:stretch>
-        </p:blipFill>
-        <p:spPr>
-          <a:xfrm>
-            <a:off x="2670063" y="3041650"/>
-            <a:ext cx="774700" cy="774700"/>
-          </a:xfrm>
-          <a:prstGeom prst="rect">
-            <a:avLst/>
-          </a:prstGeom>
-        </p:spPr>
-      </p:pic>
-      <p:pic>
-        <p:nvPicPr>
-          <p:cNvPr id="12" name="図 11" descr="電子機器, 表示, コンピュータ が含まれている画像&#10;&#10;自動的に生成された説明">
-            <a:extLst>
-              <a:ext uri="{FF2B5EF4-FFF2-40B4-BE49-F238E27FC236}">
-                <a16:creationId xmlns:a16="http://schemas.microsoft.com/office/drawing/2014/main" id="{BBE7ADB9-BD7D-504E-A6F0-00B70AA42E15}"/>
-              </a:ext>
-            </a:extLst>
-          </p:cNvPr>
-          <p:cNvPicPr>
-            <a:picLocks noChangeAspect="1"/>
-          </p:cNvPicPr>
-          <p:nvPr/>
-        </p:nvPicPr>
-        <p:blipFill>
-          <a:blip r:embed="rId4">
-            <a:extLst>
-              <a:ext uri="{28A0092B-C50C-407E-A947-70E740481C1C}">
-                <a14:useLocalDpi xmlns:a14="http://schemas.microsoft.com/office/drawing/2010/main" val="0"/>
-              </a:ext>
-            </a:extLst>
-          </a:blip>
-          <a:stretch>
-            <a:fillRect/>
-          </a:stretch>
-        </p:blipFill>
-        <p:spPr>
-          <a:xfrm>
-            <a:off x="6147371" y="932405"/>
-            <a:ext cx="529131" cy="529131"/>
-          </a:xfrm>
-          <a:prstGeom prst="rect">
-            <a:avLst/>
-          </a:prstGeom>
-        </p:spPr>
-      </p:pic>
-      <p:sp>
-        <p:nvSpPr>
-          <p:cNvPr id="13" name="テキスト ボックス 12">
-            <a:extLst>
-              <a:ext uri="{FF2B5EF4-FFF2-40B4-BE49-F238E27FC236}">
-                <a16:creationId xmlns:a16="http://schemas.microsoft.com/office/drawing/2014/main" id="{1D81F97D-3E6D-4D43-8334-6615B319EBA6}"/>
-              </a:ext>
-            </a:extLst>
-          </p:cNvPr>
-          <p:cNvSpPr txBox="1"/>
-          <p:nvPr/>
-        </p:nvSpPr>
-        <p:spPr>
-          <a:xfrm>
-            <a:off x="2534673" y="3841133"/>
-            <a:ext cx="1107996" cy="369332"/>
-          </a:xfrm>
-          <a:prstGeom prst="rect">
-            <a:avLst/>
-          </a:prstGeom>
-          <a:noFill/>
-        </p:spPr>
-        <p:txBody>
-          <a:bodyPr wrap="none" rtlCol="0">
-            <a:spAutoFit/>
-          </a:bodyPr>
-          <a:lstStyle/>
-          <a:p>
-            <a:r>
-              <a:rPr kumimoji="1" lang="ja-JP" altLang="en-US"/>
-              <a:t>オンプレ</a:t>
-            </a:r>
-          </a:p>
-        </p:txBody>
-      </p:sp>
-      <p:sp>
-        <p:nvSpPr>
-          <p:cNvPr id="14" name="角丸四角形吹き出し 13">
-            <a:extLst>
-              <a:ext uri="{FF2B5EF4-FFF2-40B4-BE49-F238E27FC236}">
-                <a16:creationId xmlns:a16="http://schemas.microsoft.com/office/drawing/2014/main" id="{C8316564-4FB3-1542-92F7-97F9AD11368D}"/>
-              </a:ext>
-            </a:extLst>
-          </p:cNvPr>
-          <p:cNvSpPr/>
-          <p:nvPr/>
-        </p:nvSpPr>
-        <p:spPr>
-          <a:xfrm>
-            <a:off x="3737333" y="2385848"/>
-            <a:ext cx="3090891" cy="1824617"/>
-          </a:xfrm>
-          <a:prstGeom prst="wedgeRoundRectCallout">
-            <a:avLst>
-              <a:gd name="adj1" fmla="val -64342"/>
-              <a:gd name="adj2" fmla="val 7522"/>
-              <a:gd name="adj3" fmla="val 16667"/>
-            </a:avLst>
-          </a:prstGeom>
-          <a:noFill/>
-        </p:spPr>
-        <p:style>
-          <a:lnRef idx="2">
-            <a:schemeClr val="accent1"/>
-          </a:lnRef>
-          <a:fillRef idx="1">
-            <a:schemeClr val="lt1"/>
-          </a:fillRef>
-          <a:effectRef idx="0">
-            <a:schemeClr val="accent1"/>
-          </a:effectRef>
-          <a:fontRef idx="minor">
-            <a:schemeClr val="dk1"/>
-          </a:fontRef>
-        </p:style>
-        <p:txBody>
-          <a:bodyPr rtlCol="0" anchor="b"/>
-          <a:lstStyle/>
-          <a:p>
-            <a:pPr algn="ctr"/>
-            <a:endParaRPr kumimoji="1" lang="ja-JP" altLang="en-US" sz="1400" b="1"/>
-          </a:p>
-        </p:txBody>
-      </p:sp>
-      <p:pic>
-        <p:nvPicPr>
-          <p:cNvPr id="18" name="図 17" descr="電子機器, 表示, コンピュータ が含まれている画像&#10;&#10;自動的に生成された説明">
-            <a:extLst>
-              <a:ext uri="{FF2B5EF4-FFF2-40B4-BE49-F238E27FC236}">
-                <a16:creationId xmlns:a16="http://schemas.microsoft.com/office/drawing/2014/main" id="{4B556FD0-6582-914A-B2D8-552AAC30E308}"/>
-              </a:ext>
-            </a:extLst>
-          </p:cNvPr>
-          <p:cNvPicPr>
-            <a:picLocks noChangeAspect="1"/>
-          </p:cNvPicPr>
-          <p:nvPr/>
-        </p:nvPicPr>
-        <p:blipFill>
-          <a:blip r:embed="rId4">
-            <a:extLst>
-              <a:ext uri="{28A0092B-C50C-407E-A947-70E740481C1C}">
-                <a14:useLocalDpi xmlns:a14="http://schemas.microsoft.com/office/drawing/2010/main" val="0"/>
-              </a:ext>
-            </a:extLst>
-          </a:blip>
-          <a:stretch>
-            <a:fillRect/>
-          </a:stretch>
-        </p:blipFill>
-        <p:spPr>
-          <a:xfrm>
-            <a:off x="4055188" y="3033590"/>
-            <a:ext cx="529131" cy="529131"/>
-          </a:xfrm>
-          <a:prstGeom prst="rect">
-            <a:avLst/>
-          </a:prstGeom>
-        </p:spPr>
-      </p:pic>
-      <p:sp>
-        <p:nvSpPr>
-          <p:cNvPr id="19" name="テキスト ボックス 18">
-            <a:extLst>
-              <a:ext uri="{FF2B5EF4-FFF2-40B4-BE49-F238E27FC236}">
-                <a16:creationId xmlns:a16="http://schemas.microsoft.com/office/drawing/2014/main" id="{596B95AD-FAA4-D542-801D-E734518ECEFC}"/>
-              </a:ext>
-            </a:extLst>
-          </p:cNvPr>
-          <p:cNvSpPr txBox="1"/>
-          <p:nvPr/>
-        </p:nvSpPr>
-        <p:spPr>
-          <a:xfrm>
-            <a:off x="4645572" y="5118538"/>
-            <a:ext cx="1423788" cy="646331"/>
-          </a:xfrm>
-          <a:prstGeom prst="rect">
-            <a:avLst/>
-          </a:prstGeom>
-          <a:noFill/>
-        </p:spPr>
-        <p:txBody>
-          <a:bodyPr wrap="none" rtlCol="0">
-            <a:spAutoFit/>
-          </a:bodyPr>
-          <a:lstStyle/>
-          <a:p>
-            <a:r>
-              <a:rPr kumimoji="1" lang="en-US" altLang="ja-JP" dirty="0"/>
-              <a:t>Self-hosted</a:t>
-            </a:r>
-            <a:br>
-              <a:rPr lang="en-US" altLang="ja-JP"/>
-            </a:br>
-            <a:r>
-              <a:rPr lang="en-US" altLang="ja-JP"/>
-              <a:t>Agent</a:t>
-            </a:r>
-            <a:endParaRPr kumimoji="1" lang="en-US" altLang="ja-JP"/>
-          </a:p>
-        </p:txBody>
-      </p:sp>
+        </p:grpSpPr>
+        <p:pic>
+          <p:nvPicPr>
+            <p:cNvPr id="3" name="グラフィックス 2">
+              <a:extLst>
+                <a:ext uri="{FF2B5EF4-FFF2-40B4-BE49-F238E27FC236}">
+                  <a16:creationId xmlns:a16="http://schemas.microsoft.com/office/drawing/2014/main" id="{C30BB539-3F06-0740-BFD3-32ECE582418A}"/>
+                </a:ext>
+              </a:extLst>
+            </p:cNvPr>
+            <p:cNvPicPr>
+              <a:picLocks noChangeAspect="1"/>
+            </p:cNvPicPr>
+            <p:nvPr/>
+          </p:nvPicPr>
+          <p:blipFill>
+            <a:blip r:embed="rId2">
+              <a:extLst>
+                <a:ext uri="{28A0092B-C50C-407E-A947-70E740481C1C}">
+                  <a14:useLocalDpi xmlns:a14="http://schemas.microsoft.com/office/drawing/2010/main" val="0"/>
+                </a:ext>
+                <a:ext uri="{96DAC541-7B7A-43D3-8B79-37D633B846F1}">
+                  <asvg:svgBlip xmlns:asvg="http://schemas.microsoft.com/office/drawing/2016/SVG/main" r:embed="rId3"/>
+                </a:ext>
+              </a:extLst>
+            </a:blip>
+            <a:stretch>
+              <a:fillRect/>
+            </a:stretch>
+          </p:blipFill>
+          <p:spPr>
+            <a:xfrm>
+              <a:off x="4129205" y="485275"/>
+              <a:ext cx="669386" cy="669386"/>
+            </a:xfrm>
+            <a:prstGeom prst="rect">
+              <a:avLst/>
+            </a:prstGeom>
+          </p:spPr>
+        </p:pic>
+        <p:sp>
+          <p:nvSpPr>
+            <p:cNvPr id="4" name="テキスト ボックス 3">
+              <a:extLst>
+                <a:ext uri="{FF2B5EF4-FFF2-40B4-BE49-F238E27FC236}">
+                  <a16:creationId xmlns:a16="http://schemas.microsoft.com/office/drawing/2014/main" id="{3456DF93-BD31-3E4B-B9F9-09119AA8B951}"/>
+                </a:ext>
+              </a:extLst>
+            </p:cNvPr>
+            <p:cNvSpPr txBox="1"/>
+            <p:nvPr/>
+          </p:nvSpPr>
+          <p:spPr>
+            <a:xfrm>
+              <a:off x="3120095" y="686832"/>
+              <a:ext cx="1045479" cy="369332"/>
+            </a:xfrm>
+            <a:prstGeom prst="rect">
+              <a:avLst/>
+            </a:prstGeom>
+            <a:noFill/>
+          </p:spPr>
+          <p:txBody>
+            <a:bodyPr wrap="none" rtlCol="0">
+              <a:spAutoFit/>
+            </a:bodyPr>
+            <a:lstStyle/>
+            <a:p>
+              <a:r>
+                <a:rPr lang="en-US" altLang="ja-JP" dirty="0"/>
+                <a:t>Pipeline</a:t>
+              </a:r>
+              <a:endParaRPr kumimoji="1" lang="ja-JP" altLang="en-US"/>
+            </a:p>
+          </p:txBody>
+        </p:sp>
+        <p:sp>
+          <p:nvSpPr>
+            <p:cNvPr id="5" name="角丸四角形吹き出し 4">
+              <a:extLst>
+                <a:ext uri="{FF2B5EF4-FFF2-40B4-BE49-F238E27FC236}">
+                  <a16:creationId xmlns:a16="http://schemas.microsoft.com/office/drawing/2014/main" id="{5E0C4A2D-DB39-8246-B748-5D8937ACE588}"/>
+                </a:ext>
+              </a:extLst>
+            </p:cNvPr>
+            <p:cNvSpPr/>
+            <p:nvPr/>
+          </p:nvSpPr>
+          <p:spPr>
+            <a:xfrm>
+              <a:off x="5156132" y="506058"/>
+              <a:ext cx="2602228" cy="1014237"/>
+            </a:xfrm>
+            <a:prstGeom prst="wedgeRoundRectCallout">
+              <a:avLst>
+                <a:gd name="adj1" fmla="val -63322"/>
+                <a:gd name="adj2" fmla="val -31072"/>
+                <a:gd name="adj3" fmla="val 16667"/>
+              </a:avLst>
+            </a:prstGeom>
+            <a:noFill/>
+          </p:spPr>
+          <p:style>
+            <a:lnRef idx="2">
+              <a:schemeClr val="accent1"/>
+            </a:lnRef>
+            <a:fillRef idx="1">
+              <a:schemeClr val="lt1"/>
+            </a:fillRef>
+            <a:effectRef idx="0">
+              <a:schemeClr val="accent1"/>
+            </a:effectRef>
+            <a:fontRef idx="minor">
+              <a:schemeClr val="dk1"/>
+            </a:fontRef>
+          </p:style>
+          <p:txBody>
+            <a:bodyPr rtlCol="0" anchor="t"/>
+            <a:lstStyle/>
+            <a:p>
+              <a:r>
+                <a:rPr kumimoji="1" lang="en-US" altLang="ja-JP" sz="1400" b="1" dirty="0"/>
+                <a:t>Microsoft-hosted Agent</a:t>
+              </a:r>
+              <a:endParaRPr kumimoji="1" lang="ja-JP" altLang="en-US" sz="1400" b="1"/>
+            </a:p>
+          </p:txBody>
+        </p:sp>
+        <p:pic>
+          <p:nvPicPr>
+            <p:cNvPr id="7" name="図 6" descr="電子機器, 表示, コンピュータ が含まれている画像&#10;&#10;自動的に生成された説明">
+              <a:extLst>
+                <a:ext uri="{FF2B5EF4-FFF2-40B4-BE49-F238E27FC236}">
+                  <a16:creationId xmlns:a16="http://schemas.microsoft.com/office/drawing/2014/main" id="{5C75CFD1-F83B-5F4D-8518-2C4F1276EA70}"/>
+                </a:ext>
+              </a:extLst>
+            </p:cNvPr>
+            <p:cNvPicPr>
+              <a:picLocks noChangeAspect="1"/>
+            </p:cNvPicPr>
+            <p:nvPr/>
+          </p:nvPicPr>
+          <p:blipFill>
+            <a:blip r:embed="rId4">
+              <a:extLst>
+                <a:ext uri="{28A0092B-C50C-407E-A947-70E740481C1C}">
+                  <a14:useLocalDpi xmlns:a14="http://schemas.microsoft.com/office/drawing/2010/main" val="0"/>
+                </a:ext>
+              </a:extLst>
+            </a:blip>
+            <a:stretch>
+              <a:fillRect/>
+            </a:stretch>
+          </p:blipFill>
+          <p:spPr>
+            <a:xfrm>
+              <a:off x="5461672" y="901689"/>
+              <a:ext cx="529131" cy="529131"/>
+            </a:xfrm>
+            <a:prstGeom prst="rect">
+              <a:avLst/>
+            </a:prstGeom>
+          </p:spPr>
+        </p:pic>
+        <p:pic>
+          <p:nvPicPr>
+            <p:cNvPr id="8" name="図 7" descr="電子機器, 表示, コンピュータ が含まれている画像&#10;&#10;自動的に生成された説明">
+              <a:extLst>
+                <a:ext uri="{FF2B5EF4-FFF2-40B4-BE49-F238E27FC236}">
+                  <a16:creationId xmlns:a16="http://schemas.microsoft.com/office/drawing/2014/main" id="{9802073C-0EB8-2147-BE22-4269829FB495}"/>
+                </a:ext>
+              </a:extLst>
+            </p:cNvPr>
+            <p:cNvPicPr>
+              <a:picLocks noChangeAspect="1"/>
+            </p:cNvPicPr>
+            <p:nvPr/>
+          </p:nvPicPr>
+          <p:blipFill>
+            <a:blip r:embed="rId4">
+              <a:extLst>
+                <a:ext uri="{28A0092B-C50C-407E-A947-70E740481C1C}">
+                  <a14:useLocalDpi xmlns:a14="http://schemas.microsoft.com/office/drawing/2010/main" val="0"/>
+                </a:ext>
+              </a:extLst>
+            </a:blip>
+            <a:stretch>
+              <a:fillRect/>
+            </a:stretch>
+          </p:blipFill>
+          <p:spPr>
+            <a:xfrm>
+              <a:off x="6160298" y="901689"/>
+              <a:ext cx="529131" cy="529131"/>
+            </a:xfrm>
+            <a:prstGeom prst="rect">
+              <a:avLst/>
+            </a:prstGeom>
+          </p:spPr>
+        </p:pic>
+        <p:pic>
+          <p:nvPicPr>
+            <p:cNvPr id="9" name="図 8" descr="電子機器, 表示, コンピュータ が含まれている画像&#10;&#10;自動的に生成された説明">
+              <a:extLst>
+                <a:ext uri="{FF2B5EF4-FFF2-40B4-BE49-F238E27FC236}">
+                  <a16:creationId xmlns:a16="http://schemas.microsoft.com/office/drawing/2014/main" id="{B6345B00-B352-984D-AE7E-05C6A96DF9DF}"/>
+                </a:ext>
+              </a:extLst>
+            </p:cNvPr>
+            <p:cNvPicPr>
+              <a:picLocks noChangeAspect="1"/>
+            </p:cNvPicPr>
+            <p:nvPr/>
+          </p:nvPicPr>
+          <p:blipFill>
+            <a:blip r:embed="rId4">
+              <a:extLst>
+                <a:ext uri="{28A0092B-C50C-407E-A947-70E740481C1C}">
+                  <a14:useLocalDpi xmlns:a14="http://schemas.microsoft.com/office/drawing/2010/main" val="0"/>
+                </a:ext>
+              </a:extLst>
+            </a:blip>
+            <a:stretch>
+              <a:fillRect/>
+            </a:stretch>
+          </p:blipFill>
+          <p:spPr>
+            <a:xfrm>
+              <a:off x="6858924" y="901689"/>
+              <a:ext cx="529131" cy="529131"/>
+            </a:xfrm>
+            <a:prstGeom prst="rect">
+              <a:avLst/>
+            </a:prstGeom>
+          </p:spPr>
+        </p:pic>
+        <p:pic>
+          <p:nvPicPr>
+            <p:cNvPr id="11" name="図 10" descr="挿絵 が含まれている画像&#10;&#10;自動的に生成された説明">
+              <a:extLst>
+                <a:ext uri="{FF2B5EF4-FFF2-40B4-BE49-F238E27FC236}">
+                  <a16:creationId xmlns:a16="http://schemas.microsoft.com/office/drawing/2014/main" id="{676485E0-2855-E443-A2E4-5BC49E9C1D6D}"/>
+                </a:ext>
+              </a:extLst>
+            </p:cNvPr>
+            <p:cNvPicPr>
+              <a:picLocks noChangeAspect="1"/>
+            </p:cNvPicPr>
+            <p:nvPr/>
+          </p:nvPicPr>
+          <p:blipFill>
+            <a:blip r:embed="rId5">
+              <a:extLst>
+                <a:ext uri="{28A0092B-C50C-407E-A947-70E740481C1C}">
+                  <a14:useLocalDpi xmlns:a14="http://schemas.microsoft.com/office/drawing/2010/main" val="0"/>
+                </a:ext>
+              </a:extLst>
+            </a:blip>
+            <a:stretch>
+              <a:fillRect/>
+            </a:stretch>
+          </p:blipFill>
+          <p:spPr>
+            <a:xfrm>
+              <a:off x="2670229" y="3661761"/>
+              <a:ext cx="774700" cy="774700"/>
+            </a:xfrm>
+            <a:prstGeom prst="rect">
+              <a:avLst/>
+            </a:prstGeom>
+          </p:spPr>
+        </p:pic>
+        <p:sp>
+          <p:nvSpPr>
+            <p:cNvPr id="13" name="テキスト ボックス 12">
+              <a:extLst>
+                <a:ext uri="{FF2B5EF4-FFF2-40B4-BE49-F238E27FC236}">
+                  <a16:creationId xmlns:a16="http://schemas.microsoft.com/office/drawing/2014/main" id="{1D81F97D-3E6D-4D43-8334-6615B319EBA6}"/>
+                </a:ext>
+              </a:extLst>
+            </p:cNvPr>
+            <p:cNvSpPr txBox="1"/>
+            <p:nvPr/>
+          </p:nvSpPr>
+          <p:spPr>
+            <a:xfrm>
+              <a:off x="2534839" y="4461244"/>
+              <a:ext cx="1107996" cy="369332"/>
+            </a:xfrm>
+            <a:prstGeom prst="rect">
+              <a:avLst/>
+            </a:prstGeom>
+            <a:noFill/>
+          </p:spPr>
+          <p:txBody>
+            <a:bodyPr wrap="none" rtlCol="0">
+              <a:spAutoFit/>
+            </a:bodyPr>
+            <a:lstStyle/>
+            <a:p>
+              <a:r>
+                <a:rPr kumimoji="1" lang="ja-JP" altLang="en-US"/>
+                <a:t>オンプレ</a:t>
+              </a:r>
+            </a:p>
+          </p:txBody>
+        </p:sp>
+        <p:sp>
+          <p:nvSpPr>
+            <p:cNvPr id="14" name="角丸四角形吹き出し 13">
+              <a:extLst>
+                <a:ext uri="{FF2B5EF4-FFF2-40B4-BE49-F238E27FC236}">
+                  <a16:creationId xmlns:a16="http://schemas.microsoft.com/office/drawing/2014/main" id="{C8316564-4FB3-1542-92F7-97F9AD11368D}"/>
+                </a:ext>
+              </a:extLst>
+            </p:cNvPr>
+            <p:cNvSpPr/>
+            <p:nvPr/>
+          </p:nvSpPr>
+          <p:spPr>
+            <a:xfrm>
+              <a:off x="3737499" y="3005959"/>
+              <a:ext cx="3483108" cy="1824617"/>
+            </a:xfrm>
+            <a:prstGeom prst="wedgeRoundRectCallout">
+              <a:avLst>
+                <a:gd name="adj1" fmla="val -64342"/>
+                <a:gd name="adj2" fmla="val 7522"/>
+                <a:gd name="adj3" fmla="val 16667"/>
+              </a:avLst>
+            </a:prstGeom>
+            <a:noFill/>
+          </p:spPr>
+          <p:style>
+            <a:lnRef idx="2">
+              <a:schemeClr val="accent1"/>
+            </a:lnRef>
+            <a:fillRef idx="1">
+              <a:schemeClr val="lt1"/>
+            </a:fillRef>
+            <a:effectRef idx="0">
+              <a:schemeClr val="accent1"/>
+            </a:effectRef>
+            <a:fontRef idx="minor">
+              <a:schemeClr val="dk1"/>
+            </a:fontRef>
+          </p:style>
+          <p:txBody>
+            <a:bodyPr rtlCol="0" anchor="b"/>
+            <a:lstStyle/>
+            <a:p>
+              <a:pPr algn="ctr"/>
+              <a:endParaRPr kumimoji="1" lang="ja-JP" altLang="en-US" sz="1400" b="1"/>
+            </a:p>
+          </p:txBody>
+        </p:sp>
+        <p:sp>
+          <p:nvSpPr>
+            <p:cNvPr id="19" name="テキスト ボックス 18">
+              <a:extLst>
+                <a:ext uri="{FF2B5EF4-FFF2-40B4-BE49-F238E27FC236}">
+                  <a16:creationId xmlns:a16="http://schemas.microsoft.com/office/drawing/2014/main" id="{596B95AD-FAA4-D542-801D-E734518ECEFC}"/>
+                </a:ext>
+              </a:extLst>
+            </p:cNvPr>
+            <p:cNvSpPr txBox="1"/>
+            <p:nvPr/>
+          </p:nvSpPr>
+          <p:spPr>
+            <a:xfrm>
+              <a:off x="3934723" y="4277368"/>
+              <a:ext cx="1202573" cy="523220"/>
+            </a:xfrm>
+            <a:prstGeom prst="rect">
+              <a:avLst/>
+            </a:prstGeom>
+            <a:noFill/>
+          </p:spPr>
+          <p:txBody>
+            <a:bodyPr wrap="none" rtlCol="0">
+              <a:spAutoFit/>
+            </a:bodyPr>
+            <a:lstStyle/>
+            <a:p>
+              <a:pPr algn="ctr"/>
+              <a:r>
+                <a:rPr kumimoji="1" lang="en-US" altLang="ja-JP" sz="1400" b="1" dirty="0"/>
+                <a:t>Self-hosted</a:t>
+              </a:r>
+              <a:br>
+                <a:rPr lang="en-US" altLang="ja-JP" sz="1400" b="1" dirty="0"/>
+              </a:br>
+              <a:r>
+                <a:rPr lang="en-US" altLang="ja-JP" sz="1400" b="1" dirty="0"/>
+                <a:t>Agent</a:t>
+              </a:r>
+              <a:endParaRPr kumimoji="1" lang="en-US" altLang="ja-JP" sz="1400" b="1" dirty="0"/>
+            </a:p>
+          </p:txBody>
+        </p:sp>
+        <p:pic>
+          <p:nvPicPr>
+            <p:cNvPr id="21" name="図 20" descr="デスクトップコンピューターのモニター&#10;&#10;自動的に生成された説明">
+              <a:extLst>
+                <a:ext uri="{FF2B5EF4-FFF2-40B4-BE49-F238E27FC236}">
+                  <a16:creationId xmlns:a16="http://schemas.microsoft.com/office/drawing/2014/main" id="{30D8FD69-3E11-E44A-B674-4F2D1160D96C}"/>
+                </a:ext>
+              </a:extLst>
+            </p:cNvPr>
+            <p:cNvPicPr>
+              <a:picLocks noChangeAspect="1"/>
+            </p:cNvPicPr>
+            <p:nvPr/>
+          </p:nvPicPr>
+          <p:blipFill>
+            <a:blip r:embed="rId6">
+              <a:extLst>
+                <a:ext uri="{28A0092B-C50C-407E-A947-70E740481C1C}">
+                  <a14:useLocalDpi xmlns:a14="http://schemas.microsoft.com/office/drawing/2010/main" val="0"/>
+                </a:ext>
+              </a:extLst>
+            </a:blip>
+            <a:stretch>
+              <a:fillRect/>
+            </a:stretch>
+          </p:blipFill>
+          <p:spPr>
+            <a:xfrm>
+              <a:off x="4084361" y="3589153"/>
+              <a:ext cx="788569" cy="658228"/>
+            </a:xfrm>
+            <a:prstGeom prst="rect">
+              <a:avLst/>
+            </a:prstGeom>
+          </p:spPr>
+        </p:pic>
+        <p:pic>
+          <p:nvPicPr>
+            <p:cNvPr id="23" name="図 22" descr="座る, コンピュータ, テーブル, フロント が含まれている画像&#10;&#10;自動的に生成された説明">
+              <a:extLst>
+                <a:ext uri="{FF2B5EF4-FFF2-40B4-BE49-F238E27FC236}">
+                  <a16:creationId xmlns:a16="http://schemas.microsoft.com/office/drawing/2014/main" id="{85FB2757-D169-9F4B-9F5D-4554EB9604F1}"/>
+                </a:ext>
+              </a:extLst>
+            </p:cNvPr>
+            <p:cNvPicPr>
+              <a:picLocks noChangeAspect="1"/>
+            </p:cNvPicPr>
+            <p:nvPr/>
+          </p:nvPicPr>
+          <p:blipFill>
+            <a:blip r:embed="rId7">
+              <a:extLst>
+                <a:ext uri="{28A0092B-C50C-407E-A947-70E740481C1C}">
+                  <a14:useLocalDpi xmlns:a14="http://schemas.microsoft.com/office/drawing/2010/main" val="0"/>
+                </a:ext>
+              </a:extLst>
+            </a:blip>
+            <a:stretch>
+              <a:fillRect/>
+            </a:stretch>
+          </p:blipFill>
+          <p:spPr>
+            <a:xfrm>
+              <a:off x="5990436" y="3160449"/>
+              <a:ext cx="729915" cy="1303423"/>
+            </a:xfrm>
+            <a:prstGeom prst="rect">
+              <a:avLst/>
+            </a:prstGeom>
+          </p:spPr>
+        </p:pic>
+        <p:sp>
+          <p:nvSpPr>
+            <p:cNvPr id="24" name="テキスト ボックス 23">
+              <a:extLst>
+                <a:ext uri="{FF2B5EF4-FFF2-40B4-BE49-F238E27FC236}">
+                  <a16:creationId xmlns:a16="http://schemas.microsoft.com/office/drawing/2014/main" id="{B08A1F24-9BE1-374C-A3DC-1CF01F5DA572}"/>
+                </a:ext>
+              </a:extLst>
+            </p:cNvPr>
+            <p:cNvSpPr txBox="1"/>
+            <p:nvPr/>
+          </p:nvSpPr>
+          <p:spPr>
+            <a:xfrm>
+              <a:off x="5866962" y="4492021"/>
+              <a:ext cx="1082348" cy="307777"/>
+            </a:xfrm>
+            <a:prstGeom prst="rect">
+              <a:avLst/>
+            </a:prstGeom>
+            <a:noFill/>
+          </p:spPr>
+          <p:txBody>
+            <a:bodyPr wrap="none" rtlCol="0">
+              <a:spAutoFit/>
+            </a:bodyPr>
+            <a:lstStyle/>
+            <a:p>
+              <a:pPr algn="ctr"/>
+              <a:r>
+                <a:rPr lang="ja-JP" altLang="en-US" sz="1400" b="1"/>
+                <a:t>デプロイ先</a:t>
+              </a:r>
+              <a:endParaRPr kumimoji="1" lang="en-US" altLang="ja-JP" sz="1400" b="1" dirty="0"/>
+            </a:p>
+          </p:txBody>
+        </p:sp>
+        <p:sp>
+          <p:nvSpPr>
+            <p:cNvPr id="29" name="テキスト ボックス 28">
+              <a:extLst>
+                <a:ext uri="{FF2B5EF4-FFF2-40B4-BE49-F238E27FC236}">
+                  <a16:creationId xmlns:a16="http://schemas.microsoft.com/office/drawing/2014/main" id="{03C24599-EEED-144D-A06A-3E8D21B97115}"/>
+                </a:ext>
+              </a:extLst>
+            </p:cNvPr>
+            <p:cNvSpPr txBox="1"/>
+            <p:nvPr/>
+          </p:nvSpPr>
+          <p:spPr>
+            <a:xfrm>
+              <a:off x="4905245" y="2149848"/>
+              <a:ext cx="1024639" cy="369332"/>
+            </a:xfrm>
+            <a:prstGeom prst="rect">
+              <a:avLst/>
+            </a:prstGeom>
+            <a:noFill/>
+          </p:spPr>
+          <p:txBody>
+            <a:bodyPr wrap="none" rtlCol="0">
+              <a:spAutoFit/>
+            </a:bodyPr>
+            <a:lstStyle/>
+            <a:p>
+              <a:r>
+                <a:rPr lang="en-US" altLang="ja-JP" dirty="0"/>
+                <a:t>Internet</a:t>
+              </a:r>
+              <a:endParaRPr kumimoji="1" lang="ja-JP" altLang="en-US"/>
+            </a:p>
+          </p:txBody>
+        </p:sp>
+        <p:cxnSp>
+          <p:nvCxnSpPr>
+            <p:cNvPr id="30" name="直線矢印コネクタ 29">
+              <a:extLst>
+                <a:ext uri="{FF2B5EF4-FFF2-40B4-BE49-F238E27FC236}">
+                  <a16:creationId xmlns:a16="http://schemas.microsoft.com/office/drawing/2014/main" id="{13BC2C35-F745-A347-873C-D485186DB410}"/>
+                </a:ext>
+              </a:extLst>
+            </p:cNvPr>
+            <p:cNvCxnSpPr>
+              <a:cxnSpLocks/>
+            </p:cNvCxnSpPr>
+            <p:nvPr/>
+          </p:nvCxnSpPr>
+          <p:spPr>
+            <a:xfrm flipV="1">
+              <a:off x="4433638" y="1355565"/>
+              <a:ext cx="0" cy="2120843"/>
+            </a:xfrm>
+            <a:prstGeom prst="straightConnector1">
+              <a:avLst/>
+            </a:prstGeom>
+            <a:ln w="38100">
+              <a:solidFill>
+                <a:schemeClr val="accent6"/>
+              </a:solidFill>
+              <a:prstDash val="solid"/>
+              <a:headEnd type="none" w="med" len="med"/>
+              <a:tailEnd type="arrow" w="med" len="med"/>
+            </a:ln>
+          </p:spPr>
+          <p:style>
+            <a:lnRef idx="1">
+              <a:schemeClr val="accent1"/>
+            </a:lnRef>
+            <a:fillRef idx="0">
+              <a:schemeClr val="accent1"/>
+            </a:fillRef>
+            <a:effectRef idx="0">
+              <a:schemeClr val="accent1"/>
+            </a:effectRef>
+            <a:fontRef idx="minor">
+              <a:schemeClr val="tx1"/>
+            </a:fontRef>
+          </p:style>
+        </p:cxnSp>
+        <p:cxnSp>
+          <p:nvCxnSpPr>
+            <p:cNvPr id="34" name="直線矢印コネクタ 33">
+              <a:extLst>
+                <a:ext uri="{FF2B5EF4-FFF2-40B4-BE49-F238E27FC236}">
+                  <a16:creationId xmlns:a16="http://schemas.microsoft.com/office/drawing/2014/main" id="{0B19A3F1-F52A-4545-99B8-73A4AEE01ACF}"/>
+                </a:ext>
+              </a:extLst>
+            </p:cNvPr>
+            <p:cNvCxnSpPr>
+              <a:cxnSpLocks/>
+            </p:cNvCxnSpPr>
+            <p:nvPr/>
+          </p:nvCxnSpPr>
+          <p:spPr>
+            <a:xfrm flipH="1">
+              <a:off x="6399171" y="1369438"/>
+              <a:ext cx="0" cy="1484560"/>
+            </a:xfrm>
+            <a:prstGeom prst="straightConnector1">
+              <a:avLst/>
+            </a:prstGeom>
+            <a:ln w="38100">
+              <a:solidFill>
+                <a:srgbClr val="FF0000"/>
+              </a:solidFill>
+              <a:prstDash val="solid"/>
+              <a:headEnd type="none" w="med" len="med"/>
+              <a:tailEnd type="arrow" w="med" len="med"/>
+            </a:ln>
+          </p:spPr>
+          <p:style>
+            <a:lnRef idx="1">
+              <a:schemeClr val="accent1"/>
+            </a:lnRef>
+            <a:fillRef idx="0">
+              <a:schemeClr val="accent1"/>
+            </a:fillRef>
+            <a:effectRef idx="0">
+              <a:schemeClr val="accent1"/>
+            </a:effectRef>
+            <a:fontRef idx="minor">
+              <a:schemeClr val="tx1"/>
+            </a:fontRef>
+          </p:style>
+        </p:cxnSp>
+        <p:pic>
+          <p:nvPicPr>
+            <p:cNvPr id="36" name="図 35" descr="光 が含まれている画像&#10;&#10;自動的に生成された説明">
+              <a:extLst>
+                <a:ext uri="{FF2B5EF4-FFF2-40B4-BE49-F238E27FC236}">
+                  <a16:creationId xmlns:a16="http://schemas.microsoft.com/office/drawing/2014/main" id="{2CE8AD5D-603F-DD46-B6B3-600231575795}"/>
+                </a:ext>
+              </a:extLst>
+            </p:cNvPr>
+            <p:cNvPicPr>
+              <a:picLocks noChangeAspect="1"/>
+            </p:cNvPicPr>
+            <p:nvPr/>
+          </p:nvPicPr>
+          <p:blipFill>
+            <a:blip r:embed="rId8">
+              <a:extLst>
+                <a:ext uri="{28A0092B-C50C-407E-A947-70E740481C1C}">
+                  <a14:useLocalDpi xmlns:a14="http://schemas.microsoft.com/office/drawing/2010/main" val="0"/>
+                </a:ext>
+              </a:extLst>
+            </a:blip>
+            <a:stretch>
+              <a:fillRect/>
+            </a:stretch>
+          </p:blipFill>
+          <p:spPr>
+            <a:xfrm>
+              <a:off x="6002183" y="2071069"/>
+              <a:ext cx="793976" cy="613877"/>
+            </a:xfrm>
+            <a:prstGeom prst="rect">
+              <a:avLst/>
+            </a:prstGeom>
+          </p:spPr>
+        </p:pic>
+        <p:pic>
+          <p:nvPicPr>
+            <p:cNvPr id="28" name="図 27" descr="光 が含まれている画像&#10;&#10;自動的に生成された説明">
+              <a:extLst>
+                <a:ext uri="{FF2B5EF4-FFF2-40B4-BE49-F238E27FC236}">
+                  <a16:creationId xmlns:a16="http://schemas.microsoft.com/office/drawing/2014/main" id="{61D2B414-CC46-BF48-BC36-C244D672D45A}"/>
+                </a:ext>
+              </a:extLst>
+            </p:cNvPr>
+            <p:cNvPicPr>
+              <a:picLocks noChangeAspect="1"/>
+            </p:cNvPicPr>
+            <p:nvPr/>
+          </p:nvPicPr>
+          <p:blipFill>
+            <a:blip r:embed="rId8">
+              <a:extLst>
+                <a:ext uri="{28A0092B-C50C-407E-A947-70E740481C1C}">
+                  <a14:useLocalDpi xmlns:a14="http://schemas.microsoft.com/office/drawing/2010/main" val="0"/>
+                </a:ext>
+              </a:extLst>
+            </a:blip>
+            <a:stretch>
+              <a:fillRect/>
+            </a:stretch>
+          </p:blipFill>
+          <p:spPr>
+            <a:xfrm>
+              <a:off x="4066910" y="2027576"/>
+              <a:ext cx="793976" cy="613877"/>
+            </a:xfrm>
+            <a:prstGeom prst="rect">
+              <a:avLst/>
+            </a:prstGeom>
+          </p:spPr>
+        </p:pic>
+        <p:cxnSp>
+          <p:nvCxnSpPr>
+            <p:cNvPr id="37" name="直線矢印コネクタ 36">
+              <a:extLst>
+                <a:ext uri="{FF2B5EF4-FFF2-40B4-BE49-F238E27FC236}">
+                  <a16:creationId xmlns:a16="http://schemas.microsoft.com/office/drawing/2014/main" id="{A7D75C12-058E-9248-87F6-7EEC72D2A9FB}"/>
+                </a:ext>
+              </a:extLst>
+            </p:cNvPr>
+            <p:cNvCxnSpPr>
+              <a:cxnSpLocks/>
+            </p:cNvCxnSpPr>
+            <p:nvPr/>
+          </p:nvCxnSpPr>
+          <p:spPr>
+            <a:xfrm flipV="1">
+              <a:off x="4971835" y="3661761"/>
+              <a:ext cx="895127" cy="256507"/>
+            </a:xfrm>
+            <a:prstGeom prst="straightConnector1">
+              <a:avLst/>
+            </a:prstGeom>
+            <a:ln w="38100">
+              <a:solidFill>
+                <a:schemeClr val="accent6"/>
+              </a:solidFill>
+              <a:prstDash val="solid"/>
+              <a:headEnd type="none" w="med" len="med"/>
+              <a:tailEnd type="arrow" w="med" len="med"/>
+            </a:ln>
+          </p:spPr>
+          <p:style>
+            <a:lnRef idx="1">
+              <a:schemeClr val="accent1"/>
+            </a:lnRef>
+            <a:fillRef idx="0">
+              <a:schemeClr val="accent1"/>
+            </a:fillRef>
+            <a:effectRef idx="0">
+              <a:schemeClr val="accent1"/>
+            </a:effectRef>
+            <a:fontRef idx="minor">
+              <a:schemeClr val="tx1"/>
+            </a:fontRef>
+          </p:style>
+        </p:cxnSp>
+      </p:grpSp>
     </p:spTree>
     <p:extLst>
       <p:ext uri="{BB962C8B-B14F-4D97-AF65-F5344CB8AC3E}">
